--- a/contract_me.pptx
+++ b/contract_me.pptx
@@ -9,6 +9,24 @@
     <p:sldId id="257" r:id="rId4"/>
     <p:sldId id="258" r:id="rId5"/>
     <p:sldId id="259" r:id="rId6"/>
+    <p:sldId id="260" r:id="rId7"/>
+    <p:sldId id="261" r:id="rId8"/>
+    <p:sldId id="262" r:id="rId9"/>
+    <p:sldId id="263" r:id="rId10"/>
+    <p:sldId id="264" r:id="rId11"/>
+    <p:sldId id="265" r:id="rId12"/>
+    <p:sldId id="266" r:id="rId13"/>
+    <p:sldId id="267" r:id="rId14"/>
+    <p:sldId id="268" r:id="rId15"/>
+    <p:sldId id="269" r:id="rId16"/>
+    <p:sldId id="270" r:id="rId17"/>
+    <p:sldId id="271" r:id="rId18"/>
+    <p:sldId id="272" r:id="rId19"/>
+    <p:sldId id="273" r:id="rId20"/>
+    <p:sldId id="277" r:id="rId21"/>
+    <p:sldId id="274" r:id="rId22"/>
+    <p:sldId id="275" r:id="rId23"/>
+    <p:sldId id="276" r:id="rId24"/>
   </p:sldIdLst>
   <p:sldSz cx="12192000" cy="6858000"/>
   <p:notesSz cx="6858000" cy="9144000"/>
@@ -2976,6 +2994,2612 @@
 </p:sld>
 </file>
 
+<file path=ppt/slides/slide10.xml><?xml version="1.0" encoding="utf-8"?>
+<p:sld xmlns:a="http://schemas.openxmlformats.org/drawingml/2006/main" xmlns:r="http://schemas.openxmlformats.org/officeDocument/2006/relationships" xmlns:p="http://schemas.openxmlformats.org/presentationml/2006/main">
+  <p:cSld>
+    <p:spTree>
+      <p:nvGrpSpPr>
+        <p:cNvPr id="1" name=""/>
+        <p:cNvGrpSpPr/>
+        <p:nvPr/>
+      </p:nvGrpSpPr>
+      <p:grpSpPr/>
+      <p:sp>
+        <p:nvSpPr>
+          <p:cNvPr id="2" name="Title 1"/>
+          <p:cNvSpPr>
+            <a:spLocks noGrp="1"/>
+          </p:cNvSpPr>
+          <p:nvPr>
+            <p:ph type="title"/>
+          </p:nvPr>
+        </p:nvSpPr>
+        <p:spPr>
+          <a:xfrm>
+            <a:off x="828675" y="365125"/>
+            <a:ext cx="10515600" cy="1325563"/>
+          </a:xfrm>
+        </p:spPr>
+        <p:txBody>
+          <a:bodyPr/>
+          <a:p>
+            <a:pPr algn="ctr"/>
+            <a:r>
+              <a:rPr lang="x-none" altLang="en-US">
+                <a:sym typeface="+mn-ea"/>
+              </a:rPr>
+              <a:t>EVM_</a:t>
+            </a:r>
+            <a:r>
+              <a:rPr lang="x-none" sz="3600">
+                <a:sym typeface="+mn-ea"/>
+              </a:rPr>
+              <a:t>gas</a:t>
+            </a:r>
+            <a:endParaRPr lang="x-none" sz="3600"/>
+          </a:p>
+        </p:txBody>
+      </p:sp>
+      <p:sp>
+        <p:nvSpPr>
+          <p:cNvPr id="4" name="Text Box 3"/>
+          <p:cNvSpPr txBox="1"/>
+          <p:nvPr/>
+        </p:nvSpPr>
+        <p:spPr>
+          <a:xfrm>
+            <a:off x="1600835" y="2312670"/>
+            <a:ext cx="3088005" cy="365760"/>
+          </a:xfrm>
+          <a:prstGeom prst="rect">
+            <a:avLst/>
+          </a:prstGeom>
+          <a:noFill/>
+        </p:spPr>
+        <p:txBody>
+          <a:bodyPr wrap="square" rtlCol="0">
+            <a:spAutoFit/>
+          </a:bodyPr>
+          <a:p>
+            <a:r>
+              <a:rPr lang="x-none" altLang="en-US"/>
+              <a:t>limit the amount of the work</a:t>
+            </a:r>
+            <a:endParaRPr lang="x-none" altLang="en-US"/>
+          </a:p>
+        </p:txBody>
+      </p:sp>
+      <p:sp>
+        <p:nvSpPr>
+          <p:cNvPr id="5" name="Text Box 4"/>
+          <p:cNvSpPr txBox="1"/>
+          <p:nvPr/>
+        </p:nvSpPr>
+        <p:spPr>
+          <a:xfrm>
+            <a:off x="1691005" y="4106545"/>
+            <a:ext cx="2251710" cy="365760"/>
+          </a:xfrm>
+          <a:prstGeom prst="rect">
+            <a:avLst/>
+          </a:prstGeom>
+          <a:noFill/>
+        </p:spPr>
+        <p:txBody>
+          <a:bodyPr wrap="square" rtlCol="0">
+            <a:spAutoFit/>
+          </a:bodyPr>
+          <a:p>
+            <a:pPr algn="ctr"/>
+            <a:r>
+              <a:rPr lang="x-none" altLang="en-US"/>
+              <a:t>halting problem</a:t>
+            </a:r>
+            <a:endParaRPr lang="x-none" altLang="en-US"/>
+          </a:p>
+        </p:txBody>
+      </p:sp>
+      <p:sp>
+        <p:nvSpPr>
+          <p:cNvPr id="6" name="Text Box 5"/>
+          <p:cNvSpPr txBox="1"/>
+          <p:nvPr/>
+        </p:nvSpPr>
+        <p:spPr>
+          <a:xfrm>
+            <a:off x="2590165" y="2880360"/>
+            <a:ext cx="457200" cy="966470"/>
+          </a:xfrm>
+          <a:prstGeom prst="rect">
+            <a:avLst/>
+          </a:prstGeom>
+          <a:noFill/>
+        </p:spPr>
+        <p:txBody>
+          <a:bodyPr vert="eaVert" wrap="square" rtlCol="0">
+            <a:spAutoFit/>
+          </a:bodyPr>
+          <a:p>
+            <a:pPr algn="ctr"/>
+            <a:r>
+              <a:rPr lang="x-none" altLang="en-US"/>
+              <a:t>--&gt;</a:t>
+            </a:r>
+            <a:endParaRPr lang="x-none" altLang="en-US"/>
+          </a:p>
+        </p:txBody>
+      </p:sp>
+      <p:sp>
+        <p:nvSpPr>
+          <p:cNvPr id="7" name="Text Box 6"/>
+          <p:cNvSpPr txBox="1"/>
+          <p:nvPr/>
+        </p:nvSpPr>
+        <p:spPr>
+          <a:xfrm>
+            <a:off x="2984500" y="3150235"/>
+            <a:ext cx="1215390" cy="365760"/>
+          </a:xfrm>
+          <a:prstGeom prst="rect">
+            <a:avLst/>
+          </a:prstGeom>
+          <a:noFill/>
+        </p:spPr>
+        <p:txBody>
+          <a:bodyPr wrap="square" rtlCol="0">
+            <a:spAutoFit/>
+          </a:bodyPr>
+          <a:p>
+            <a:r>
+              <a:rPr lang="x-none" altLang="en-US"/>
+              <a:t>gas_limit</a:t>
+            </a:r>
+            <a:endParaRPr lang="x-none" altLang="en-US"/>
+          </a:p>
+        </p:txBody>
+      </p:sp>
+      <p:sp>
+        <p:nvSpPr>
+          <p:cNvPr id="8" name="Text Box 7"/>
+          <p:cNvSpPr txBox="1"/>
+          <p:nvPr/>
+        </p:nvSpPr>
+        <p:spPr>
+          <a:xfrm>
+            <a:off x="5906135" y="3110230"/>
+            <a:ext cx="1026160" cy="365760"/>
+          </a:xfrm>
+          <a:prstGeom prst="rect">
+            <a:avLst/>
+          </a:prstGeom>
+          <a:noFill/>
+        </p:spPr>
+        <p:txBody>
+          <a:bodyPr wrap="square" rtlCol="0">
+            <a:spAutoFit/>
+          </a:bodyPr>
+          <a:p>
+            <a:pPr algn="ctr"/>
+            <a:r>
+              <a:rPr lang="x-none" altLang="en-US"/>
+              <a:t>pay</a:t>
+            </a:r>
+            <a:endParaRPr lang="x-none" altLang="en-US"/>
+          </a:p>
+        </p:txBody>
+      </p:sp>
+      <p:sp>
+        <p:nvSpPr>
+          <p:cNvPr id="9" name="Text Box 8"/>
+          <p:cNvSpPr txBox="1"/>
+          <p:nvPr/>
+        </p:nvSpPr>
+        <p:spPr>
+          <a:xfrm>
+            <a:off x="8288020" y="3049905"/>
+            <a:ext cx="2619375" cy="365760"/>
+          </a:xfrm>
+          <a:prstGeom prst="rect">
+            <a:avLst/>
+          </a:prstGeom>
+          <a:noFill/>
+        </p:spPr>
+        <p:txBody>
+          <a:bodyPr wrap="square" rtlCol="0">
+            <a:spAutoFit/>
+          </a:bodyPr>
+          <a:p>
+            <a:pPr algn="ctr"/>
+            <a:r>
+              <a:rPr lang="x-none" altLang="en-US"/>
+              <a:t>gas * gas_price</a:t>
+            </a:r>
+            <a:endParaRPr lang="x-none" altLang="en-US"/>
+          </a:p>
+        </p:txBody>
+      </p:sp>
+      <p:sp>
+        <p:nvSpPr>
+          <p:cNvPr id="10" name="Text Box 9"/>
+          <p:cNvSpPr txBox="1"/>
+          <p:nvPr/>
+        </p:nvSpPr>
+        <p:spPr>
+          <a:xfrm>
+            <a:off x="7509510" y="2960370"/>
+            <a:ext cx="996315" cy="640080"/>
+          </a:xfrm>
+          <a:prstGeom prst="rect">
+            <a:avLst/>
+          </a:prstGeom>
+          <a:noFill/>
+        </p:spPr>
+        <p:txBody>
+          <a:bodyPr wrap="square" rtlCol="0">
+            <a:spAutoFit/>
+          </a:bodyPr>
+          <a:p>
+            <a:pPr algn="ctr"/>
+            <a:r>
+              <a:rPr lang="x-none" altLang="en-US"/>
+              <a:t>-&gt;</a:t>
+            </a:r>
+            <a:endParaRPr lang="x-none" altLang="en-US"/>
+          </a:p>
+          <a:p>
+            <a:pPr algn="ctr"/>
+            <a:r>
+              <a:rPr lang="x-none" altLang="en-US"/>
+              <a:t>-&gt;</a:t>
+            </a:r>
+            <a:endParaRPr lang="x-none" altLang="en-US"/>
+          </a:p>
+        </p:txBody>
+      </p:sp>
+      <p:sp>
+        <p:nvSpPr>
+          <p:cNvPr id="11" name="Text Box 10"/>
+          <p:cNvSpPr txBox="1"/>
+          <p:nvPr/>
+        </p:nvSpPr>
+        <p:spPr>
+          <a:xfrm>
+            <a:off x="7320915" y="3747135"/>
+            <a:ext cx="1483360" cy="365760"/>
+          </a:xfrm>
+          <a:prstGeom prst="rect">
+            <a:avLst/>
+          </a:prstGeom>
+          <a:noFill/>
+        </p:spPr>
+        <p:txBody>
+          <a:bodyPr wrap="square" rtlCol="0">
+            <a:spAutoFit/>
+          </a:bodyPr>
+          <a:p>
+            <a:pPr algn="ctr"/>
+            <a:r>
+              <a:rPr lang="x-none" altLang="en-US"/>
+              <a:t>out-of-gas</a:t>
+            </a:r>
+            <a:endParaRPr lang="x-none" altLang="en-US"/>
+          </a:p>
+        </p:txBody>
+      </p:sp>
+      <p:sp>
+        <p:nvSpPr>
+          <p:cNvPr id="13" name="Text Box 12"/>
+          <p:cNvSpPr txBox="1"/>
+          <p:nvPr/>
+        </p:nvSpPr>
+        <p:spPr>
+          <a:xfrm>
+            <a:off x="7829550" y="4255135"/>
+            <a:ext cx="457200" cy="717550"/>
+          </a:xfrm>
+          <a:prstGeom prst="rect">
+            <a:avLst/>
+          </a:prstGeom>
+          <a:noFill/>
+        </p:spPr>
+        <p:txBody>
+          <a:bodyPr vert="eaVert" wrap="square" rtlCol="0">
+            <a:spAutoFit/>
+          </a:bodyPr>
+          <a:p>
+            <a:pPr algn="ctr"/>
+            <a:r>
+              <a:rPr lang="x-none" altLang="en-US"/>
+              <a:t>-&gt;</a:t>
+            </a:r>
+            <a:endParaRPr lang="x-none" altLang="en-US"/>
+          </a:p>
+        </p:txBody>
+      </p:sp>
+      <p:sp>
+        <p:nvSpPr>
+          <p:cNvPr id="14" name="Text Box 13"/>
+          <p:cNvSpPr txBox="1"/>
+          <p:nvPr/>
+        </p:nvSpPr>
+        <p:spPr>
+          <a:xfrm>
+            <a:off x="7589520" y="4972685"/>
+            <a:ext cx="926465" cy="365760"/>
+          </a:xfrm>
+          <a:prstGeom prst="rect">
+            <a:avLst/>
+          </a:prstGeom>
+          <a:noFill/>
+        </p:spPr>
+        <p:txBody>
+          <a:bodyPr wrap="square" rtlCol="0">
+            <a:spAutoFit/>
+          </a:bodyPr>
+          <a:p>
+            <a:pPr algn="ctr"/>
+            <a:r>
+              <a:rPr lang="x-none" altLang="en-US"/>
+              <a:t>revert</a:t>
+            </a:r>
+            <a:endParaRPr lang="x-none" altLang="en-US"/>
+          </a:p>
+        </p:txBody>
+      </p:sp>
+      <p:sp>
+        <p:nvSpPr>
+          <p:cNvPr id="15" name="Text Box 14"/>
+          <p:cNvSpPr txBox="1"/>
+          <p:nvPr/>
+        </p:nvSpPr>
+        <p:spPr>
+          <a:xfrm>
+            <a:off x="5001260" y="2213610"/>
+            <a:ext cx="457200" cy="2978150"/>
+          </a:xfrm>
+          <a:prstGeom prst="rect">
+            <a:avLst/>
+          </a:prstGeom>
+          <a:noFill/>
+        </p:spPr>
+        <p:txBody>
+          <a:bodyPr vert="eaVert" wrap="square" rtlCol="0">
+            <a:spAutoFit/>
+          </a:bodyPr>
+          <a:p>
+            <a:r>
+              <a:rPr lang="x-none" altLang="en-US"/>
+              <a:t>---------------------</a:t>
+            </a:r>
+            <a:endParaRPr lang="x-none" altLang="en-US"/>
+          </a:p>
+        </p:txBody>
+      </p:sp>
+    </p:spTree>
+  </p:cSld>
+  <p:clrMapOvr>
+    <a:masterClrMapping/>
+  </p:clrMapOvr>
+</p:sld>
+</file>
+
+<file path=ppt/slides/slide11.xml><?xml version="1.0" encoding="utf-8"?>
+<p:sld xmlns:a="http://schemas.openxmlformats.org/drawingml/2006/main" xmlns:r="http://schemas.openxmlformats.org/officeDocument/2006/relationships" xmlns:p="http://schemas.openxmlformats.org/presentationml/2006/main">
+  <p:cSld>
+    <p:spTree>
+      <p:nvGrpSpPr>
+        <p:cNvPr id="1" name=""/>
+        <p:cNvGrpSpPr/>
+        <p:nvPr/>
+      </p:nvGrpSpPr>
+      <p:grpSpPr/>
+      <p:sp>
+        <p:nvSpPr>
+          <p:cNvPr id="2" name="Title 1"/>
+          <p:cNvSpPr>
+            <a:spLocks noGrp="1"/>
+          </p:cNvSpPr>
+          <p:nvPr>
+            <p:ph type="title"/>
+          </p:nvPr>
+        </p:nvSpPr>
+        <p:spPr/>
+        <p:txBody>
+          <a:bodyPr/>
+          <a:p>
+            <a:pPr algn="ctr"/>
+            <a:r>
+              <a:rPr lang="x-none" altLang="en-US">
+                <a:sym typeface="+mn-ea"/>
+              </a:rPr>
+              <a:t>EVM_</a:t>
+            </a:r>
+            <a:r>
+              <a:rPr lang="x-none" altLang="en-US" sz="3600">
+                <a:sym typeface="+mn-ea"/>
+              </a:rPr>
+              <a:t>storage/memory/stack</a:t>
+            </a:r>
+            <a:endParaRPr lang="x-none" altLang="en-US" sz="3600">
+              <a:sym typeface="+mn-ea"/>
+            </a:endParaRPr>
+          </a:p>
+        </p:txBody>
+      </p:sp>
+      <p:sp>
+        <p:nvSpPr>
+          <p:cNvPr id="4" name="Text Box 3"/>
+          <p:cNvSpPr txBox="1"/>
+          <p:nvPr/>
+        </p:nvSpPr>
+        <p:spPr>
+          <a:xfrm>
+            <a:off x="3398520" y="2200275"/>
+            <a:ext cx="1633855" cy="365760"/>
+          </a:xfrm>
+          <a:prstGeom prst="rect">
+            <a:avLst/>
+          </a:prstGeom>
+          <a:noFill/>
+        </p:spPr>
+        <p:txBody>
+          <a:bodyPr wrap="square" rtlCol="0">
+            <a:spAutoFit/>
+          </a:bodyPr>
+          <a:p>
+            <a:pPr algn="ctr"/>
+            <a:r>
+              <a:rPr lang="x-none" altLang="en-US"/>
+              <a:t>storage</a:t>
+            </a:r>
+            <a:endParaRPr lang="x-none" altLang="en-US"/>
+          </a:p>
+        </p:txBody>
+      </p:sp>
+      <p:sp>
+        <p:nvSpPr>
+          <p:cNvPr id="5" name="Text Box 4"/>
+          <p:cNvSpPr txBox="1"/>
+          <p:nvPr/>
+        </p:nvSpPr>
+        <p:spPr>
+          <a:xfrm>
+            <a:off x="3386455" y="3383280"/>
+            <a:ext cx="1633855" cy="365760"/>
+          </a:xfrm>
+          <a:prstGeom prst="rect">
+            <a:avLst/>
+          </a:prstGeom>
+          <a:noFill/>
+        </p:spPr>
+        <p:txBody>
+          <a:bodyPr wrap="square" rtlCol="0">
+            <a:spAutoFit/>
+          </a:bodyPr>
+          <a:p>
+            <a:pPr algn="ctr"/>
+            <a:r>
+              <a:rPr lang="x-none" altLang="en-US"/>
+              <a:t>memory</a:t>
+            </a:r>
+            <a:endParaRPr lang="x-none" altLang="en-US"/>
+          </a:p>
+        </p:txBody>
+      </p:sp>
+      <p:sp>
+        <p:nvSpPr>
+          <p:cNvPr id="6" name="Text Box 5"/>
+          <p:cNvSpPr txBox="1"/>
+          <p:nvPr/>
+        </p:nvSpPr>
+        <p:spPr>
+          <a:xfrm>
+            <a:off x="3374390" y="4635500"/>
+            <a:ext cx="1633855" cy="365760"/>
+          </a:xfrm>
+          <a:prstGeom prst="rect">
+            <a:avLst/>
+          </a:prstGeom>
+          <a:noFill/>
+        </p:spPr>
+        <p:txBody>
+          <a:bodyPr wrap="square" rtlCol="0">
+            <a:spAutoFit/>
+          </a:bodyPr>
+          <a:p>
+            <a:pPr algn="ctr"/>
+            <a:r>
+              <a:rPr lang="x-none" altLang="en-US"/>
+              <a:t>stack</a:t>
+            </a:r>
+            <a:endParaRPr lang="x-none" altLang="en-US"/>
+          </a:p>
+        </p:txBody>
+      </p:sp>
+      <p:sp>
+        <p:nvSpPr>
+          <p:cNvPr id="7" name="Text Box 6"/>
+          <p:cNvSpPr txBox="1"/>
+          <p:nvPr/>
+        </p:nvSpPr>
+        <p:spPr>
+          <a:xfrm>
+            <a:off x="5400675" y="2233930"/>
+            <a:ext cx="697230" cy="365760"/>
+          </a:xfrm>
+          <a:prstGeom prst="rect">
+            <a:avLst/>
+          </a:prstGeom>
+          <a:noFill/>
+        </p:spPr>
+        <p:txBody>
+          <a:bodyPr wrap="square" rtlCol="0">
+            <a:spAutoFit/>
+          </a:bodyPr>
+          <a:p>
+            <a:pPr algn="ctr"/>
+            <a:r>
+              <a:rPr lang="x-none" altLang="en-US"/>
+              <a:t>-&gt;</a:t>
+            </a:r>
+            <a:endParaRPr lang="x-none" altLang="en-US"/>
+          </a:p>
+        </p:txBody>
+      </p:sp>
+      <p:sp>
+        <p:nvSpPr>
+          <p:cNvPr id="8" name="Text Box 7"/>
+          <p:cNvSpPr txBox="1"/>
+          <p:nvPr/>
+        </p:nvSpPr>
+        <p:spPr>
+          <a:xfrm>
+            <a:off x="6882130" y="2118360"/>
+            <a:ext cx="2051685" cy="365760"/>
+          </a:xfrm>
+          <a:prstGeom prst="rect">
+            <a:avLst/>
+          </a:prstGeom>
+          <a:noFill/>
+        </p:spPr>
+        <p:txBody>
+          <a:bodyPr wrap="square" rtlCol="0">
+            <a:spAutoFit/>
+          </a:bodyPr>
+          <a:p>
+            <a:pPr algn="ctr"/>
+            <a:r>
+              <a:rPr lang="x-none" altLang="en-US"/>
+              <a:t>persistent</a:t>
+            </a:r>
+            <a:endParaRPr lang="x-none" altLang="en-US"/>
+          </a:p>
+        </p:txBody>
+      </p:sp>
+      <p:sp>
+        <p:nvSpPr>
+          <p:cNvPr id="9" name="Text Box 8"/>
+          <p:cNvSpPr txBox="1"/>
+          <p:nvPr/>
+        </p:nvSpPr>
+        <p:spPr>
+          <a:xfrm>
+            <a:off x="7233920" y="2513965"/>
+            <a:ext cx="1016000" cy="365760"/>
+          </a:xfrm>
+          <a:prstGeom prst="rect">
+            <a:avLst/>
+          </a:prstGeom>
+          <a:noFill/>
+        </p:spPr>
+        <p:txBody>
+          <a:bodyPr wrap="square" rtlCol="0">
+            <a:spAutoFit/>
+          </a:bodyPr>
+          <a:p>
+            <a:pPr algn="ctr"/>
+            <a:r>
+              <a:rPr lang="x-none" altLang="en-US"/>
+              <a:t>costly</a:t>
+            </a:r>
+            <a:endParaRPr lang="x-none" altLang="en-US"/>
+          </a:p>
+        </p:txBody>
+      </p:sp>
+      <p:sp>
+        <p:nvSpPr>
+          <p:cNvPr id="10" name="Text Box 9"/>
+          <p:cNvSpPr txBox="1"/>
+          <p:nvPr/>
+        </p:nvSpPr>
+        <p:spPr>
+          <a:xfrm>
+            <a:off x="6640195" y="1964690"/>
+            <a:ext cx="457200" cy="846455"/>
+          </a:xfrm>
+          <a:prstGeom prst="rect">
+            <a:avLst/>
+          </a:prstGeom>
+          <a:noFill/>
+        </p:spPr>
+        <p:txBody>
+          <a:bodyPr vert="eaVert" wrap="square" rtlCol="0">
+            <a:spAutoFit/>
+          </a:bodyPr>
+          <a:p>
+            <a:r>
+              <a:rPr lang="x-none" altLang="en-US"/>
+              <a:t>------</a:t>
+            </a:r>
+            <a:endParaRPr lang="x-none" altLang="en-US"/>
+          </a:p>
+        </p:txBody>
+      </p:sp>
+      <p:sp>
+        <p:nvSpPr>
+          <p:cNvPr id="12" name="Text Box 11"/>
+          <p:cNvSpPr txBox="1"/>
+          <p:nvPr/>
+        </p:nvSpPr>
+        <p:spPr>
+          <a:xfrm>
+            <a:off x="5457825" y="3387090"/>
+            <a:ext cx="697230" cy="365760"/>
+          </a:xfrm>
+          <a:prstGeom prst="rect">
+            <a:avLst/>
+          </a:prstGeom>
+          <a:noFill/>
+        </p:spPr>
+        <p:txBody>
+          <a:bodyPr wrap="square" rtlCol="0">
+            <a:spAutoFit/>
+          </a:bodyPr>
+          <a:p>
+            <a:pPr algn="ctr"/>
+            <a:r>
+              <a:rPr lang="x-none" altLang="en-US"/>
+              <a:t>-&gt;</a:t>
+            </a:r>
+            <a:endParaRPr lang="x-none" altLang="en-US"/>
+          </a:p>
+        </p:txBody>
+      </p:sp>
+      <p:sp>
+        <p:nvSpPr>
+          <p:cNvPr id="13" name="Text Box 12"/>
+          <p:cNvSpPr txBox="1"/>
+          <p:nvPr/>
+        </p:nvSpPr>
+        <p:spPr>
+          <a:xfrm>
+            <a:off x="5448300" y="4612005"/>
+            <a:ext cx="697230" cy="365760"/>
+          </a:xfrm>
+          <a:prstGeom prst="rect">
+            <a:avLst/>
+          </a:prstGeom>
+          <a:noFill/>
+        </p:spPr>
+        <p:txBody>
+          <a:bodyPr wrap="square" rtlCol="0">
+            <a:spAutoFit/>
+          </a:bodyPr>
+          <a:p>
+            <a:pPr algn="ctr"/>
+            <a:r>
+              <a:rPr lang="x-none" altLang="en-US"/>
+              <a:t>-&gt;</a:t>
+            </a:r>
+            <a:endParaRPr lang="x-none" altLang="en-US"/>
+          </a:p>
+        </p:txBody>
+      </p:sp>
+      <p:sp>
+        <p:nvSpPr>
+          <p:cNvPr id="14" name="Text Box 13"/>
+          <p:cNvSpPr txBox="1"/>
+          <p:nvPr/>
+        </p:nvSpPr>
+        <p:spPr>
+          <a:xfrm>
+            <a:off x="6647180" y="3187700"/>
+            <a:ext cx="457200" cy="846455"/>
+          </a:xfrm>
+          <a:prstGeom prst="rect">
+            <a:avLst/>
+          </a:prstGeom>
+          <a:noFill/>
+        </p:spPr>
+        <p:txBody>
+          <a:bodyPr vert="eaVert" wrap="square" rtlCol="0">
+            <a:spAutoFit/>
+          </a:bodyPr>
+          <a:p>
+            <a:r>
+              <a:rPr lang="x-none" altLang="en-US"/>
+              <a:t>------</a:t>
+            </a:r>
+            <a:endParaRPr lang="x-none" altLang="en-US"/>
+          </a:p>
+        </p:txBody>
+      </p:sp>
+      <p:sp>
+        <p:nvSpPr>
+          <p:cNvPr id="15" name="Text Box 14"/>
+          <p:cNvSpPr txBox="1"/>
+          <p:nvPr/>
+        </p:nvSpPr>
+        <p:spPr>
+          <a:xfrm>
+            <a:off x="6668135" y="4575175"/>
+            <a:ext cx="457200" cy="846455"/>
+          </a:xfrm>
+          <a:prstGeom prst="rect">
+            <a:avLst/>
+          </a:prstGeom>
+          <a:noFill/>
+        </p:spPr>
+        <p:txBody>
+          <a:bodyPr vert="eaVert" wrap="square" rtlCol="0">
+            <a:spAutoFit/>
+          </a:bodyPr>
+          <a:p>
+            <a:r>
+              <a:rPr lang="x-none" altLang="en-US"/>
+              <a:t>------</a:t>
+            </a:r>
+            <a:endParaRPr lang="x-none" altLang="en-US"/>
+          </a:p>
+        </p:txBody>
+      </p:sp>
+      <p:sp>
+        <p:nvSpPr>
+          <p:cNvPr id="16" name="Text Box 15"/>
+          <p:cNvSpPr txBox="1"/>
+          <p:nvPr/>
+        </p:nvSpPr>
+        <p:spPr>
+          <a:xfrm>
+            <a:off x="7242175" y="1750060"/>
+            <a:ext cx="1334135" cy="365760"/>
+          </a:xfrm>
+          <a:prstGeom prst="rect">
+            <a:avLst/>
+          </a:prstGeom>
+          <a:noFill/>
+        </p:spPr>
+        <p:txBody>
+          <a:bodyPr wrap="square" rtlCol="0">
+            <a:spAutoFit/>
+          </a:bodyPr>
+          <a:p>
+            <a:pPr algn="ctr"/>
+            <a:r>
+              <a:rPr lang="x-none" altLang="en-US"/>
+              <a:t>key-value</a:t>
+            </a:r>
+            <a:endParaRPr lang="x-none" altLang="en-US"/>
+          </a:p>
+        </p:txBody>
+      </p:sp>
+      <p:sp>
+        <p:nvSpPr>
+          <p:cNvPr id="17" name="Text Box 16"/>
+          <p:cNvSpPr txBox="1"/>
+          <p:nvPr/>
+        </p:nvSpPr>
+        <p:spPr>
+          <a:xfrm>
+            <a:off x="7339330" y="3111500"/>
+            <a:ext cx="1473200" cy="365760"/>
+          </a:xfrm>
+          <a:prstGeom prst="rect">
+            <a:avLst/>
+          </a:prstGeom>
+          <a:noFill/>
+        </p:spPr>
+        <p:txBody>
+          <a:bodyPr wrap="square" rtlCol="0">
+            <a:spAutoFit/>
+          </a:bodyPr>
+          <a:p>
+            <a:pPr algn="ctr"/>
+            <a:r>
+              <a:rPr lang="x-none" altLang="en-US"/>
+              <a:t>fresh cleared</a:t>
+            </a:r>
+            <a:endParaRPr lang="x-none" altLang="en-US"/>
+          </a:p>
+        </p:txBody>
+      </p:sp>
+      <p:sp>
+        <p:nvSpPr>
+          <p:cNvPr id="18" name="Text Box 17"/>
+          <p:cNvSpPr txBox="1"/>
+          <p:nvPr/>
+        </p:nvSpPr>
+        <p:spPr>
+          <a:xfrm>
+            <a:off x="7248525" y="3468370"/>
+            <a:ext cx="936625" cy="365760"/>
+          </a:xfrm>
+          <a:prstGeom prst="rect">
+            <a:avLst/>
+          </a:prstGeom>
+          <a:noFill/>
+        </p:spPr>
+        <p:txBody>
+          <a:bodyPr wrap="square" rtlCol="0">
+            <a:spAutoFit/>
+          </a:bodyPr>
+          <a:p>
+            <a:pPr algn="ctr"/>
+            <a:r>
+              <a:rPr lang="x-none" altLang="en-US"/>
+              <a:t>liner</a:t>
+            </a:r>
+            <a:endParaRPr lang="x-none" altLang="en-US"/>
+          </a:p>
+        </p:txBody>
+      </p:sp>
+      <p:sp>
+        <p:nvSpPr>
+          <p:cNvPr id="19" name="Text Box 18"/>
+          <p:cNvSpPr txBox="1"/>
+          <p:nvPr/>
+        </p:nvSpPr>
+        <p:spPr>
+          <a:xfrm>
+            <a:off x="7278370" y="3799205"/>
+            <a:ext cx="2568575" cy="365760"/>
+          </a:xfrm>
+          <a:prstGeom prst="rect">
+            <a:avLst/>
+          </a:prstGeom>
+          <a:noFill/>
+        </p:spPr>
+        <p:txBody>
+          <a:bodyPr wrap="square" rtlCol="0">
+            <a:spAutoFit/>
+          </a:bodyPr>
+          <a:p>
+            <a:pPr algn="ctr"/>
+            <a:r>
+              <a:rPr lang="x-none" altLang="en-US"/>
+              <a:t>addressed at byte-level</a:t>
+            </a:r>
+            <a:endParaRPr lang="x-none" altLang="en-US"/>
+          </a:p>
+        </p:txBody>
+      </p:sp>
+      <p:sp>
+        <p:nvSpPr>
+          <p:cNvPr id="20" name="Text Box 19"/>
+          <p:cNvSpPr txBox="1"/>
+          <p:nvPr/>
+        </p:nvSpPr>
+        <p:spPr>
+          <a:xfrm>
+            <a:off x="7390765" y="4404360"/>
+            <a:ext cx="1503680" cy="365760"/>
+          </a:xfrm>
+          <a:prstGeom prst="rect">
+            <a:avLst/>
+          </a:prstGeom>
+          <a:noFill/>
+        </p:spPr>
+        <p:txBody>
+          <a:bodyPr wrap="square" rtlCol="0">
+            <a:spAutoFit/>
+          </a:bodyPr>
+          <a:p>
+            <a:pPr algn="r"/>
+            <a:r>
+              <a:rPr lang="x-none" altLang="en-US"/>
+              <a:t>stack machint</a:t>
+            </a:r>
+            <a:endParaRPr lang="x-none" altLang="en-US"/>
+          </a:p>
+        </p:txBody>
+      </p:sp>
+      <p:sp>
+        <p:nvSpPr>
+          <p:cNvPr id="21" name="Text Box 20"/>
+          <p:cNvSpPr txBox="1"/>
+          <p:nvPr/>
+        </p:nvSpPr>
+        <p:spPr>
+          <a:xfrm>
+            <a:off x="7458710" y="4872355"/>
+            <a:ext cx="1503680" cy="365760"/>
+          </a:xfrm>
+          <a:prstGeom prst="rect">
+            <a:avLst/>
+          </a:prstGeom>
+          <a:noFill/>
+        </p:spPr>
+        <p:txBody>
+          <a:bodyPr wrap="square" rtlCol="0">
+            <a:spAutoFit/>
+          </a:bodyPr>
+          <a:p>
+            <a:pPr algn="ctr"/>
+            <a:r>
+              <a:rPr lang="x-none" altLang="en-US"/>
+              <a:t>1024 elements</a:t>
+            </a:r>
+            <a:endParaRPr lang="x-none" altLang="en-US"/>
+          </a:p>
+        </p:txBody>
+      </p:sp>
+      <p:sp>
+        <p:nvSpPr>
+          <p:cNvPr id="22" name="Text Box 21"/>
+          <p:cNvSpPr txBox="1"/>
+          <p:nvPr/>
+        </p:nvSpPr>
+        <p:spPr>
+          <a:xfrm>
+            <a:off x="7197725" y="5335905"/>
+            <a:ext cx="1503680" cy="365760"/>
+          </a:xfrm>
+          <a:prstGeom prst="rect">
+            <a:avLst/>
+          </a:prstGeom>
+          <a:noFill/>
+        </p:spPr>
+        <p:txBody>
+          <a:bodyPr wrap="square" rtlCol="0">
+            <a:spAutoFit/>
+          </a:bodyPr>
+          <a:p>
+            <a:pPr algn="ctr"/>
+            <a:r>
+              <a:rPr lang="x-none" altLang="en-US"/>
+              <a:t>256 bits</a:t>
+            </a:r>
+            <a:endParaRPr lang="x-none" altLang="en-US"/>
+          </a:p>
+        </p:txBody>
+      </p:sp>
+    </p:spTree>
+  </p:cSld>
+  <p:clrMapOvr>
+    <a:masterClrMapping/>
+  </p:clrMapOvr>
+</p:sld>
+</file>
+
+<file path=ppt/slides/slide12.xml><?xml version="1.0" encoding="utf-8"?>
+<p:sld xmlns:a="http://schemas.openxmlformats.org/drawingml/2006/main" xmlns:r="http://schemas.openxmlformats.org/officeDocument/2006/relationships" xmlns:p="http://schemas.openxmlformats.org/presentationml/2006/main">
+  <p:cSld>
+    <p:spTree>
+      <p:nvGrpSpPr>
+        <p:cNvPr id="1" name=""/>
+        <p:cNvGrpSpPr/>
+        <p:nvPr/>
+      </p:nvGrpSpPr>
+      <p:grpSpPr/>
+      <p:sp>
+        <p:nvSpPr>
+          <p:cNvPr id="2" name="Title 1"/>
+          <p:cNvSpPr>
+            <a:spLocks noGrp="1"/>
+          </p:cNvSpPr>
+          <p:nvPr>
+            <p:ph type="title"/>
+          </p:nvPr>
+        </p:nvSpPr>
+        <p:spPr/>
+        <p:txBody>
+          <a:bodyPr/>
+          <a:p>
+            <a:pPr algn="ctr"/>
+            <a:r>
+              <a:rPr lang="x-none" altLang="en-US">
+                <a:sym typeface="+mn-ea"/>
+              </a:rPr>
+              <a:t>EVM_</a:t>
+            </a:r>
+            <a:r>
+              <a:rPr lang="x-none" sz="3600">
+                <a:sym typeface="+mn-ea"/>
+              </a:rPr>
+              <a:t>instraction set</a:t>
+            </a:r>
+            <a:endParaRPr lang="x-none" sz="3600"/>
+          </a:p>
+        </p:txBody>
+      </p:sp>
+      <p:sp>
+        <p:nvSpPr>
+          <p:cNvPr id="4" name="Text Box 3"/>
+          <p:cNvSpPr txBox="1"/>
+          <p:nvPr/>
+        </p:nvSpPr>
+        <p:spPr>
+          <a:xfrm>
+            <a:off x="2868295" y="2463165"/>
+            <a:ext cx="1743075" cy="365760"/>
+          </a:xfrm>
+          <a:prstGeom prst="rect">
+            <a:avLst/>
+          </a:prstGeom>
+          <a:noFill/>
+        </p:spPr>
+        <p:txBody>
+          <a:bodyPr wrap="square" rtlCol="0">
+            <a:spAutoFit/>
+          </a:bodyPr>
+          <a:p>
+            <a:pPr algn="ctr"/>
+            <a:r>
+              <a:rPr lang="x-none" altLang="en-US"/>
+              <a:t>minimal</a:t>
+            </a:r>
+            <a:endParaRPr lang="x-none" altLang="en-US"/>
+          </a:p>
+        </p:txBody>
+      </p:sp>
+      <p:sp>
+        <p:nvSpPr>
+          <p:cNvPr id="5" name="Text Box 4"/>
+          <p:cNvSpPr txBox="1"/>
+          <p:nvPr/>
+        </p:nvSpPr>
+        <p:spPr>
+          <a:xfrm>
+            <a:off x="5050155" y="2502535"/>
+            <a:ext cx="1294765" cy="365760"/>
+          </a:xfrm>
+          <a:prstGeom prst="rect">
+            <a:avLst/>
+          </a:prstGeom>
+          <a:noFill/>
+        </p:spPr>
+        <p:txBody>
+          <a:bodyPr wrap="square" rtlCol="0">
+            <a:spAutoFit/>
+          </a:bodyPr>
+          <a:p>
+            <a:pPr algn="ctr"/>
+            <a:r>
+              <a:rPr lang="x-none" altLang="en-US"/>
+              <a:t>-&gt;</a:t>
+            </a:r>
+            <a:endParaRPr lang="x-none" altLang="en-US"/>
+          </a:p>
+        </p:txBody>
+      </p:sp>
+      <p:sp>
+        <p:nvSpPr>
+          <p:cNvPr id="6" name="Text Box 5"/>
+          <p:cNvSpPr txBox="1"/>
+          <p:nvPr/>
+        </p:nvSpPr>
+        <p:spPr>
+          <a:xfrm>
+            <a:off x="6721475" y="2469515"/>
+            <a:ext cx="2798445" cy="365760"/>
+          </a:xfrm>
+          <a:prstGeom prst="rect">
+            <a:avLst/>
+          </a:prstGeom>
+          <a:noFill/>
+        </p:spPr>
+        <p:txBody>
+          <a:bodyPr wrap="square" rtlCol="0">
+            <a:spAutoFit/>
+          </a:bodyPr>
+          <a:p>
+            <a:pPr algn="ctr"/>
+            <a:r>
+              <a:rPr lang="x-none" altLang="en-US"/>
+              <a:t> incorrect implementations</a:t>
+            </a:r>
+            <a:endParaRPr lang="x-none" altLang="en-US"/>
+          </a:p>
+        </p:txBody>
+      </p:sp>
+      <p:sp>
+        <p:nvSpPr>
+          <p:cNvPr id="7" name="Text Box 6"/>
+          <p:cNvSpPr txBox="1"/>
+          <p:nvPr/>
+        </p:nvSpPr>
+        <p:spPr>
+          <a:xfrm>
+            <a:off x="7823200" y="3089910"/>
+            <a:ext cx="457200" cy="707390"/>
+          </a:xfrm>
+          <a:prstGeom prst="rect">
+            <a:avLst/>
+          </a:prstGeom>
+          <a:noFill/>
+        </p:spPr>
+        <p:txBody>
+          <a:bodyPr vert="eaVert" wrap="square" rtlCol="0">
+            <a:spAutoFit/>
+          </a:bodyPr>
+          <a:p>
+            <a:pPr algn="ctr"/>
+            <a:r>
+              <a:rPr lang="x-none" altLang="en-US"/>
+              <a:t>-&gt;</a:t>
+            </a:r>
+            <a:endParaRPr lang="x-none" altLang="en-US"/>
+          </a:p>
+        </p:txBody>
+      </p:sp>
+      <p:sp>
+        <p:nvSpPr>
+          <p:cNvPr id="8" name="Text Box 7"/>
+          <p:cNvSpPr txBox="1"/>
+          <p:nvPr/>
+        </p:nvSpPr>
+        <p:spPr>
+          <a:xfrm>
+            <a:off x="6659245" y="4180205"/>
+            <a:ext cx="2798445" cy="365760"/>
+          </a:xfrm>
+          <a:prstGeom prst="rect">
+            <a:avLst/>
+          </a:prstGeom>
+          <a:noFill/>
+        </p:spPr>
+        <p:txBody>
+          <a:bodyPr wrap="square" rtlCol="0">
+            <a:spAutoFit/>
+          </a:bodyPr>
+          <a:p>
+            <a:pPr algn="ctr"/>
+            <a:r>
+              <a:rPr lang="x-none" altLang="en-US"/>
+              <a:t>  consensus problems</a:t>
+            </a:r>
+            <a:endParaRPr lang="x-none" altLang="en-US"/>
+          </a:p>
+        </p:txBody>
+      </p:sp>
+    </p:spTree>
+  </p:cSld>
+  <p:clrMapOvr>
+    <a:masterClrMapping/>
+  </p:clrMapOvr>
+</p:sld>
+</file>
+
+<file path=ppt/slides/slide13.xml><?xml version="1.0" encoding="utf-8"?>
+<p:sld xmlns:a="http://schemas.openxmlformats.org/drawingml/2006/main" xmlns:r="http://schemas.openxmlformats.org/officeDocument/2006/relationships" xmlns:p="http://schemas.openxmlformats.org/presentationml/2006/main">
+  <p:cSld>
+    <p:spTree>
+      <p:nvGrpSpPr>
+        <p:cNvPr id="1" name=""/>
+        <p:cNvGrpSpPr/>
+        <p:nvPr/>
+      </p:nvGrpSpPr>
+      <p:grpSpPr/>
+      <p:sp>
+        <p:nvSpPr>
+          <p:cNvPr id="2" name="Title 1"/>
+          <p:cNvSpPr>
+            <a:spLocks noGrp="1"/>
+          </p:cNvSpPr>
+          <p:nvPr>
+            <p:ph type="title"/>
+          </p:nvPr>
+        </p:nvSpPr>
+        <p:spPr/>
+        <p:txBody>
+          <a:bodyPr/>
+          <a:p>
+            <a:pPr algn="ctr"/>
+            <a:r>
+              <a:rPr lang="x-none" altLang="en-US">
+                <a:sym typeface="+mn-ea"/>
+              </a:rPr>
+              <a:t>EVM_</a:t>
+            </a:r>
+            <a:r>
+              <a:rPr lang="x-none" altLang="en-US" sz="3600">
+                <a:sym typeface="+mn-ea"/>
+              </a:rPr>
+              <a:t>messages call</a:t>
+            </a:r>
+            <a:endParaRPr lang="en-US" sz="3600"/>
+          </a:p>
+        </p:txBody>
+      </p:sp>
+      <p:sp>
+        <p:nvSpPr>
+          <p:cNvPr id="4" name="Text Box 3"/>
+          <p:cNvSpPr txBox="1"/>
+          <p:nvPr/>
+        </p:nvSpPr>
+        <p:spPr>
+          <a:xfrm>
+            <a:off x="2001520" y="1683385"/>
+            <a:ext cx="2051685" cy="365760"/>
+          </a:xfrm>
+          <a:prstGeom prst="rect">
+            <a:avLst/>
+          </a:prstGeom>
+          <a:noFill/>
+        </p:spPr>
+        <p:txBody>
+          <a:bodyPr wrap="square" rtlCol="0">
+            <a:spAutoFit/>
+          </a:bodyPr>
+          <a:p>
+            <a:pPr algn="ctr"/>
+            <a:r>
+              <a:rPr lang="x-none" altLang="en-US"/>
+              <a:t>mesages call</a:t>
+            </a:r>
+            <a:endParaRPr lang="x-none" altLang="en-US"/>
+          </a:p>
+        </p:txBody>
+      </p:sp>
+      <p:sp>
+        <p:nvSpPr>
+          <p:cNvPr id="5" name="Text Box 4"/>
+          <p:cNvSpPr txBox="1"/>
+          <p:nvPr/>
+        </p:nvSpPr>
+        <p:spPr>
+          <a:xfrm>
+            <a:off x="7666990" y="1743075"/>
+            <a:ext cx="2051685" cy="365760"/>
+          </a:xfrm>
+          <a:prstGeom prst="rect">
+            <a:avLst/>
+          </a:prstGeom>
+          <a:noFill/>
+        </p:spPr>
+        <p:txBody>
+          <a:bodyPr wrap="square" rtlCol="0">
+            <a:spAutoFit/>
+          </a:bodyPr>
+          <a:p>
+            <a:pPr algn="ctr"/>
+            <a:r>
+              <a:rPr lang="x-none" altLang="en-US"/>
+              <a:t>transactions</a:t>
+            </a:r>
+            <a:endParaRPr lang="x-none" altLang="en-US"/>
+          </a:p>
+        </p:txBody>
+      </p:sp>
+      <p:sp>
+        <p:nvSpPr>
+          <p:cNvPr id="6" name="Text Box 5"/>
+          <p:cNvSpPr txBox="1"/>
+          <p:nvPr/>
+        </p:nvSpPr>
+        <p:spPr>
+          <a:xfrm>
+            <a:off x="5647690" y="1695450"/>
+            <a:ext cx="826770" cy="365760"/>
+          </a:xfrm>
+          <a:prstGeom prst="rect">
+            <a:avLst/>
+          </a:prstGeom>
+          <a:noFill/>
+        </p:spPr>
+        <p:txBody>
+          <a:bodyPr wrap="square" rtlCol="0">
+            <a:spAutoFit/>
+          </a:bodyPr>
+          <a:p>
+            <a:pPr algn="ctr"/>
+            <a:r>
+              <a:rPr lang="x-none" altLang="en-US"/>
+              <a:t>VS</a:t>
+            </a:r>
+            <a:endParaRPr lang="x-none" altLang="en-US"/>
+          </a:p>
+        </p:txBody>
+      </p:sp>
+      <p:sp>
+        <p:nvSpPr>
+          <p:cNvPr id="7" name="Text Box 6"/>
+          <p:cNvSpPr txBox="1"/>
+          <p:nvPr/>
+        </p:nvSpPr>
+        <p:spPr>
+          <a:xfrm>
+            <a:off x="5567680" y="2292350"/>
+            <a:ext cx="1085850" cy="365760"/>
+          </a:xfrm>
+          <a:prstGeom prst="rect">
+            <a:avLst/>
+          </a:prstGeom>
+          <a:noFill/>
+        </p:spPr>
+        <p:txBody>
+          <a:bodyPr wrap="square" rtlCol="0">
+            <a:spAutoFit/>
+          </a:bodyPr>
+          <a:p>
+            <a:pPr algn="ctr"/>
+            <a:r>
+              <a:rPr lang="x-none" altLang="en-US"/>
+              <a:t>a source</a:t>
+            </a:r>
+            <a:endParaRPr lang="x-none" altLang="en-US"/>
+          </a:p>
+        </p:txBody>
+      </p:sp>
+      <p:sp>
+        <p:nvSpPr>
+          <p:cNvPr id="8" name="Text Box 7"/>
+          <p:cNvSpPr txBox="1"/>
+          <p:nvPr/>
+        </p:nvSpPr>
+        <p:spPr>
+          <a:xfrm>
+            <a:off x="5515610" y="2827655"/>
+            <a:ext cx="1085850" cy="365760"/>
+          </a:xfrm>
+          <a:prstGeom prst="rect">
+            <a:avLst/>
+          </a:prstGeom>
+          <a:noFill/>
+        </p:spPr>
+        <p:txBody>
+          <a:bodyPr wrap="square" rtlCol="0">
+            <a:spAutoFit/>
+          </a:bodyPr>
+          <a:p>
+            <a:pPr algn="ctr"/>
+            <a:r>
+              <a:rPr lang="x-none" altLang="en-US"/>
+              <a:t>a target</a:t>
+            </a:r>
+            <a:endParaRPr lang="x-none" altLang="en-US"/>
+          </a:p>
+        </p:txBody>
+      </p:sp>
+      <p:sp>
+        <p:nvSpPr>
+          <p:cNvPr id="9" name="Text Box 8"/>
+          <p:cNvSpPr txBox="1"/>
+          <p:nvPr/>
+        </p:nvSpPr>
+        <p:spPr>
+          <a:xfrm>
+            <a:off x="5506085" y="3355340"/>
+            <a:ext cx="1463675" cy="365760"/>
+          </a:xfrm>
+          <a:prstGeom prst="rect">
+            <a:avLst/>
+          </a:prstGeom>
+          <a:noFill/>
+        </p:spPr>
+        <p:txBody>
+          <a:bodyPr wrap="square" rtlCol="0">
+            <a:spAutoFit/>
+          </a:bodyPr>
+          <a:p>
+            <a:pPr algn="ctr"/>
+            <a:r>
+              <a:rPr lang="x-none" altLang="en-US"/>
+              <a:t>data payload</a:t>
+            </a:r>
+            <a:endParaRPr lang="x-none" altLang="en-US"/>
+          </a:p>
+        </p:txBody>
+      </p:sp>
+      <p:sp>
+        <p:nvSpPr>
+          <p:cNvPr id="10" name="Text Box 9"/>
+          <p:cNvSpPr txBox="1"/>
+          <p:nvPr/>
+        </p:nvSpPr>
+        <p:spPr>
+          <a:xfrm>
+            <a:off x="5588000" y="3906520"/>
+            <a:ext cx="1085850" cy="365760"/>
+          </a:xfrm>
+          <a:prstGeom prst="rect">
+            <a:avLst/>
+          </a:prstGeom>
+          <a:noFill/>
+        </p:spPr>
+        <p:txBody>
+          <a:bodyPr wrap="square" rtlCol="0">
+            <a:spAutoFit/>
+          </a:bodyPr>
+          <a:p>
+            <a:pPr algn="ctr"/>
+            <a:r>
+              <a:rPr lang="x-none" altLang="en-US"/>
+              <a:t>Ether</a:t>
+            </a:r>
+            <a:endParaRPr lang="x-none" altLang="en-US"/>
+          </a:p>
+        </p:txBody>
+      </p:sp>
+      <p:sp>
+        <p:nvSpPr>
+          <p:cNvPr id="11" name="Text Box 10"/>
+          <p:cNvSpPr txBox="1"/>
+          <p:nvPr/>
+        </p:nvSpPr>
+        <p:spPr>
+          <a:xfrm>
+            <a:off x="5597525" y="4344035"/>
+            <a:ext cx="1085850" cy="365760"/>
+          </a:xfrm>
+          <a:prstGeom prst="rect">
+            <a:avLst/>
+          </a:prstGeom>
+          <a:noFill/>
+        </p:spPr>
+        <p:txBody>
+          <a:bodyPr wrap="square" rtlCol="0">
+            <a:spAutoFit/>
+          </a:bodyPr>
+          <a:p>
+            <a:pPr algn="ctr"/>
+            <a:r>
+              <a:rPr lang="x-none" altLang="en-US"/>
+              <a:t>gas</a:t>
+            </a:r>
+            <a:endParaRPr lang="x-none" altLang="en-US"/>
+          </a:p>
+        </p:txBody>
+      </p:sp>
+      <p:sp>
+        <p:nvSpPr>
+          <p:cNvPr id="12" name="Text Box 11"/>
+          <p:cNvSpPr txBox="1"/>
+          <p:nvPr/>
+        </p:nvSpPr>
+        <p:spPr>
+          <a:xfrm>
+            <a:off x="5488940" y="4822825"/>
+            <a:ext cx="1374140" cy="365760"/>
+          </a:xfrm>
+          <a:prstGeom prst="rect">
+            <a:avLst/>
+          </a:prstGeom>
+          <a:noFill/>
+        </p:spPr>
+        <p:txBody>
+          <a:bodyPr wrap="square" rtlCol="0">
+            <a:spAutoFit/>
+          </a:bodyPr>
+          <a:p>
+            <a:pPr algn="ctr"/>
+            <a:r>
+              <a:rPr lang="x-none" altLang="en-US"/>
+              <a:t>return data</a:t>
+            </a:r>
+            <a:endParaRPr lang="x-none" altLang="en-US"/>
+          </a:p>
+        </p:txBody>
+      </p:sp>
+      <p:sp>
+        <p:nvSpPr>
+          <p:cNvPr id="13" name="Text Box 12"/>
+          <p:cNvSpPr txBox="1"/>
+          <p:nvPr/>
+        </p:nvSpPr>
+        <p:spPr>
+          <a:xfrm>
+            <a:off x="1174750" y="1934845"/>
+            <a:ext cx="10369550" cy="365760"/>
+          </a:xfrm>
+          <a:prstGeom prst="rect">
+            <a:avLst/>
+          </a:prstGeom>
+          <a:noFill/>
+        </p:spPr>
+        <p:txBody>
+          <a:bodyPr wrap="square" rtlCol="0">
+            <a:spAutoFit/>
+          </a:bodyPr>
+          <a:p>
+            <a:r>
+              <a:rPr lang="x-none" altLang="en-US"/>
+              <a:t>------------------------------------------------------------------------------</a:t>
+            </a:r>
+            <a:endParaRPr lang="x-none" altLang="en-US"/>
+          </a:p>
+        </p:txBody>
+      </p:sp>
+      <p:sp>
+        <p:nvSpPr>
+          <p:cNvPr id="14" name="Text Box 13"/>
+          <p:cNvSpPr txBox="1"/>
+          <p:nvPr/>
+        </p:nvSpPr>
+        <p:spPr>
+          <a:xfrm>
+            <a:off x="5817870" y="5251450"/>
+            <a:ext cx="457200" cy="697230"/>
+          </a:xfrm>
+          <a:prstGeom prst="rect">
+            <a:avLst/>
+          </a:prstGeom>
+          <a:noFill/>
+        </p:spPr>
+        <p:txBody>
+          <a:bodyPr vert="eaVert" wrap="square" rtlCol="0">
+            <a:spAutoFit/>
+          </a:bodyPr>
+          <a:p>
+            <a:r>
+              <a:rPr lang="x-none" altLang="en-US"/>
+              <a:t>----</a:t>
+            </a:r>
+            <a:endParaRPr lang="x-none" altLang="en-US"/>
+          </a:p>
+        </p:txBody>
+      </p:sp>
+      <p:sp>
+        <p:nvSpPr>
+          <p:cNvPr id="15" name="Text Box 14"/>
+          <p:cNvSpPr txBox="1"/>
+          <p:nvPr/>
+        </p:nvSpPr>
+        <p:spPr>
+          <a:xfrm>
+            <a:off x="2300605" y="5380990"/>
+            <a:ext cx="1513840" cy="365760"/>
+          </a:xfrm>
+          <a:prstGeom prst="rect">
+            <a:avLst/>
+          </a:prstGeom>
+          <a:noFill/>
+        </p:spPr>
+        <p:txBody>
+          <a:bodyPr wrap="square" rtlCol="0">
+            <a:spAutoFit/>
+          </a:bodyPr>
+          <a:p>
+            <a:pPr algn="ctr"/>
+            <a:r>
+              <a:rPr lang="x-none" altLang="en-US"/>
+              <a:t>in EVM</a:t>
+            </a:r>
+            <a:endParaRPr lang="x-none" altLang="en-US"/>
+          </a:p>
+        </p:txBody>
+      </p:sp>
+      <p:sp>
+        <p:nvSpPr>
+          <p:cNvPr id="16" name="Text Box 15"/>
+          <p:cNvSpPr txBox="1"/>
+          <p:nvPr/>
+        </p:nvSpPr>
+        <p:spPr>
+          <a:xfrm>
+            <a:off x="8045450" y="5418455"/>
+            <a:ext cx="1513840" cy="365760"/>
+          </a:xfrm>
+          <a:prstGeom prst="rect">
+            <a:avLst/>
+          </a:prstGeom>
+          <a:noFill/>
+        </p:spPr>
+        <p:txBody>
+          <a:bodyPr wrap="square" rtlCol="0">
+            <a:spAutoFit/>
+          </a:bodyPr>
+          <a:p>
+            <a:pPr algn="ctr"/>
+            <a:r>
+              <a:rPr lang="x-none" altLang="en-US"/>
+              <a:t>from: EOA</a:t>
+            </a:r>
+            <a:endParaRPr lang="x-none" altLang="en-US"/>
+          </a:p>
+        </p:txBody>
+      </p:sp>
+    </p:spTree>
+  </p:cSld>
+  <p:clrMapOvr>
+    <a:masterClrMapping/>
+  </p:clrMapOvr>
+</p:sld>
+</file>
+
+<file path=ppt/slides/slide14.xml><?xml version="1.0" encoding="utf-8"?>
+<p:sld xmlns:a="http://schemas.openxmlformats.org/drawingml/2006/main" xmlns:r="http://schemas.openxmlformats.org/officeDocument/2006/relationships" xmlns:p="http://schemas.openxmlformats.org/presentationml/2006/main">
+  <p:cSld>
+    <p:spTree>
+      <p:nvGrpSpPr>
+        <p:cNvPr id="1" name=""/>
+        <p:cNvGrpSpPr/>
+        <p:nvPr/>
+      </p:nvGrpSpPr>
+      <p:grpSpPr/>
+      <p:sp>
+        <p:nvSpPr>
+          <p:cNvPr id="2" name="Title 1"/>
+          <p:cNvSpPr>
+            <a:spLocks noGrp="1"/>
+          </p:cNvSpPr>
+          <p:nvPr>
+            <p:ph type="title"/>
+          </p:nvPr>
+        </p:nvSpPr>
+        <p:spPr/>
+        <p:txBody>
+          <a:bodyPr/>
+          <a:p>
+            <a:pPr algn="ctr"/>
+            <a:r>
+              <a:rPr lang="x-none" altLang="en-US">
+                <a:sym typeface="+mn-ea"/>
+              </a:rPr>
+              <a:t>EVM_</a:t>
+            </a:r>
+            <a:r>
+              <a:rPr lang="x-none" sz="3600">
+                <a:sym typeface="+mn-ea"/>
+              </a:rPr>
+              <a:t>delegatecall &amp;&amp; libraries</a:t>
+            </a:r>
+            <a:endParaRPr lang="x-none" sz="3600">
+              <a:sym typeface="+mn-ea"/>
+            </a:endParaRPr>
+          </a:p>
+        </p:txBody>
+      </p:sp>
+      <p:sp>
+        <p:nvSpPr>
+          <p:cNvPr id="4" name="Text Box 3"/>
+          <p:cNvSpPr txBox="1"/>
+          <p:nvPr/>
+        </p:nvSpPr>
+        <p:spPr>
+          <a:xfrm>
+            <a:off x="1047750" y="3199765"/>
+            <a:ext cx="4431030" cy="457200"/>
+          </a:xfrm>
+          <a:prstGeom prst="rect">
+            <a:avLst/>
+          </a:prstGeom>
+          <a:noFill/>
+        </p:spPr>
+        <p:txBody>
+          <a:bodyPr wrap="square" rtlCol="0">
+            <a:spAutoFit/>
+          </a:bodyPr>
+          <a:p>
+            <a:r>
+              <a:rPr lang="x-none" altLang="en-US" sz="2400"/>
+              <a:t>call VS delegatecall VS callcode</a:t>
+            </a:r>
+            <a:endParaRPr lang="x-none" altLang="en-US" sz="2400"/>
+          </a:p>
+        </p:txBody>
+      </p:sp>
+      <p:sp>
+        <p:nvSpPr>
+          <p:cNvPr id="5" name="Text Box 4"/>
+          <p:cNvSpPr txBox="1"/>
+          <p:nvPr/>
+        </p:nvSpPr>
+        <p:spPr>
+          <a:xfrm>
+            <a:off x="5906135" y="3129915"/>
+            <a:ext cx="787400" cy="640080"/>
+          </a:xfrm>
+          <a:prstGeom prst="rect">
+            <a:avLst/>
+          </a:prstGeom>
+          <a:noFill/>
+        </p:spPr>
+        <p:txBody>
+          <a:bodyPr wrap="square" rtlCol="0">
+            <a:spAutoFit/>
+          </a:bodyPr>
+          <a:p>
+            <a:pPr algn="ctr"/>
+            <a:r>
+              <a:rPr lang="x-none" altLang="en-US"/>
+              <a:t>--&gt;</a:t>
+            </a:r>
+            <a:endParaRPr lang="x-none" altLang="en-US"/>
+          </a:p>
+          <a:p>
+            <a:pPr algn="ctr"/>
+            <a:r>
+              <a:rPr lang="x-none" altLang="en-US"/>
+              <a:t>--&gt;</a:t>
+            </a:r>
+            <a:endParaRPr lang="x-none" altLang="en-US"/>
+          </a:p>
+        </p:txBody>
+      </p:sp>
+      <p:sp>
+        <p:nvSpPr>
+          <p:cNvPr id="6" name="Text Box 5"/>
+          <p:cNvSpPr txBox="1"/>
+          <p:nvPr/>
+        </p:nvSpPr>
+        <p:spPr>
+          <a:xfrm>
+            <a:off x="7959090" y="3179445"/>
+            <a:ext cx="1981835" cy="457200"/>
+          </a:xfrm>
+          <a:prstGeom prst="rect">
+            <a:avLst/>
+          </a:prstGeom>
+          <a:noFill/>
+        </p:spPr>
+        <p:txBody>
+          <a:bodyPr wrap="square" rtlCol="0">
+            <a:spAutoFit/>
+          </a:bodyPr>
+          <a:p>
+            <a:pPr algn="ctr"/>
+            <a:r>
+              <a:rPr lang="x-none" altLang="en-US" sz="2400"/>
+              <a:t>libraries</a:t>
+            </a:r>
+            <a:endParaRPr lang="x-none" altLang="en-US" sz="2400"/>
+          </a:p>
+        </p:txBody>
+      </p:sp>
+    </p:spTree>
+  </p:cSld>
+  <p:clrMapOvr>
+    <a:masterClrMapping/>
+  </p:clrMapOvr>
+</p:sld>
+</file>
+
+<file path=ppt/slides/slide15.xml><?xml version="1.0" encoding="utf-8"?>
+<p:sld xmlns:a="http://schemas.openxmlformats.org/drawingml/2006/main" xmlns:r="http://schemas.openxmlformats.org/officeDocument/2006/relationships" xmlns:p="http://schemas.openxmlformats.org/presentationml/2006/main">
+  <p:cSld>
+    <p:spTree>
+      <p:nvGrpSpPr>
+        <p:cNvPr id="1" name=""/>
+        <p:cNvGrpSpPr/>
+        <p:nvPr/>
+      </p:nvGrpSpPr>
+      <p:grpSpPr/>
+      <p:sp>
+        <p:nvSpPr>
+          <p:cNvPr id="2" name="Title 1"/>
+          <p:cNvSpPr>
+            <a:spLocks noGrp="1"/>
+          </p:cNvSpPr>
+          <p:nvPr>
+            <p:ph type="title"/>
+          </p:nvPr>
+        </p:nvSpPr>
+        <p:spPr/>
+        <p:txBody>
+          <a:bodyPr/>
+          <a:p>
+            <a:pPr algn="ctr"/>
+            <a:r>
+              <a:rPr lang="x-none" altLang="en-US">
+                <a:sym typeface="+mn-ea"/>
+              </a:rPr>
+              <a:t>EVM_</a:t>
+            </a:r>
+            <a:r>
+              <a:rPr lang="x-none" sz="3600">
+                <a:sym typeface="+mn-ea"/>
+              </a:rPr>
+              <a:t>log</a:t>
+            </a:r>
+            <a:endParaRPr lang="en-US" sz="3600"/>
+          </a:p>
+        </p:txBody>
+      </p:sp>
+      <p:sp>
+        <p:nvSpPr>
+          <p:cNvPr id="4" name="Text Box 3"/>
+          <p:cNvSpPr txBox="1"/>
+          <p:nvPr/>
+        </p:nvSpPr>
+        <p:spPr>
+          <a:xfrm>
+            <a:off x="2012315" y="3547745"/>
+            <a:ext cx="1762125" cy="457200"/>
+          </a:xfrm>
+          <a:prstGeom prst="rect">
+            <a:avLst/>
+          </a:prstGeom>
+          <a:noFill/>
+        </p:spPr>
+        <p:txBody>
+          <a:bodyPr wrap="square" rtlCol="0">
+            <a:spAutoFit/>
+          </a:bodyPr>
+          <a:p>
+            <a:pPr algn="ctr"/>
+            <a:r>
+              <a:rPr lang="x-none" altLang="en-US" sz="2400"/>
+              <a:t>event -&gt; log</a:t>
+            </a:r>
+            <a:endParaRPr lang="x-none" altLang="en-US" sz="2400"/>
+          </a:p>
+        </p:txBody>
+      </p:sp>
+      <p:sp>
+        <p:nvSpPr>
+          <p:cNvPr id="5" name="Text Box 4"/>
+          <p:cNvSpPr txBox="1"/>
+          <p:nvPr/>
+        </p:nvSpPr>
+        <p:spPr>
+          <a:xfrm>
+            <a:off x="5748020" y="3416935"/>
+            <a:ext cx="4223385" cy="365760"/>
+          </a:xfrm>
+          <a:prstGeom prst="rect">
+            <a:avLst/>
+          </a:prstGeom>
+          <a:noFill/>
+        </p:spPr>
+        <p:txBody>
+          <a:bodyPr wrap="square" rtlCol="0">
+            <a:spAutoFit/>
+          </a:bodyPr>
+          <a:p>
+            <a:r>
+              <a:rPr lang="en-US"/>
+              <a:t> Contracts cannot access log data</a:t>
+            </a:r>
+            <a:endParaRPr lang="en-US"/>
+          </a:p>
+        </p:txBody>
+      </p:sp>
+      <p:sp>
+        <p:nvSpPr>
+          <p:cNvPr id="6" name="Text Box 5"/>
+          <p:cNvSpPr txBox="1"/>
+          <p:nvPr/>
+        </p:nvSpPr>
+        <p:spPr>
+          <a:xfrm>
+            <a:off x="5050155" y="4213860"/>
+            <a:ext cx="5895975" cy="365760"/>
+          </a:xfrm>
+          <a:prstGeom prst="rect">
+            <a:avLst/>
+          </a:prstGeom>
+          <a:noFill/>
+        </p:spPr>
+        <p:txBody>
+          <a:bodyPr wrap="square" rtlCol="0">
+            <a:spAutoFit/>
+          </a:bodyPr>
+          <a:p>
+            <a:r>
+              <a:rPr lang="en-US"/>
+              <a:t>efficiently accessed from outside the blockchain</a:t>
+            </a:r>
+            <a:endParaRPr lang="en-US"/>
+          </a:p>
+        </p:txBody>
+      </p:sp>
+    </p:spTree>
+  </p:cSld>
+  <p:clrMapOvr>
+    <a:masterClrMapping/>
+  </p:clrMapOvr>
+</p:sld>
+</file>
+
+<file path=ppt/slides/slide16.xml><?xml version="1.0" encoding="utf-8"?>
+<p:sld xmlns:a="http://schemas.openxmlformats.org/drawingml/2006/main" xmlns:r="http://schemas.openxmlformats.org/officeDocument/2006/relationships" xmlns:p="http://schemas.openxmlformats.org/presentationml/2006/main">
+  <p:cSld>
+    <p:spTree>
+      <p:nvGrpSpPr>
+        <p:cNvPr id="1" name=""/>
+        <p:cNvGrpSpPr/>
+        <p:nvPr/>
+      </p:nvGrpSpPr>
+      <p:grpSpPr/>
+      <p:sp>
+        <p:nvSpPr>
+          <p:cNvPr id="2" name="Title 1"/>
+          <p:cNvSpPr>
+            <a:spLocks noGrp="1"/>
+          </p:cNvSpPr>
+          <p:nvPr>
+            <p:ph type="title"/>
+          </p:nvPr>
+        </p:nvSpPr>
+        <p:spPr/>
+        <p:txBody>
+          <a:bodyPr/>
+          <a:p>
+            <a:pPr algn="ctr"/>
+            <a:r>
+              <a:rPr lang="x-none" altLang="en-US"/>
+              <a:t>EVM_</a:t>
+            </a:r>
+            <a:r>
+              <a:rPr lang="x-none" altLang="en-US" sz="3600"/>
+              <a:t>create</a:t>
+            </a:r>
+            <a:endParaRPr lang="x-none" altLang="en-US" sz="3600"/>
+          </a:p>
+        </p:txBody>
+      </p:sp>
+      <p:sp>
+        <p:nvSpPr>
+          <p:cNvPr id="4" name="Text Box 3"/>
+          <p:cNvSpPr txBox="1"/>
+          <p:nvPr/>
+        </p:nvSpPr>
+        <p:spPr>
+          <a:xfrm>
+            <a:off x="2400935" y="2712720"/>
+            <a:ext cx="2958465" cy="365760"/>
+          </a:xfrm>
+          <a:prstGeom prst="rect">
+            <a:avLst/>
+          </a:prstGeom>
+          <a:noFill/>
+        </p:spPr>
+        <p:txBody>
+          <a:bodyPr wrap="square" rtlCol="0">
+            <a:spAutoFit/>
+          </a:bodyPr>
+          <a:p>
+            <a:pPr algn="ctr"/>
+            <a:r>
+              <a:rPr lang="x-none" altLang="en-US"/>
+              <a:t>using a special opcode</a:t>
+            </a:r>
+            <a:endParaRPr lang="x-none" altLang="en-US"/>
+          </a:p>
+        </p:txBody>
+      </p:sp>
+      <p:sp>
+        <p:nvSpPr>
+          <p:cNvPr id="5" name="Text Box 4"/>
+          <p:cNvSpPr txBox="1"/>
+          <p:nvPr/>
+        </p:nvSpPr>
+        <p:spPr>
+          <a:xfrm>
+            <a:off x="7211695" y="2720975"/>
+            <a:ext cx="3156585" cy="365760"/>
+          </a:xfrm>
+          <a:prstGeom prst="rect">
+            <a:avLst/>
+          </a:prstGeom>
+          <a:noFill/>
+        </p:spPr>
+        <p:txBody>
+          <a:bodyPr wrap="square" rtlCol="0">
+            <a:spAutoFit/>
+          </a:bodyPr>
+          <a:p>
+            <a:r>
+              <a:rPr lang="x-none" altLang="en-US"/>
+              <a:t>receive the address on the stack</a:t>
+            </a:r>
+            <a:endParaRPr lang="x-none" altLang="en-US"/>
+          </a:p>
+        </p:txBody>
+      </p:sp>
+      <p:sp>
+        <p:nvSpPr>
+          <p:cNvPr id="6" name="Text Box 5"/>
+          <p:cNvSpPr txBox="1"/>
+          <p:nvPr/>
+        </p:nvSpPr>
+        <p:spPr>
+          <a:xfrm>
+            <a:off x="5746750" y="2760980"/>
+            <a:ext cx="777240" cy="365760"/>
+          </a:xfrm>
+          <a:prstGeom prst="rect">
+            <a:avLst/>
+          </a:prstGeom>
+          <a:noFill/>
+        </p:spPr>
+        <p:txBody>
+          <a:bodyPr wrap="square" rtlCol="0">
+            <a:spAutoFit/>
+          </a:bodyPr>
+          <a:p>
+            <a:pPr algn="ctr"/>
+            <a:r>
+              <a:rPr lang="x-none" altLang="en-US"/>
+              <a:t>-&gt;</a:t>
+            </a:r>
+            <a:endParaRPr lang="x-none" altLang="en-US"/>
+          </a:p>
+        </p:txBody>
+      </p:sp>
+      <p:sp>
+        <p:nvSpPr>
+          <p:cNvPr id="7" name="Text Box 6"/>
+          <p:cNvSpPr txBox="1"/>
+          <p:nvPr/>
+        </p:nvSpPr>
+        <p:spPr>
+          <a:xfrm>
+            <a:off x="5010785" y="3926840"/>
+            <a:ext cx="2798445" cy="365760"/>
+          </a:xfrm>
+          <a:prstGeom prst="rect">
+            <a:avLst/>
+          </a:prstGeom>
+          <a:noFill/>
+        </p:spPr>
+        <p:txBody>
+          <a:bodyPr wrap="square" rtlCol="0">
+            <a:spAutoFit/>
+          </a:bodyPr>
+          <a:p>
+            <a:r>
+              <a:rPr lang="x-none" altLang="en-US"/>
+              <a:t>vs call the zero address</a:t>
+            </a:r>
+            <a:endParaRPr lang="x-none" altLang="en-US"/>
+          </a:p>
+        </p:txBody>
+      </p:sp>
+    </p:spTree>
+  </p:cSld>
+  <p:clrMapOvr>
+    <a:masterClrMapping/>
+  </p:clrMapOvr>
+</p:sld>
+</file>
+
+<file path=ppt/slides/slide17.xml><?xml version="1.0" encoding="utf-8"?>
+<p:sld xmlns:a="http://schemas.openxmlformats.org/drawingml/2006/main" xmlns:r="http://schemas.openxmlformats.org/officeDocument/2006/relationships" xmlns:p="http://schemas.openxmlformats.org/presentationml/2006/main">
+  <p:cSld>
+    <p:spTree>
+      <p:nvGrpSpPr>
+        <p:cNvPr id="1" name=""/>
+        <p:cNvGrpSpPr/>
+        <p:nvPr/>
+      </p:nvGrpSpPr>
+      <p:grpSpPr/>
+      <p:sp>
+        <p:nvSpPr>
+          <p:cNvPr id="2" name="Title 1"/>
+          <p:cNvSpPr>
+            <a:spLocks noGrp="1"/>
+          </p:cNvSpPr>
+          <p:nvPr>
+            <p:ph type="title"/>
+          </p:nvPr>
+        </p:nvSpPr>
+        <p:spPr/>
+        <p:txBody>
+          <a:bodyPr/>
+          <a:p>
+            <a:pPr algn="ctr"/>
+            <a:r>
+              <a:rPr lang="x-none" altLang="en-US"/>
+              <a:t>EVM_</a:t>
+            </a:r>
+            <a:r>
+              <a:rPr lang="x-none" altLang="en-US" sz="3600"/>
+              <a:t>self_destruct</a:t>
+            </a:r>
+            <a:endParaRPr lang="x-none" altLang="en-US" sz="3600"/>
+          </a:p>
+        </p:txBody>
+      </p:sp>
+      <p:sp>
+        <p:nvSpPr>
+          <p:cNvPr id="5" name="Text Box 4"/>
+          <p:cNvSpPr txBox="1"/>
+          <p:nvPr/>
+        </p:nvSpPr>
+        <p:spPr>
+          <a:xfrm>
+            <a:off x="3456305" y="3867150"/>
+            <a:ext cx="5777865" cy="365760"/>
+          </a:xfrm>
+          <a:prstGeom prst="rect">
+            <a:avLst/>
+          </a:prstGeom>
+          <a:noFill/>
+        </p:spPr>
+        <p:txBody>
+          <a:bodyPr wrap="square" rtlCol="0">
+            <a:spAutoFit/>
+          </a:bodyPr>
+          <a:p>
+            <a:r>
+              <a:rPr lang="en-US"/>
+              <a:t>storage and code is removed from the state</a:t>
+            </a:r>
+            <a:endParaRPr lang="en-US"/>
+          </a:p>
+        </p:txBody>
+      </p:sp>
+      <p:sp>
+        <p:nvSpPr>
+          <p:cNvPr id="6" name="Text Box 5"/>
+          <p:cNvSpPr txBox="1"/>
+          <p:nvPr/>
+        </p:nvSpPr>
+        <p:spPr>
+          <a:xfrm>
+            <a:off x="4024630" y="2382520"/>
+            <a:ext cx="4799330" cy="365760"/>
+          </a:xfrm>
+          <a:prstGeom prst="rect">
+            <a:avLst/>
+          </a:prstGeom>
+          <a:noFill/>
+        </p:spPr>
+        <p:txBody>
+          <a:bodyPr wrap="square" rtlCol="0">
+            <a:spAutoFit/>
+          </a:bodyPr>
+          <a:p>
+            <a:r>
+              <a:rPr lang="en-US"/>
+              <a:t>Ether is sent to a designated target </a:t>
+            </a:r>
+            <a:endParaRPr lang="en-US"/>
+          </a:p>
+        </p:txBody>
+      </p:sp>
+      <p:sp>
+        <p:nvSpPr>
+          <p:cNvPr id="7" name="Text Box 6"/>
+          <p:cNvSpPr txBox="1"/>
+          <p:nvPr/>
+        </p:nvSpPr>
+        <p:spPr>
+          <a:xfrm>
+            <a:off x="5767705" y="3100070"/>
+            <a:ext cx="457200" cy="537845"/>
+          </a:xfrm>
+          <a:prstGeom prst="rect">
+            <a:avLst/>
+          </a:prstGeom>
+          <a:noFill/>
+        </p:spPr>
+        <p:txBody>
+          <a:bodyPr vert="eaVert" wrap="square" rtlCol="0">
+            <a:spAutoFit/>
+          </a:bodyPr>
+          <a:p>
+            <a:pPr algn="ctr"/>
+            <a:r>
+              <a:rPr lang="x-none" altLang="en-US"/>
+              <a:t>-&gt;</a:t>
+            </a:r>
+            <a:endParaRPr lang="x-none" altLang="en-US"/>
+          </a:p>
+        </p:txBody>
+      </p:sp>
+    </p:spTree>
+  </p:cSld>
+  <p:clrMapOvr>
+    <a:masterClrMapping/>
+  </p:clrMapOvr>
+</p:sld>
+</file>
+
+<file path=ppt/slides/slide18.xml><?xml version="1.0" encoding="utf-8"?>
+<p:sld xmlns:a="http://schemas.openxmlformats.org/drawingml/2006/main" xmlns:r="http://schemas.openxmlformats.org/officeDocument/2006/relationships" xmlns:p="http://schemas.openxmlformats.org/presentationml/2006/main">
+  <p:cSld>
+    <p:spTree>
+      <p:nvGrpSpPr>
+        <p:cNvPr id="1" name=""/>
+        <p:cNvGrpSpPr/>
+        <p:nvPr/>
+      </p:nvGrpSpPr>
+      <p:grpSpPr/>
+      <p:sp>
+        <p:nvSpPr>
+          <p:cNvPr id="2" name="Title 1"/>
+          <p:cNvSpPr>
+            <a:spLocks noGrp="1"/>
+          </p:cNvSpPr>
+          <p:nvPr>
+            <p:ph type="title"/>
+          </p:nvPr>
+        </p:nvSpPr>
+        <p:spPr/>
+        <p:txBody>
+          <a:bodyPr/>
+          <a:p>
+            <a:pPr algn="ctr"/>
+            <a:r>
+              <a:rPr lang="x-none" altLang="en-US"/>
+              <a:t>struct of a contract</a:t>
+            </a:r>
+            <a:endParaRPr lang="x-none" altLang="en-US"/>
+          </a:p>
+        </p:txBody>
+      </p:sp>
+      <p:sp>
+        <p:nvSpPr>
+          <p:cNvPr id="4" name="Text Box 3"/>
+          <p:cNvSpPr txBox="1"/>
+          <p:nvPr/>
+        </p:nvSpPr>
+        <p:spPr>
+          <a:xfrm>
+            <a:off x="1661795" y="1903095"/>
+            <a:ext cx="1613535" cy="365760"/>
+          </a:xfrm>
+          <a:prstGeom prst="rect">
+            <a:avLst/>
+          </a:prstGeom>
+          <a:noFill/>
+        </p:spPr>
+        <p:txBody>
+          <a:bodyPr wrap="square" rtlCol="0">
+            <a:spAutoFit/>
+          </a:bodyPr>
+          <a:p>
+            <a:pPr algn="ctr"/>
+            <a:r>
+              <a:rPr lang="x-none" altLang="en-US"/>
+              <a:t>state variable</a:t>
+            </a:r>
+            <a:endParaRPr lang="x-none" altLang="en-US"/>
+          </a:p>
+        </p:txBody>
+      </p:sp>
+      <p:sp>
+        <p:nvSpPr>
+          <p:cNvPr id="5" name="Text Box 4"/>
+          <p:cNvSpPr txBox="1"/>
+          <p:nvPr/>
+        </p:nvSpPr>
+        <p:spPr>
+          <a:xfrm>
+            <a:off x="2293620" y="2303780"/>
+            <a:ext cx="1644015" cy="365760"/>
+          </a:xfrm>
+          <a:prstGeom prst="rect">
+            <a:avLst/>
+          </a:prstGeom>
+          <a:noFill/>
+        </p:spPr>
+        <p:txBody>
+          <a:bodyPr wrap="square" rtlCol="0">
+            <a:spAutoFit/>
+          </a:bodyPr>
+          <a:p>
+            <a:pPr algn="ctr"/>
+            <a:r>
+              <a:rPr lang="x-none" altLang="en-US"/>
+              <a:t>function</a:t>
+            </a:r>
+            <a:endParaRPr lang="x-none" altLang="en-US"/>
+          </a:p>
+        </p:txBody>
+      </p:sp>
+      <p:sp>
+        <p:nvSpPr>
+          <p:cNvPr id="6" name="Text Box 5"/>
+          <p:cNvSpPr txBox="1"/>
+          <p:nvPr/>
+        </p:nvSpPr>
+        <p:spPr>
+          <a:xfrm>
+            <a:off x="3075305" y="2789555"/>
+            <a:ext cx="2211705" cy="365760"/>
+          </a:xfrm>
+          <a:prstGeom prst="rect">
+            <a:avLst/>
+          </a:prstGeom>
+          <a:noFill/>
+        </p:spPr>
+        <p:txBody>
+          <a:bodyPr wrap="square" rtlCol="0">
+            <a:spAutoFit/>
+          </a:bodyPr>
+          <a:p>
+            <a:pPr algn="ctr"/>
+            <a:r>
+              <a:rPr lang="x-none" altLang="en-US"/>
+              <a:t>function modifiers</a:t>
+            </a:r>
+            <a:endParaRPr lang="x-none" altLang="en-US"/>
+          </a:p>
+        </p:txBody>
+      </p:sp>
+      <p:sp>
+        <p:nvSpPr>
+          <p:cNvPr id="7" name="Text Box 6"/>
+          <p:cNvSpPr txBox="1"/>
+          <p:nvPr/>
+        </p:nvSpPr>
+        <p:spPr>
+          <a:xfrm>
+            <a:off x="3903980" y="3248660"/>
+            <a:ext cx="1644015" cy="365760"/>
+          </a:xfrm>
+          <a:prstGeom prst="rect">
+            <a:avLst/>
+          </a:prstGeom>
+          <a:noFill/>
+        </p:spPr>
+        <p:txBody>
+          <a:bodyPr wrap="square" rtlCol="0">
+            <a:spAutoFit/>
+          </a:bodyPr>
+          <a:p>
+            <a:pPr algn="ctr"/>
+            <a:r>
+              <a:rPr lang="x-none" altLang="en-US"/>
+              <a:t>events</a:t>
+            </a:r>
+            <a:endParaRPr lang="x-none" altLang="en-US"/>
+          </a:p>
+        </p:txBody>
+      </p:sp>
+      <p:sp>
+        <p:nvSpPr>
+          <p:cNvPr id="8" name="Text Box 7"/>
+          <p:cNvSpPr txBox="1"/>
+          <p:nvPr/>
+        </p:nvSpPr>
+        <p:spPr>
+          <a:xfrm>
+            <a:off x="4849495" y="3648710"/>
+            <a:ext cx="1644015" cy="365760"/>
+          </a:xfrm>
+          <a:prstGeom prst="rect">
+            <a:avLst/>
+          </a:prstGeom>
+          <a:noFill/>
+        </p:spPr>
+        <p:txBody>
+          <a:bodyPr wrap="square" rtlCol="0">
+            <a:spAutoFit/>
+          </a:bodyPr>
+          <a:p>
+            <a:pPr algn="ctr"/>
+            <a:r>
+              <a:rPr lang="x-none" altLang="en-US"/>
+              <a:t>struct types</a:t>
+            </a:r>
+            <a:endParaRPr lang="x-none" altLang="en-US"/>
+          </a:p>
+        </p:txBody>
+      </p:sp>
+      <p:sp>
+        <p:nvSpPr>
+          <p:cNvPr id="9" name="Text Box 8"/>
+          <p:cNvSpPr txBox="1"/>
+          <p:nvPr/>
+        </p:nvSpPr>
+        <p:spPr>
+          <a:xfrm>
+            <a:off x="5973445" y="4154805"/>
+            <a:ext cx="1644015" cy="365760"/>
+          </a:xfrm>
+          <a:prstGeom prst="rect">
+            <a:avLst/>
+          </a:prstGeom>
+          <a:noFill/>
+        </p:spPr>
+        <p:txBody>
+          <a:bodyPr wrap="square" rtlCol="0">
+            <a:spAutoFit/>
+          </a:bodyPr>
+          <a:p>
+            <a:pPr algn="ctr"/>
+            <a:r>
+              <a:rPr lang="x-none" altLang="en-US"/>
+              <a:t>enums types</a:t>
+            </a:r>
+            <a:endParaRPr lang="x-none" altLang="en-US"/>
+          </a:p>
+        </p:txBody>
+      </p:sp>
+      <p:sp>
+        <p:nvSpPr>
+          <p:cNvPr id="10" name="Text Box 9"/>
+          <p:cNvSpPr txBox="1"/>
+          <p:nvPr/>
+        </p:nvSpPr>
+        <p:spPr>
+          <a:xfrm>
+            <a:off x="6856730" y="4688840"/>
+            <a:ext cx="1644015" cy="365760"/>
+          </a:xfrm>
+          <a:prstGeom prst="rect">
+            <a:avLst/>
+          </a:prstGeom>
+          <a:noFill/>
+        </p:spPr>
+        <p:txBody>
+          <a:bodyPr wrap="square" rtlCol="0">
+            <a:spAutoFit/>
+          </a:bodyPr>
+          <a:p>
+            <a:pPr algn="ctr"/>
+            <a:r>
+              <a:rPr lang="x-none" altLang="en-US"/>
+              <a:t>inheritance</a:t>
+            </a:r>
+            <a:endParaRPr lang="x-none" altLang="en-US"/>
+          </a:p>
+        </p:txBody>
+      </p:sp>
+      <p:sp>
+        <p:nvSpPr>
+          <p:cNvPr id="11" name="Text Box 10"/>
+          <p:cNvSpPr txBox="1"/>
+          <p:nvPr/>
+        </p:nvSpPr>
+        <p:spPr>
+          <a:xfrm>
+            <a:off x="7626985" y="5099050"/>
+            <a:ext cx="1932940" cy="365760"/>
+          </a:xfrm>
+          <a:prstGeom prst="rect">
+            <a:avLst/>
+          </a:prstGeom>
+          <a:noFill/>
+        </p:spPr>
+        <p:txBody>
+          <a:bodyPr wrap="square" rtlCol="0">
+            <a:spAutoFit/>
+          </a:bodyPr>
+          <a:p>
+            <a:pPr algn="ctr"/>
+            <a:r>
+              <a:rPr lang="x-none" altLang="en-US"/>
+              <a:t>abstract contracts</a:t>
+            </a:r>
+            <a:endParaRPr lang="x-none" altLang="en-US"/>
+          </a:p>
+        </p:txBody>
+      </p:sp>
+      <p:sp>
+        <p:nvSpPr>
+          <p:cNvPr id="12" name="Text Box 11"/>
+          <p:cNvSpPr txBox="1"/>
+          <p:nvPr/>
+        </p:nvSpPr>
+        <p:spPr>
+          <a:xfrm>
+            <a:off x="8281670" y="5594985"/>
+            <a:ext cx="1932940" cy="365760"/>
+          </a:xfrm>
+          <a:prstGeom prst="rect">
+            <a:avLst/>
+          </a:prstGeom>
+          <a:noFill/>
+        </p:spPr>
+        <p:txBody>
+          <a:bodyPr wrap="square" rtlCol="0">
+            <a:spAutoFit/>
+          </a:bodyPr>
+          <a:p>
+            <a:pPr algn="ctr"/>
+            <a:r>
+              <a:rPr lang="x-none" altLang="en-US"/>
+              <a:t>interface</a:t>
+            </a:r>
+            <a:endParaRPr lang="x-none" altLang="en-US"/>
+          </a:p>
+        </p:txBody>
+      </p:sp>
+      <p:sp>
+        <p:nvSpPr>
+          <p:cNvPr id="13" name="Text Box 12"/>
+          <p:cNvSpPr txBox="1"/>
+          <p:nvPr/>
+        </p:nvSpPr>
+        <p:spPr>
+          <a:xfrm>
+            <a:off x="9048115" y="5993130"/>
+            <a:ext cx="1932940" cy="365760"/>
+          </a:xfrm>
+          <a:prstGeom prst="rect">
+            <a:avLst/>
+          </a:prstGeom>
+          <a:noFill/>
+        </p:spPr>
+        <p:txBody>
+          <a:bodyPr wrap="square" rtlCol="0">
+            <a:spAutoFit/>
+          </a:bodyPr>
+          <a:p>
+            <a:pPr algn="ctr"/>
+            <a:r>
+              <a:rPr lang="x-none" altLang="en-US"/>
+              <a:t>libraries</a:t>
+            </a:r>
+            <a:endParaRPr lang="x-none" altLang="en-US"/>
+          </a:p>
+        </p:txBody>
+      </p:sp>
+      <p:sp>
+        <p:nvSpPr>
+          <p:cNvPr id="14" name="Text Box 13"/>
+          <p:cNvSpPr txBox="1"/>
+          <p:nvPr/>
+        </p:nvSpPr>
+        <p:spPr>
+          <a:xfrm>
+            <a:off x="917575" y="1464945"/>
+            <a:ext cx="1613535" cy="365760"/>
+          </a:xfrm>
+          <a:prstGeom prst="rect">
+            <a:avLst/>
+          </a:prstGeom>
+          <a:noFill/>
+        </p:spPr>
+        <p:txBody>
+          <a:bodyPr wrap="square" rtlCol="0">
+            <a:spAutoFit/>
+          </a:bodyPr>
+          <a:p>
+            <a:pPr algn="ctr"/>
+            <a:r>
+              <a:rPr lang="x-none" altLang="en-US"/>
+              <a:t>types</a:t>
+            </a:r>
+            <a:endParaRPr lang="x-none" altLang="en-US"/>
+          </a:p>
+        </p:txBody>
+      </p:sp>
+    </p:spTree>
+  </p:cSld>
+  <p:clrMapOvr>
+    <a:masterClrMapping/>
+  </p:clrMapOvr>
+</p:sld>
+</file>
+
+<file path=ppt/slides/slide19.xml><?xml version="1.0" encoding="utf-8"?>
+<p:sld xmlns:a="http://schemas.openxmlformats.org/drawingml/2006/main" xmlns:r="http://schemas.openxmlformats.org/officeDocument/2006/relationships" xmlns:p="http://schemas.openxmlformats.org/presentationml/2006/main">
+  <p:cSld>
+    <p:spTree>
+      <p:nvGrpSpPr>
+        <p:cNvPr id="1" name=""/>
+        <p:cNvGrpSpPr/>
+        <p:nvPr/>
+      </p:nvGrpSpPr>
+      <p:grpSpPr/>
+      <p:sp>
+        <p:nvSpPr>
+          <p:cNvPr id="2" name="Title 1"/>
+          <p:cNvSpPr>
+            <a:spLocks noGrp="1"/>
+          </p:cNvSpPr>
+          <p:nvPr>
+            <p:ph type="title"/>
+          </p:nvPr>
+        </p:nvSpPr>
+        <p:spPr/>
+        <p:txBody>
+          <a:bodyPr/>
+          <a:p>
+            <a:pPr algn="ctr"/>
+            <a:r>
+              <a:rPr lang="x-none" altLang="en-US"/>
+              <a:t>types</a:t>
+            </a:r>
+            <a:endParaRPr lang="x-none" altLang="en-US"/>
+          </a:p>
+        </p:txBody>
+      </p:sp>
+    </p:spTree>
+  </p:cSld>
+  <p:clrMapOvr>
+    <a:masterClrMapping/>
+  </p:clrMapOvr>
+</p:sld>
+</file>
+
 <file path=ppt/slides/slide2.xml><?xml version="1.0" encoding="utf-8"?>
 <p:sld xmlns:a="http://schemas.openxmlformats.org/drawingml/2006/main" xmlns:r="http://schemas.openxmlformats.org/officeDocument/2006/relationships" xmlns:p="http://schemas.openxmlformats.org/presentationml/2006/main">
   <p:cSld>
@@ -3047,11 +5671,7 @@
             </a:r>
             <a:r>
               <a:rPr lang="x-none" altLang="en-US"/>
-              <a:t>&amp;&amp;</a:t>
-            </a:r>
-            <a:r>
-              <a:rPr lang="x-none" altLang="en-US"/>
-              <a:t> smart contract</a:t>
+              <a:t>&amp;&amp; smart contract</a:t>
             </a:r>
             <a:endParaRPr lang="x-none" altLang="en-US"/>
           </a:p>
@@ -3295,6 +5915,1421 @@
 </p:sld>
 </file>
 
+<file path=ppt/slides/slide20.xml><?xml version="1.0" encoding="utf-8"?>
+<p:sld xmlns:a="http://schemas.openxmlformats.org/drawingml/2006/main" xmlns:r="http://schemas.openxmlformats.org/officeDocument/2006/relationships" xmlns:p="http://schemas.openxmlformats.org/presentationml/2006/main">
+  <p:cSld>
+    <p:spTree>
+      <p:nvGrpSpPr>
+        <p:cNvPr id="1" name=""/>
+        <p:cNvGrpSpPr/>
+        <p:nvPr/>
+      </p:nvGrpSpPr>
+      <p:grpSpPr/>
+      <p:sp>
+        <p:nvSpPr>
+          <p:cNvPr id="2" name="Title 1"/>
+          <p:cNvSpPr>
+            <a:spLocks noGrp="1"/>
+          </p:cNvSpPr>
+          <p:nvPr>
+            <p:ph type="title"/>
+          </p:nvPr>
+        </p:nvSpPr>
+        <p:spPr/>
+        <p:txBody>
+          <a:bodyPr>
+            <a:normAutofit/>
+          </a:bodyPr>
+          <a:p>
+            <a:pPr algn="ctr"/>
+            <a:r>
+              <a:rPr lang="x-none" altLang="en-US"/>
+              <a:t>state variables &amp;&amp; function &amp;&amp; visibility </a:t>
+            </a:r>
+            <a:endParaRPr lang="x-none" altLang="en-US"/>
+          </a:p>
+        </p:txBody>
+      </p:sp>
+      <p:sp>
+        <p:nvSpPr>
+          <p:cNvPr id="5" name="Text Box 4"/>
+          <p:cNvSpPr txBox="1"/>
+          <p:nvPr/>
+        </p:nvSpPr>
+        <p:spPr>
+          <a:xfrm>
+            <a:off x="947420" y="3630295"/>
+            <a:ext cx="1255395" cy="365760"/>
+          </a:xfrm>
+          <a:prstGeom prst="rect">
+            <a:avLst/>
+          </a:prstGeom>
+          <a:noFill/>
+        </p:spPr>
+        <p:txBody>
+          <a:bodyPr wrap="square" rtlCol="0">
+            <a:spAutoFit/>
+          </a:bodyPr>
+          <a:p>
+            <a:pPr algn="ctr"/>
+            <a:r>
+              <a:rPr lang="x-none" altLang="en-US"/>
+              <a:t>visibility</a:t>
+            </a:r>
+            <a:endParaRPr lang="x-none" altLang="en-US"/>
+          </a:p>
+        </p:txBody>
+      </p:sp>
+      <p:sp>
+        <p:nvSpPr>
+          <p:cNvPr id="6" name="Text Box 5"/>
+          <p:cNvSpPr txBox="1"/>
+          <p:nvPr/>
+        </p:nvSpPr>
+        <p:spPr>
+          <a:xfrm>
+            <a:off x="2183765" y="2893060"/>
+            <a:ext cx="457200" cy="1922780"/>
+          </a:xfrm>
+          <a:prstGeom prst="rect">
+            <a:avLst/>
+          </a:prstGeom>
+          <a:noFill/>
+        </p:spPr>
+        <p:txBody>
+          <a:bodyPr vert="eaVert" wrap="square" rtlCol="0">
+            <a:spAutoFit/>
+          </a:bodyPr>
+          <a:p>
+            <a:r>
+              <a:rPr lang="x-none" altLang="en-US"/>
+              <a:t>--------------</a:t>
+            </a:r>
+            <a:endParaRPr lang="x-none" altLang="en-US"/>
+          </a:p>
+        </p:txBody>
+      </p:sp>
+      <p:sp>
+        <p:nvSpPr>
+          <p:cNvPr id="7" name="Text Box 6"/>
+          <p:cNvSpPr txBox="1"/>
+          <p:nvPr/>
+        </p:nvSpPr>
+        <p:spPr>
+          <a:xfrm>
+            <a:off x="3119120" y="2753995"/>
+            <a:ext cx="1633220" cy="365760"/>
+          </a:xfrm>
+          <a:prstGeom prst="rect">
+            <a:avLst/>
+          </a:prstGeom>
+          <a:noFill/>
+        </p:spPr>
+        <p:txBody>
+          <a:bodyPr wrap="square" rtlCol="0">
+            <a:spAutoFit/>
+          </a:bodyPr>
+          <a:p>
+            <a:pPr algn="ctr"/>
+            <a:r>
+              <a:rPr lang="x-none" altLang="en-US"/>
+              <a:t>state variables</a:t>
+            </a:r>
+            <a:endParaRPr lang="x-none" altLang="en-US"/>
+          </a:p>
+        </p:txBody>
+      </p:sp>
+      <p:sp>
+        <p:nvSpPr>
+          <p:cNvPr id="8" name="Text Box 7"/>
+          <p:cNvSpPr txBox="1"/>
+          <p:nvPr/>
+        </p:nvSpPr>
+        <p:spPr>
+          <a:xfrm>
+            <a:off x="2885440" y="4561840"/>
+            <a:ext cx="1633220" cy="365760"/>
+          </a:xfrm>
+          <a:prstGeom prst="rect">
+            <a:avLst/>
+          </a:prstGeom>
+          <a:noFill/>
+        </p:spPr>
+        <p:txBody>
+          <a:bodyPr wrap="square" rtlCol="0">
+            <a:spAutoFit/>
+          </a:bodyPr>
+          <a:p>
+            <a:pPr algn="ctr"/>
+            <a:r>
+              <a:rPr lang="x-none" altLang="en-US"/>
+              <a:t>function</a:t>
+            </a:r>
+            <a:endParaRPr lang="x-none" altLang="en-US"/>
+          </a:p>
+        </p:txBody>
+      </p:sp>
+      <p:sp>
+        <p:nvSpPr>
+          <p:cNvPr id="9" name="Text Box 8"/>
+          <p:cNvSpPr txBox="1"/>
+          <p:nvPr/>
+        </p:nvSpPr>
+        <p:spPr>
+          <a:xfrm>
+            <a:off x="6924040" y="5048885"/>
+            <a:ext cx="1064895" cy="365760"/>
+          </a:xfrm>
+          <a:prstGeom prst="rect">
+            <a:avLst/>
+          </a:prstGeom>
+          <a:noFill/>
+        </p:spPr>
+        <p:txBody>
+          <a:bodyPr wrap="square" rtlCol="0">
+            <a:spAutoFit/>
+          </a:bodyPr>
+          <a:p>
+            <a:pPr algn="ctr"/>
+            <a:r>
+              <a:rPr lang="x-none" altLang="en-US"/>
+              <a:t>external</a:t>
+            </a:r>
+            <a:endParaRPr lang="x-none" altLang="en-US"/>
+          </a:p>
+        </p:txBody>
+      </p:sp>
+      <p:sp>
+        <p:nvSpPr>
+          <p:cNvPr id="10" name="Text Box 9"/>
+          <p:cNvSpPr txBox="1"/>
+          <p:nvPr/>
+        </p:nvSpPr>
+        <p:spPr>
+          <a:xfrm>
+            <a:off x="6789420" y="4545965"/>
+            <a:ext cx="1155700" cy="365760"/>
+          </a:xfrm>
+          <a:prstGeom prst="rect">
+            <a:avLst/>
+          </a:prstGeom>
+          <a:noFill/>
+        </p:spPr>
+        <p:txBody>
+          <a:bodyPr wrap="square" rtlCol="0">
+            <a:spAutoFit/>
+          </a:bodyPr>
+          <a:p>
+            <a:pPr algn="ctr"/>
+            <a:r>
+              <a:rPr lang="x-none" altLang="en-US"/>
+              <a:t>public</a:t>
+            </a:r>
+            <a:endParaRPr lang="x-none" altLang="en-US"/>
+          </a:p>
+        </p:txBody>
+      </p:sp>
+      <p:sp>
+        <p:nvSpPr>
+          <p:cNvPr id="11" name="Text Box 10"/>
+          <p:cNvSpPr txBox="1"/>
+          <p:nvPr/>
+        </p:nvSpPr>
+        <p:spPr>
+          <a:xfrm>
+            <a:off x="6909435" y="2748915"/>
+            <a:ext cx="1006475" cy="365760"/>
+          </a:xfrm>
+          <a:prstGeom prst="rect">
+            <a:avLst/>
+          </a:prstGeom>
+          <a:noFill/>
+        </p:spPr>
+        <p:txBody>
+          <a:bodyPr wrap="square" rtlCol="0">
+            <a:spAutoFit/>
+          </a:bodyPr>
+          <a:p>
+            <a:pPr algn="ctr"/>
+            <a:r>
+              <a:rPr lang="x-none" altLang="en-US">
+                <a:solidFill>
+                  <a:schemeClr val="tx1"/>
+                </a:solidFill>
+              </a:rPr>
+              <a:t>internal</a:t>
+            </a:r>
+            <a:endParaRPr lang="x-none" altLang="en-US">
+              <a:solidFill>
+                <a:schemeClr val="tx1"/>
+              </a:solidFill>
+            </a:endParaRPr>
+          </a:p>
+        </p:txBody>
+      </p:sp>
+      <p:sp>
+        <p:nvSpPr>
+          <p:cNvPr id="12" name="Text Box 11"/>
+          <p:cNvSpPr txBox="1"/>
+          <p:nvPr/>
+        </p:nvSpPr>
+        <p:spPr>
+          <a:xfrm>
+            <a:off x="6773545" y="2230120"/>
+            <a:ext cx="1165860" cy="365760"/>
+          </a:xfrm>
+          <a:prstGeom prst="rect">
+            <a:avLst/>
+          </a:prstGeom>
+          <a:noFill/>
+        </p:spPr>
+        <p:txBody>
+          <a:bodyPr wrap="square" rtlCol="0">
+            <a:spAutoFit/>
+          </a:bodyPr>
+          <a:p>
+            <a:pPr algn="ctr"/>
+            <a:r>
+              <a:rPr lang="x-none" altLang="en-US"/>
+              <a:t>private</a:t>
+            </a:r>
+            <a:endParaRPr lang="x-none" altLang="en-US"/>
+          </a:p>
+        </p:txBody>
+      </p:sp>
+      <p:sp>
+        <p:nvSpPr>
+          <p:cNvPr id="13" name="Text Box 12"/>
+          <p:cNvSpPr txBox="1"/>
+          <p:nvPr/>
+        </p:nvSpPr>
+        <p:spPr>
+          <a:xfrm>
+            <a:off x="5640070" y="2377440"/>
+            <a:ext cx="457200" cy="2595245"/>
+          </a:xfrm>
+          <a:prstGeom prst="rect">
+            <a:avLst/>
+          </a:prstGeom>
+          <a:noFill/>
+        </p:spPr>
+        <p:txBody>
+          <a:bodyPr vert="eaVert" wrap="square" rtlCol="0">
+            <a:spAutoFit/>
+          </a:bodyPr>
+          <a:p>
+            <a:r>
+              <a:rPr lang="x-none" altLang="en-US"/>
+              <a:t>|------------------|</a:t>
+            </a:r>
+            <a:endParaRPr lang="x-none" altLang="en-US"/>
+          </a:p>
+        </p:txBody>
+      </p:sp>
+      <p:sp>
+        <p:nvSpPr>
+          <p:cNvPr id="14" name="Text Box 13"/>
+          <p:cNvSpPr txBox="1"/>
+          <p:nvPr/>
+        </p:nvSpPr>
+        <p:spPr>
+          <a:xfrm>
+            <a:off x="4872990" y="2780665"/>
+            <a:ext cx="886460" cy="365760"/>
+          </a:xfrm>
+          <a:prstGeom prst="rect">
+            <a:avLst/>
+          </a:prstGeom>
+          <a:noFill/>
+        </p:spPr>
+        <p:txBody>
+          <a:bodyPr wrap="square" rtlCol="0">
+            <a:spAutoFit/>
+          </a:bodyPr>
+          <a:p>
+            <a:r>
+              <a:rPr lang="x-none" altLang="en-US"/>
+              <a:t>----&gt;</a:t>
+            </a:r>
+            <a:endParaRPr lang="x-none" altLang="en-US"/>
+          </a:p>
+        </p:txBody>
+      </p:sp>
+      <p:sp>
+        <p:nvSpPr>
+          <p:cNvPr id="16" name="Text Box 15"/>
+          <p:cNvSpPr txBox="1"/>
+          <p:nvPr/>
+        </p:nvSpPr>
+        <p:spPr>
+          <a:xfrm>
+            <a:off x="6127115" y="2820035"/>
+            <a:ext cx="816610" cy="365760"/>
+          </a:xfrm>
+          <a:prstGeom prst="rect">
+            <a:avLst/>
+          </a:prstGeom>
+          <a:noFill/>
+        </p:spPr>
+        <p:txBody>
+          <a:bodyPr wrap="square" rtlCol="0">
+            <a:spAutoFit/>
+          </a:bodyPr>
+          <a:p>
+            <a:r>
+              <a:rPr lang="x-none" altLang="en-US"/>
+              <a:t>----&gt;</a:t>
+            </a:r>
+            <a:endParaRPr lang="x-none" altLang="en-US"/>
+          </a:p>
+        </p:txBody>
+      </p:sp>
+      <p:sp>
+        <p:nvSpPr>
+          <p:cNvPr id="17" name="Text Box 16"/>
+          <p:cNvSpPr txBox="1"/>
+          <p:nvPr/>
+        </p:nvSpPr>
+        <p:spPr>
+          <a:xfrm>
+            <a:off x="6001385" y="2620010"/>
+            <a:ext cx="1016000" cy="365760"/>
+          </a:xfrm>
+          <a:prstGeom prst="rect">
+            <a:avLst/>
+          </a:prstGeom>
+          <a:noFill/>
+        </p:spPr>
+        <p:txBody>
+          <a:bodyPr wrap="square" rtlCol="0">
+            <a:spAutoFit/>
+          </a:bodyPr>
+          <a:p>
+            <a:pPr algn="ctr"/>
+            <a:r>
+              <a:rPr lang="x-none" altLang="en-US"/>
+              <a:t>default</a:t>
+            </a:r>
+            <a:endParaRPr lang="x-none" altLang="en-US"/>
+          </a:p>
+        </p:txBody>
+      </p:sp>
+      <p:sp>
+        <p:nvSpPr>
+          <p:cNvPr id="18" name="Text Box 17"/>
+          <p:cNvSpPr txBox="1"/>
+          <p:nvPr/>
+        </p:nvSpPr>
+        <p:spPr>
+          <a:xfrm>
+            <a:off x="6205220" y="4546600"/>
+            <a:ext cx="816610" cy="365760"/>
+          </a:xfrm>
+          <a:prstGeom prst="rect">
+            <a:avLst/>
+          </a:prstGeom>
+          <a:noFill/>
+        </p:spPr>
+        <p:txBody>
+          <a:bodyPr wrap="square" rtlCol="0">
+            <a:spAutoFit/>
+          </a:bodyPr>
+          <a:p>
+            <a:r>
+              <a:rPr lang="x-none" altLang="en-US"/>
+              <a:t>----&gt;</a:t>
+            </a:r>
+            <a:endParaRPr lang="x-none" altLang="en-US"/>
+          </a:p>
+        </p:txBody>
+      </p:sp>
+      <p:sp>
+        <p:nvSpPr>
+          <p:cNvPr id="19" name="Text Box 18"/>
+          <p:cNvSpPr txBox="1"/>
+          <p:nvPr/>
+        </p:nvSpPr>
+        <p:spPr>
+          <a:xfrm>
+            <a:off x="6123305" y="2249170"/>
+            <a:ext cx="816610" cy="365760"/>
+          </a:xfrm>
+          <a:prstGeom prst="rect">
+            <a:avLst/>
+          </a:prstGeom>
+          <a:noFill/>
+        </p:spPr>
+        <p:txBody>
+          <a:bodyPr wrap="square" rtlCol="0">
+            <a:spAutoFit/>
+          </a:bodyPr>
+          <a:p>
+            <a:r>
+              <a:rPr lang="x-none" altLang="en-US"/>
+              <a:t>----&gt;</a:t>
+            </a:r>
+            <a:endParaRPr lang="x-none" altLang="en-US"/>
+          </a:p>
+        </p:txBody>
+      </p:sp>
+      <p:sp>
+        <p:nvSpPr>
+          <p:cNvPr id="20" name="Text Box 19"/>
+          <p:cNvSpPr txBox="1"/>
+          <p:nvPr/>
+        </p:nvSpPr>
+        <p:spPr>
+          <a:xfrm>
+            <a:off x="6210935" y="5073015"/>
+            <a:ext cx="816610" cy="365760"/>
+          </a:xfrm>
+          <a:prstGeom prst="rect">
+            <a:avLst/>
+          </a:prstGeom>
+          <a:noFill/>
+        </p:spPr>
+        <p:txBody>
+          <a:bodyPr wrap="square" rtlCol="0">
+            <a:spAutoFit/>
+          </a:bodyPr>
+          <a:p>
+            <a:r>
+              <a:rPr lang="x-none" altLang="en-US"/>
+              <a:t>----&gt;</a:t>
+            </a:r>
+            <a:endParaRPr lang="x-none" altLang="en-US"/>
+          </a:p>
+        </p:txBody>
+      </p:sp>
+      <p:sp>
+        <p:nvSpPr>
+          <p:cNvPr id="21" name="Text Box 20"/>
+          <p:cNvSpPr txBox="1"/>
+          <p:nvPr/>
+        </p:nvSpPr>
+        <p:spPr>
+          <a:xfrm>
+            <a:off x="4867910" y="4581525"/>
+            <a:ext cx="886460" cy="365760"/>
+          </a:xfrm>
+          <a:prstGeom prst="rect">
+            <a:avLst/>
+          </a:prstGeom>
+          <a:noFill/>
+        </p:spPr>
+        <p:txBody>
+          <a:bodyPr wrap="square" rtlCol="0">
+            <a:spAutoFit/>
+          </a:bodyPr>
+          <a:p>
+            <a:r>
+              <a:rPr lang="x-none" altLang="en-US"/>
+              <a:t>----&gt;</a:t>
+            </a:r>
+            <a:endParaRPr lang="x-none" altLang="en-US"/>
+          </a:p>
+        </p:txBody>
+      </p:sp>
+      <p:sp>
+        <p:nvSpPr>
+          <p:cNvPr id="22" name="Text Box 21"/>
+          <p:cNvSpPr txBox="1"/>
+          <p:nvPr/>
+        </p:nvSpPr>
+        <p:spPr>
+          <a:xfrm>
+            <a:off x="8388350" y="5008245"/>
+            <a:ext cx="2779395" cy="365760"/>
+          </a:xfrm>
+          <a:prstGeom prst="rect">
+            <a:avLst/>
+          </a:prstGeom>
+          <a:noFill/>
+        </p:spPr>
+        <p:txBody>
+          <a:bodyPr wrap="square" rtlCol="0">
+            <a:spAutoFit/>
+          </a:bodyPr>
+          <a:p>
+            <a:pPr algn="ctr"/>
+            <a:r>
+              <a:rPr lang="x-none" altLang="en-US"/>
+              <a:t>other contracts and via txs</a:t>
+            </a:r>
+            <a:endParaRPr lang="x-none" altLang="en-US"/>
+          </a:p>
+        </p:txBody>
+      </p:sp>
+      <p:sp>
+        <p:nvSpPr>
+          <p:cNvPr id="23" name="Text Box 22"/>
+          <p:cNvSpPr txBox="1"/>
+          <p:nvPr/>
+        </p:nvSpPr>
+        <p:spPr>
+          <a:xfrm>
+            <a:off x="8445500" y="4568190"/>
+            <a:ext cx="2779395" cy="365760"/>
+          </a:xfrm>
+          <a:prstGeom prst="rect">
+            <a:avLst/>
+          </a:prstGeom>
+          <a:noFill/>
+        </p:spPr>
+        <p:txBody>
+          <a:bodyPr wrap="square" rtlCol="0">
+            <a:spAutoFit/>
+          </a:bodyPr>
+          <a:p>
+            <a:pPr algn="ctr"/>
+            <a:r>
+              <a:rPr lang="x-none" altLang="en-US"/>
+              <a:t>internally and via messages</a:t>
+            </a:r>
+            <a:endParaRPr lang="x-none" altLang="en-US"/>
+          </a:p>
+        </p:txBody>
+      </p:sp>
+      <p:sp>
+        <p:nvSpPr>
+          <p:cNvPr id="24" name="Text Box 23"/>
+          <p:cNvSpPr txBox="1"/>
+          <p:nvPr/>
+        </p:nvSpPr>
+        <p:spPr>
+          <a:xfrm>
+            <a:off x="8333740" y="2817495"/>
+            <a:ext cx="1365885" cy="365760"/>
+          </a:xfrm>
+          <a:prstGeom prst="rect">
+            <a:avLst/>
+          </a:prstGeom>
+          <a:noFill/>
+        </p:spPr>
+        <p:txBody>
+          <a:bodyPr wrap="square" rtlCol="0">
+            <a:spAutoFit/>
+          </a:bodyPr>
+          <a:p>
+            <a:pPr algn="ctr"/>
+            <a:r>
+              <a:rPr lang="x-none" altLang="en-US"/>
+              <a:t>internally</a:t>
+            </a:r>
+            <a:endParaRPr lang="x-none" altLang="en-US"/>
+          </a:p>
+        </p:txBody>
+      </p:sp>
+      <p:sp>
+        <p:nvSpPr>
+          <p:cNvPr id="25" name="Text Box 24"/>
+          <p:cNvSpPr txBox="1"/>
+          <p:nvPr/>
+        </p:nvSpPr>
+        <p:spPr>
+          <a:xfrm>
+            <a:off x="8178165" y="2220595"/>
+            <a:ext cx="2779395" cy="365760"/>
+          </a:xfrm>
+          <a:prstGeom prst="rect">
+            <a:avLst/>
+          </a:prstGeom>
+          <a:noFill/>
+        </p:spPr>
+        <p:txBody>
+          <a:bodyPr wrap="square" rtlCol="0">
+            <a:spAutoFit/>
+          </a:bodyPr>
+          <a:p>
+            <a:pPr algn="ctr"/>
+            <a:r>
+              <a:rPr lang="x-none" altLang="en-US"/>
+              <a:t>not in derived contract</a:t>
+            </a:r>
+            <a:endParaRPr lang="x-none" altLang="en-US"/>
+          </a:p>
+        </p:txBody>
+      </p:sp>
+      <p:sp>
+        <p:nvSpPr>
+          <p:cNvPr id="26" name="Text Box 25"/>
+          <p:cNvSpPr txBox="1"/>
+          <p:nvPr/>
+        </p:nvSpPr>
+        <p:spPr>
+          <a:xfrm>
+            <a:off x="6084570" y="4366895"/>
+            <a:ext cx="1016000" cy="365760"/>
+          </a:xfrm>
+          <a:prstGeom prst="rect">
+            <a:avLst/>
+          </a:prstGeom>
+          <a:noFill/>
+        </p:spPr>
+        <p:txBody>
+          <a:bodyPr wrap="square" rtlCol="0">
+            <a:spAutoFit/>
+          </a:bodyPr>
+          <a:p>
+            <a:pPr algn="ctr"/>
+            <a:r>
+              <a:rPr lang="x-none" altLang="en-US"/>
+              <a:t>default</a:t>
+            </a:r>
+            <a:endParaRPr lang="x-none" altLang="en-US"/>
+          </a:p>
+        </p:txBody>
+      </p:sp>
+    </p:spTree>
+  </p:cSld>
+  <p:clrMapOvr>
+    <a:masterClrMapping/>
+  </p:clrMapOvr>
+</p:sld>
+</file>
+
+<file path=ppt/slides/slide21.xml><?xml version="1.0" encoding="utf-8"?>
+<p:sld xmlns:a="http://schemas.openxmlformats.org/drawingml/2006/main" xmlns:r="http://schemas.openxmlformats.org/officeDocument/2006/relationships" xmlns:p="http://schemas.openxmlformats.org/presentationml/2006/main">
+  <p:cSld>
+    <p:spTree>
+      <p:nvGrpSpPr>
+        <p:cNvPr id="1" name=""/>
+        <p:cNvGrpSpPr/>
+        <p:nvPr/>
+      </p:nvGrpSpPr>
+      <p:grpSpPr/>
+      <p:sp>
+        <p:nvSpPr>
+          <p:cNvPr id="2" name="Title 1"/>
+          <p:cNvSpPr>
+            <a:spLocks noGrp="1"/>
+          </p:cNvSpPr>
+          <p:nvPr>
+            <p:ph type="title"/>
+          </p:nvPr>
+        </p:nvSpPr>
+        <p:spPr/>
+        <p:txBody>
+          <a:bodyPr/>
+          <a:p>
+            <a:pPr algn="ctr"/>
+            <a:r>
+              <a:rPr lang="x-none" altLang="en-US">
+                <a:sym typeface="+mn-ea"/>
+              </a:rPr>
+              <a:t>state variables &amp;&amp; function &amp;&amp; visibility</a:t>
+            </a:r>
+            <a:endParaRPr lang="en-US"/>
+          </a:p>
+        </p:txBody>
+      </p:sp>
+      <p:sp>
+        <p:nvSpPr>
+          <p:cNvPr id="4" name="Text Box 3"/>
+          <p:cNvSpPr txBox="1"/>
+          <p:nvPr/>
+        </p:nvSpPr>
+        <p:spPr>
+          <a:xfrm>
+            <a:off x="1536065" y="2413635"/>
+            <a:ext cx="1722755" cy="365760"/>
+          </a:xfrm>
+          <a:prstGeom prst="rect">
+            <a:avLst/>
+          </a:prstGeom>
+          <a:noFill/>
+        </p:spPr>
+        <p:txBody>
+          <a:bodyPr wrap="square" rtlCol="0">
+            <a:spAutoFit/>
+          </a:bodyPr>
+          <a:p>
+            <a:pPr algn="ctr"/>
+            <a:r>
+              <a:rPr lang="x-none" altLang="en-US"/>
+              <a:t>- state variables</a:t>
+            </a:r>
+            <a:endParaRPr lang="x-none" altLang="en-US"/>
+          </a:p>
+        </p:txBody>
+      </p:sp>
+      <p:sp>
+        <p:nvSpPr>
+          <p:cNvPr id="5" name="Text Box 4"/>
+          <p:cNvSpPr txBox="1"/>
+          <p:nvPr/>
+        </p:nvSpPr>
+        <p:spPr>
+          <a:xfrm>
+            <a:off x="4086860" y="2393950"/>
+            <a:ext cx="2012315" cy="365760"/>
+          </a:xfrm>
+          <a:prstGeom prst="rect">
+            <a:avLst/>
+          </a:prstGeom>
+          <a:noFill/>
+        </p:spPr>
+        <p:txBody>
+          <a:bodyPr wrap="square" rtlCol="0">
+            <a:spAutoFit/>
+          </a:bodyPr>
+          <a:p>
+            <a:pPr algn="ctr"/>
+            <a:r>
+              <a:rPr lang="x-none" altLang="en-US"/>
+              <a:t>getter function</a:t>
+            </a:r>
+            <a:endParaRPr lang="x-none" altLang="en-US"/>
+          </a:p>
+        </p:txBody>
+      </p:sp>
+      <p:sp>
+        <p:nvSpPr>
+          <p:cNvPr id="6" name="Text Box 5"/>
+          <p:cNvSpPr txBox="1"/>
+          <p:nvPr/>
+        </p:nvSpPr>
+        <p:spPr>
+          <a:xfrm>
+            <a:off x="3360420" y="2402840"/>
+            <a:ext cx="935355" cy="365760"/>
+          </a:xfrm>
+          <a:prstGeom prst="rect">
+            <a:avLst/>
+          </a:prstGeom>
+          <a:noFill/>
+        </p:spPr>
+        <p:txBody>
+          <a:bodyPr wrap="square" rtlCol="0">
+            <a:spAutoFit/>
+          </a:bodyPr>
+          <a:p>
+            <a:r>
+              <a:rPr lang="x-none" altLang="en-US"/>
+              <a:t>----&gt;</a:t>
+            </a:r>
+            <a:endParaRPr lang="x-none" altLang="en-US"/>
+          </a:p>
+        </p:txBody>
+      </p:sp>
+      <p:sp>
+        <p:nvSpPr>
+          <p:cNvPr id="7" name="Text Box 6"/>
+          <p:cNvSpPr txBox="1"/>
+          <p:nvPr/>
+        </p:nvSpPr>
+        <p:spPr>
+          <a:xfrm>
+            <a:off x="3251835" y="2160905"/>
+            <a:ext cx="995680" cy="365760"/>
+          </a:xfrm>
+          <a:prstGeom prst="rect">
+            <a:avLst/>
+          </a:prstGeom>
+          <a:noFill/>
+        </p:spPr>
+        <p:txBody>
+          <a:bodyPr wrap="square" rtlCol="0">
+            <a:spAutoFit/>
+          </a:bodyPr>
+          <a:p>
+            <a:pPr algn="ctr"/>
+            <a:r>
+              <a:rPr lang="x-none" altLang="en-US"/>
+              <a:t>public</a:t>
+            </a:r>
+            <a:endParaRPr lang="x-none" altLang="en-US"/>
+          </a:p>
+        </p:txBody>
+      </p:sp>
+      <p:sp>
+        <p:nvSpPr>
+          <p:cNvPr id="8" name="Text Box 7"/>
+          <p:cNvSpPr txBox="1"/>
+          <p:nvPr/>
+        </p:nvSpPr>
+        <p:spPr>
+          <a:xfrm>
+            <a:off x="7322820" y="1935480"/>
+            <a:ext cx="1842770" cy="365760"/>
+          </a:xfrm>
+          <a:prstGeom prst="rect">
+            <a:avLst/>
+          </a:prstGeom>
+          <a:noFill/>
+        </p:spPr>
+        <p:txBody>
+          <a:bodyPr wrap="square" rtlCol="0">
+            <a:spAutoFit/>
+          </a:bodyPr>
+          <a:p>
+            <a:pPr algn="ctr"/>
+            <a:r>
+              <a:rPr lang="x-none" altLang="en-US"/>
+              <a:t>take no arguments</a:t>
+            </a:r>
+            <a:endParaRPr lang="x-none" altLang="en-US"/>
+          </a:p>
+        </p:txBody>
+      </p:sp>
+      <p:sp>
+        <p:nvSpPr>
+          <p:cNvPr id="9" name="Text Box 8"/>
+          <p:cNvSpPr txBox="1"/>
+          <p:nvPr/>
+        </p:nvSpPr>
+        <p:spPr>
+          <a:xfrm>
+            <a:off x="7312025" y="2699385"/>
+            <a:ext cx="3643630" cy="365760"/>
+          </a:xfrm>
+          <a:prstGeom prst="rect">
+            <a:avLst/>
+          </a:prstGeom>
+          <a:noFill/>
+        </p:spPr>
+        <p:txBody>
+          <a:bodyPr wrap="square" rtlCol="0">
+            <a:spAutoFit/>
+          </a:bodyPr>
+          <a:p>
+            <a:pPr algn="ctr"/>
+            <a:r>
+              <a:rPr lang="x-none" altLang="en-US"/>
+              <a:t>return the value of the state variables</a:t>
+            </a:r>
+            <a:endParaRPr lang="x-none" altLang="en-US"/>
+          </a:p>
+        </p:txBody>
+      </p:sp>
+      <p:sp>
+        <p:nvSpPr>
+          <p:cNvPr id="10" name="Text Box 9"/>
+          <p:cNvSpPr txBox="1"/>
+          <p:nvPr/>
+        </p:nvSpPr>
+        <p:spPr>
+          <a:xfrm>
+            <a:off x="6874510" y="2084705"/>
+            <a:ext cx="457200" cy="1065530"/>
+          </a:xfrm>
+          <a:prstGeom prst="rect">
+            <a:avLst/>
+          </a:prstGeom>
+          <a:noFill/>
+        </p:spPr>
+        <p:txBody>
+          <a:bodyPr vert="eaVert" wrap="square" rtlCol="0">
+            <a:spAutoFit/>
+          </a:bodyPr>
+          <a:p>
+            <a:r>
+              <a:rPr lang="x-none" altLang="en-US"/>
+              <a:t>-------</a:t>
+            </a:r>
+            <a:endParaRPr lang="x-none" altLang="en-US"/>
+          </a:p>
+        </p:txBody>
+      </p:sp>
+      <p:sp>
+        <p:nvSpPr>
+          <p:cNvPr id="13" name="Text Box 12"/>
+          <p:cNvSpPr txBox="1"/>
+          <p:nvPr/>
+        </p:nvSpPr>
+        <p:spPr>
+          <a:xfrm>
+            <a:off x="5996940" y="2407920"/>
+            <a:ext cx="935355" cy="365760"/>
+          </a:xfrm>
+          <a:prstGeom prst="rect">
+            <a:avLst/>
+          </a:prstGeom>
+          <a:noFill/>
+        </p:spPr>
+        <p:txBody>
+          <a:bodyPr wrap="square" rtlCol="0">
+            <a:spAutoFit/>
+          </a:bodyPr>
+          <a:p>
+            <a:r>
+              <a:rPr lang="x-none" altLang="en-US"/>
+              <a:t>----&gt;</a:t>
+            </a:r>
+            <a:endParaRPr lang="x-none" altLang="en-US"/>
+          </a:p>
+        </p:txBody>
+      </p:sp>
+      <p:sp>
+        <p:nvSpPr>
+          <p:cNvPr id="14" name="Text Box 13"/>
+          <p:cNvSpPr txBox="1"/>
+          <p:nvPr/>
+        </p:nvSpPr>
+        <p:spPr>
+          <a:xfrm>
+            <a:off x="5888355" y="2165985"/>
+            <a:ext cx="995680" cy="365760"/>
+          </a:xfrm>
+          <a:prstGeom prst="rect">
+            <a:avLst/>
+          </a:prstGeom>
+          <a:noFill/>
+        </p:spPr>
+        <p:txBody>
+          <a:bodyPr wrap="square" rtlCol="0">
+            <a:spAutoFit/>
+          </a:bodyPr>
+          <a:p>
+            <a:pPr algn="ctr"/>
+            <a:r>
+              <a:rPr lang="x-none" altLang="en-US">
+                <a:sym typeface="+mn-ea"/>
+              </a:rPr>
+              <a:t>external</a:t>
+            </a:r>
+            <a:endParaRPr lang="x-none" altLang="en-US"/>
+          </a:p>
+        </p:txBody>
+      </p:sp>
+      <p:sp>
+        <p:nvSpPr>
+          <p:cNvPr id="15" name="Text Box 14"/>
+          <p:cNvSpPr txBox="1"/>
+          <p:nvPr/>
+        </p:nvSpPr>
+        <p:spPr>
+          <a:xfrm>
+            <a:off x="1376045" y="3863975"/>
+            <a:ext cx="2211070" cy="365760"/>
+          </a:xfrm>
+          <a:prstGeom prst="rect">
+            <a:avLst/>
+          </a:prstGeom>
+          <a:noFill/>
+        </p:spPr>
+        <p:txBody>
+          <a:bodyPr wrap="square" rtlCol="0">
+            <a:spAutoFit/>
+          </a:bodyPr>
+          <a:p>
+            <a:pPr algn="ctr"/>
+            <a:r>
+              <a:rPr lang="x-none" altLang="en-US"/>
+              <a:t>- fallback function</a:t>
+            </a:r>
+            <a:endParaRPr lang="x-none" altLang="en-US"/>
+          </a:p>
+        </p:txBody>
+      </p:sp>
+      <p:sp>
+        <p:nvSpPr>
+          <p:cNvPr id="16" name="Text Box 15"/>
+          <p:cNvSpPr txBox="1"/>
+          <p:nvPr/>
+        </p:nvSpPr>
+        <p:spPr>
+          <a:xfrm>
+            <a:off x="1417320" y="5242560"/>
+            <a:ext cx="1335405" cy="365760"/>
+          </a:xfrm>
+          <a:prstGeom prst="rect">
+            <a:avLst/>
+          </a:prstGeom>
+          <a:noFill/>
+        </p:spPr>
+        <p:txBody>
+          <a:bodyPr wrap="square" rtlCol="0">
+            <a:spAutoFit/>
+          </a:bodyPr>
+          <a:p>
+            <a:pPr algn="ctr"/>
+            <a:r>
+              <a:rPr lang="x-none" altLang="en-US"/>
+              <a:t>- constant</a:t>
+            </a:r>
+            <a:endParaRPr lang="x-none" altLang="en-US"/>
+          </a:p>
+        </p:txBody>
+      </p:sp>
+      <p:sp>
+        <p:nvSpPr>
+          <p:cNvPr id="17" name="Text Box 16"/>
+          <p:cNvSpPr txBox="1"/>
+          <p:nvPr/>
+        </p:nvSpPr>
+        <p:spPr>
+          <a:xfrm>
+            <a:off x="6965950" y="3648710"/>
+            <a:ext cx="1842770" cy="365760"/>
+          </a:xfrm>
+          <a:prstGeom prst="rect">
+            <a:avLst/>
+          </a:prstGeom>
+          <a:noFill/>
+        </p:spPr>
+        <p:txBody>
+          <a:bodyPr wrap="square" rtlCol="0">
+            <a:spAutoFit/>
+          </a:bodyPr>
+          <a:p>
+            <a:pPr algn="ctr"/>
+            <a:r>
+              <a:rPr lang="x-none" altLang="en-US"/>
+              <a:t>exactly one</a:t>
+            </a:r>
+            <a:endParaRPr lang="x-none" altLang="en-US"/>
+          </a:p>
+        </p:txBody>
+      </p:sp>
+      <p:sp>
+        <p:nvSpPr>
+          <p:cNvPr id="18" name="Text Box 17"/>
+          <p:cNvSpPr txBox="1"/>
+          <p:nvPr/>
+        </p:nvSpPr>
+        <p:spPr>
+          <a:xfrm>
+            <a:off x="7048500" y="4115435"/>
+            <a:ext cx="1312545" cy="365760"/>
+          </a:xfrm>
+          <a:prstGeom prst="rect">
+            <a:avLst/>
+          </a:prstGeom>
+          <a:noFill/>
+        </p:spPr>
+        <p:txBody>
+          <a:bodyPr wrap="square" rtlCol="0">
+            <a:spAutoFit/>
+          </a:bodyPr>
+          <a:p>
+            <a:pPr algn="ctr"/>
+            <a:r>
+              <a:rPr lang="x-none" altLang="en-US"/>
+              <a:t>uname</a:t>
+            </a:r>
+            <a:endParaRPr lang="x-none" altLang="en-US"/>
+          </a:p>
+        </p:txBody>
+      </p:sp>
+      <p:sp>
+        <p:nvSpPr>
+          <p:cNvPr id="19" name="Text Box 18"/>
+          <p:cNvSpPr txBox="1"/>
+          <p:nvPr/>
+        </p:nvSpPr>
+        <p:spPr>
+          <a:xfrm>
+            <a:off x="6884670" y="3675380"/>
+            <a:ext cx="457200" cy="906780"/>
+          </a:xfrm>
+          <a:prstGeom prst="rect">
+            <a:avLst/>
+          </a:prstGeom>
+          <a:noFill/>
+        </p:spPr>
+        <p:txBody>
+          <a:bodyPr vert="eaVert" wrap="square" rtlCol="0">
+            <a:spAutoFit/>
+          </a:bodyPr>
+          <a:p>
+            <a:r>
+              <a:rPr lang="x-none" altLang="en-US"/>
+              <a:t>------</a:t>
+            </a:r>
+            <a:endParaRPr lang="x-none" altLang="en-US"/>
+          </a:p>
+        </p:txBody>
+      </p:sp>
+      <p:sp>
+        <p:nvSpPr>
+          <p:cNvPr id="20" name="Text Box 19"/>
+          <p:cNvSpPr txBox="1"/>
+          <p:nvPr/>
+        </p:nvSpPr>
+        <p:spPr>
+          <a:xfrm>
+            <a:off x="4153535" y="3663950"/>
+            <a:ext cx="2211070" cy="365760"/>
+          </a:xfrm>
+          <a:prstGeom prst="rect">
+            <a:avLst/>
+          </a:prstGeom>
+          <a:noFill/>
+        </p:spPr>
+        <p:txBody>
+          <a:bodyPr wrap="square" rtlCol="0">
+            <a:spAutoFit/>
+          </a:bodyPr>
+          <a:p>
+            <a:pPr algn="ctr"/>
+            <a:r>
+              <a:rPr lang="x-none" altLang="en-US"/>
+              <a:t>not match function</a:t>
+            </a:r>
+            <a:endParaRPr lang="x-none" altLang="en-US"/>
+          </a:p>
+        </p:txBody>
+      </p:sp>
+      <p:sp>
+        <p:nvSpPr>
+          <p:cNvPr id="21" name="Text Box 20"/>
+          <p:cNvSpPr txBox="1"/>
+          <p:nvPr/>
+        </p:nvSpPr>
+        <p:spPr>
+          <a:xfrm>
+            <a:off x="3726815" y="3928110"/>
+            <a:ext cx="3117850" cy="365760"/>
+          </a:xfrm>
+          <a:prstGeom prst="rect">
+            <a:avLst/>
+          </a:prstGeom>
+          <a:noFill/>
+        </p:spPr>
+        <p:txBody>
+          <a:bodyPr wrap="square" rtlCol="0">
+            <a:spAutoFit/>
+          </a:bodyPr>
+          <a:p>
+            <a:pPr algn="ctr"/>
+            <a:r>
+              <a:rPr lang="x-none" altLang="en-US"/>
+              <a:t>-------------&gt;</a:t>
+            </a:r>
+            <a:endParaRPr lang="x-none" altLang="en-US"/>
+          </a:p>
+        </p:txBody>
+      </p:sp>
+      <p:sp>
+        <p:nvSpPr>
+          <p:cNvPr id="22" name="Text Box 21"/>
+          <p:cNvSpPr txBox="1"/>
+          <p:nvPr/>
+        </p:nvSpPr>
+        <p:spPr>
+          <a:xfrm>
+            <a:off x="2809875" y="4954905"/>
+            <a:ext cx="1842770" cy="365760"/>
+          </a:xfrm>
+          <a:prstGeom prst="rect">
+            <a:avLst/>
+          </a:prstGeom>
+          <a:noFill/>
+        </p:spPr>
+        <p:txBody>
+          <a:bodyPr wrap="square" rtlCol="0">
+            <a:spAutoFit/>
+          </a:bodyPr>
+          <a:p>
+            <a:pPr algn="ctr"/>
+            <a:r>
+              <a:rPr lang="x-none" altLang="en-US"/>
+              <a:t>state variables</a:t>
+            </a:r>
+            <a:endParaRPr lang="x-none" altLang="en-US"/>
+          </a:p>
+        </p:txBody>
+      </p:sp>
+      <p:sp>
+        <p:nvSpPr>
+          <p:cNvPr id="23" name="Text Box 22"/>
+          <p:cNvSpPr txBox="1"/>
+          <p:nvPr/>
+        </p:nvSpPr>
+        <p:spPr>
+          <a:xfrm>
+            <a:off x="2825750" y="5526405"/>
+            <a:ext cx="1312545" cy="365760"/>
+          </a:xfrm>
+          <a:prstGeom prst="rect">
+            <a:avLst/>
+          </a:prstGeom>
+          <a:noFill/>
+        </p:spPr>
+        <p:txBody>
+          <a:bodyPr wrap="square" rtlCol="0">
+            <a:spAutoFit/>
+          </a:bodyPr>
+          <a:p>
+            <a:pPr algn="ctr"/>
+            <a:r>
+              <a:rPr lang="x-none" altLang="en-US"/>
+              <a:t>function</a:t>
+            </a:r>
+            <a:endParaRPr lang="x-none" altLang="en-US"/>
+          </a:p>
+        </p:txBody>
+      </p:sp>
+      <p:sp>
+        <p:nvSpPr>
+          <p:cNvPr id="24" name="Text Box 23"/>
+          <p:cNvSpPr txBox="1"/>
+          <p:nvPr/>
+        </p:nvSpPr>
+        <p:spPr>
+          <a:xfrm>
+            <a:off x="2642870" y="4981575"/>
+            <a:ext cx="457200" cy="906780"/>
+          </a:xfrm>
+          <a:prstGeom prst="rect">
+            <a:avLst/>
+          </a:prstGeom>
+          <a:noFill/>
+        </p:spPr>
+        <p:txBody>
+          <a:bodyPr vert="eaVert" wrap="square" rtlCol="0">
+            <a:spAutoFit/>
+          </a:bodyPr>
+          <a:p>
+            <a:r>
+              <a:rPr lang="x-none" altLang="en-US"/>
+              <a:t>------</a:t>
+            </a:r>
+            <a:endParaRPr lang="x-none" altLang="en-US"/>
+          </a:p>
+        </p:txBody>
+      </p:sp>
+      <p:sp>
+        <p:nvSpPr>
+          <p:cNvPr id="25" name="Text Box 24"/>
+          <p:cNvSpPr txBox="1"/>
+          <p:nvPr/>
+        </p:nvSpPr>
+        <p:spPr>
+          <a:xfrm>
+            <a:off x="4552950" y="4942840"/>
+            <a:ext cx="7429500" cy="365760"/>
+          </a:xfrm>
+          <a:prstGeom prst="rect">
+            <a:avLst/>
+          </a:prstGeom>
+          <a:noFill/>
+        </p:spPr>
+        <p:txBody>
+          <a:bodyPr wrap="square" rtlCol="0">
+            <a:spAutoFit/>
+          </a:bodyPr>
+          <a:p>
+            <a:r>
+              <a:rPr lang="en-US"/>
+              <a:t> </a:t>
+            </a:r>
+            <a:r>
+              <a:rPr lang="en-US" sz="1400"/>
+              <a:t>have to be assigned from an expression which is a constant at compile time</a:t>
+            </a:r>
+            <a:endParaRPr lang="en-US" sz="1400"/>
+          </a:p>
+        </p:txBody>
+      </p:sp>
+      <p:sp>
+        <p:nvSpPr>
+          <p:cNvPr id="26" name="Text Box 25"/>
+          <p:cNvSpPr txBox="1"/>
+          <p:nvPr/>
+        </p:nvSpPr>
+        <p:spPr>
+          <a:xfrm>
+            <a:off x="4653280" y="5549265"/>
+            <a:ext cx="3288665" cy="304800"/>
+          </a:xfrm>
+          <a:prstGeom prst="rect">
+            <a:avLst/>
+          </a:prstGeom>
+          <a:noFill/>
+        </p:spPr>
+        <p:txBody>
+          <a:bodyPr wrap="square" rtlCol="0">
+            <a:spAutoFit/>
+          </a:bodyPr>
+          <a:p>
+            <a:r>
+              <a:rPr lang="en-US" sz="1400"/>
+              <a:t>promise not to modify the state</a:t>
+            </a:r>
+            <a:endParaRPr lang="en-US" sz="1400"/>
+          </a:p>
+        </p:txBody>
+      </p:sp>
+      <p:sp>
+        <p:nvSpPr>
+          <p:cNvPr id="28" name="Text Box 27"/>
+          <p:cNvSpPr txBox="1"/>
+          <p:nvPr/>
+        </p:nvSpPr>
+        <p:spPr>
+          <a:xfrm>
+            <a:off x="1118235" y="2538095"/>
+            <a:ext cx="457200" cy="3128010"/>
+          </a:xfrm>
+          <a:prstGeom prst="rect">
+            <a:avLst/>
+          </a:prstGeom>
+          <a:noFill/>
+        </p:spPr>
+        <p:txBody>
+          <a:bodyPr vert="eaVert" wrap="square" rtlCol="0">
+            <a:spAutoFit/>
+          </a:bodyPr>
+          <a:p>
+            <a:r>
+              <a:rPr lang="x-none" altLang="en-US"/>
+              <a:t>------------------------</a:t>
+            </a:r>
+            <a:endParaRPr lang="x-none" altLang="en-US"/>
+          </a:p>
+        </p:txBody>
+      </p:sp>
+    </p:spTree>
+  </p:cSld>
+  <p:clrMapOvr>
+    <a:masterClrMapping/>
+  </p:clrMapOvr>
+</p:sld>
+</file>
+
+<file path=ppt/slides/slide22.xml><?xml version="1.0" encoding="utf-8"?>
+<p:sld xmlns:a="http://schemas.openxmlformats.org/drawingml/2006/main" xmlns:r="http://schemas.openxmlformats.org/officeDocument/2006/relationships" xmlns:p="http://schemas.openxmlformats.org/presentationml/2006/main">
+  <p:cSld>
+    <p:spTree>
+      <p:nvGrpSpPr>
+        <p:cNvPr id="1" name=""/>
+        <p:cNvGrpSpPr/>
+        <p:nvPr/>
+      </p:nvGrpSpPr>
+      <p:grpSpPr/>
+      <p:sp>
+        <p:nvSpPr>
+          <p:cNvPr id="2" name="Title 1"/>
+          <p:cNvSpPr>
+            <a:spLocks noGrp="1"/>
+          </p:cNvSpPr>
+          <p:nvPr>
+            <p:ph type="title"/>
+          </p:nvPr>
+        </p:nvSpPr>
+        <p:spPr/>
+        <p:txBody>
+          <a:bodyPr/>
+          <a:p>
+            <a:pPr algn="ctr"/>
+            <a:r>
+              <a:rPr lang="x-none" altLang="en-US"/>
+              <a:t>function modifiers</a:t>
+            </a:r>
+            <a:endParaRPr lang="x-none" altLang="en-US"/>
+          </a:p>
+        </p:txBody>
+      </p:sp>
+    </p:spTree>
+  </p:cSld>
+  <p:clrMapOvr>
+    <a:masterClrMapping/>
+  </p:clrMapOvr>
+</p:sld>
+</file>
+
 <file path=ppt/slides/slide3.xml><?xml version="1.0" encoding="utf-8"?>
 <p:sld xmlns:a="http://schemas.openxmlformats.org/drawingml/2006/main" xmlns:r="http://schemas.openxmlformats.org/officeDocument/2006/relationships" xmlns:p="http://schemas.openxmlformats.org/presentationml/2006/main">
   <p:cSld>
@@ -3340,7 +7375,7 @@
         </p:nvSpPr>
         <p:spPr>
           <a:xfrm>
-            <a:off x="3861435" y="2016760"/>
+            <a:off x="2051050" y="2007235"/>
             <a:ext cx="2532380" cy="1193800"/>
           </a:xfrm>
         </p:spPr>
@@ -3369,7 +7404,7 @@
       </p:sp>
       <p:sp>
         <p:nvSpPr>
-          <p:cNvPr id="4" name="Content Placeholder 2"/>
+          <p:cNvPr id="5" name="Content Placeholder 2"/>
           <p:cNvSpPr>
             <a:spLocks noGrp="1"/>
           </p:cNvSpPr>
@@ -3377,8 +7412,8 @@
         </p:nvSpPr>
         <p:spPr>
           <a:xfrm>
-            <a:off x="4744085" y="2930525"/>
-            <a:ext cx="2160270" cy="918845"/>
+            <a:off x="4255770" y="4773295"/>
+            <a:ext cx="2101215" cy="939165"/>
           </a:xfrm>
           <a:prstGeom prst="rect">
             <a:avLst/>
@@ -3555,15 +7590,15 @@
           <a:p>
             <a:r>
               <a:rPr lang="x-none" altLang="en-US"/>
-              <a:t> LLL</a:t>
-            </a:r>
-            <a:endParaRPr lang="x-none" altLang="en-US"/>
-          </a:p>
-        </p:txBody>
-      </p:sp>
-      <p:sp>
-        <p:nvSpPr>
-          <p:cNvPr id="5" name="Content Placeholder 2"/>
+              <a:t>serpent</a:t>
+            </a:r>
+            <a:endParaRPr lang="x-none" altLang="en-US"/>
+          </a:p>
+        </p:txBody>
+      </p:sp>
+      <p:sp>
+        <p:nvSpPr>
+          <p:cNvPr id="6" name="Content Placeholder 2"/>
           <p:cNvSpPr>
             <a:spLocks noGrp="1"/>
           </p:cNvSpPr>
@@ -3571,8 +7606,8 @@
         </p:nvSpPr>
         <p:spPr>
           <a:xfrm>
-            <a:off x="6598920" y="4773295"/>
-            <a:ext cx="2101215" cy="939165"/>
+            <a:off x="3530600" y="3891915"/>
+            <a:ext cx="2081530" cy="752475"/>
           </a:xfrm>
           <a:prstGeom prst="rect">
             <a:avLst/>
@@ -3749,15 +7784,15 @@
           <a:p>
             <a:r>
               <a:rPr lang="x-none" altLang="en-US"/>
-              <a:t>serpent</a:t>
-            </a:r>
-            <a:endParaRPr lang="x-none" altLang="en-US"/>
-          </a:p>
-        </p:txBody>
-      </p:sp>
-      <p:sp>
-        <p:nvSpPr>
-          <p:cNvPr id="6" name="Content Placeholder 2"/>
+              <a:t>Viper</a:t>
+            </a:r>
+            <a:endParaRPr lang="x-none" altLang="en-US"/>
+          </a:p>
+        </p:txBody>
+      </p:sp>
+      <p:sp>
+        <p:nvSpPr>
+          <p:cNvPr id="7" name="Content Placeholder 2"/>
           <p:cNvSpPr>
             <a:spLocks noGrp="1"/>
           </p:cNvSpPr>
@@ -3765,8 +7800,8 @@
         </p:nvSpPr>
         <p:spPr>
           <a:xfrm>
-            <a:off x="5635625" y="3891915"/>
-            <a:ext cx="2081530" cy="752475"/>
+            <a:off x="7271385" y="1998980"/>
+            <a:ext cx="3081655" cy="939165"/>
           </a:xfrm>
           <a:prstGeom prst="rect">
             <a:avLst/>
@@ -3941,9 +7976,204 @@
             </a:lvl9pPr>
           </a:lstStyle>
           <a:p>
-            <a:r>
-              <a:rPr lang="x-none" altLang="en-US"/>
-              <a:t>Viper</a:t>
+            <a:pPr algn="ctr"/>
+            <a:r>
+              <a:rPr lang="x-none" altLang="en-US"/>
+              <a:t>assembly language</a:t>
+            </a:r>
+            <a:endParaRPr lang="x-none" altLang="en-US"/>
+          </a:p>
+        </p:txBody>
+      </p:sp>
+      <p:sp>
+        <p:nvSpPr>
+          <p:cNvPr id="4" name="Content Placeholder 2"/>
+          <p:cNvSpPr>
+            <a:spLocks noGrp="1"/>
+          </p:cNvSpPr>
+          <p:nvPr/>
+        </p:nvSpPr>
+        <p:spPr>
+          <a:xfrm>
+            <a:off x="2810510" y="2930525"/>
+            <a:ext cx="2160270" cy="918845"/>
+          </a:xfrm>
+          <a:prstGeom prst="rect">
+            <a:avLst/>
+          </a:prstGeom>
+        </p:spPr>
+        <p:txBody>
+          <a:bodyPr vert="horz" lIns="91440" tIns="45720" rIns="91440" bIns="45720" rtlCol="0">
+            <a:normAutofit/>
+          </a:bodyPr>
+          <a:lstStyle>
+            <a:lvl1pPr marL="228600" indent="-228600" algn="l" defTabSz="914400" rtl="0" eaLnBrk="1" latinLnBrk="0" hangingPunct="1">
+              <a:lnSpc>
+                <a:spcPct val="90000"/>
+              </a:lnSpc>
+              <a:spcBef>
+                <a:spcPts val="1000"/>
+              </a:spcBef>
+              <a:buFont typeface="Arial" panose="02080604020202020204" charset="0"/>
+              <a:buChar char="•"/>
+              <a:defRPr sz="2800" kern="1200">
+                <a:solidFill>
+                  <a:schemeClr val="tx1"/>
+                </a:solidFill>
+                <a:latin typeface="+mn-lt"/>
+                <a:ea typeface="+mn-ea"/>
+                <a:cs typeface="+mn-cs"/>
+              </a:defRPr>
+            </a:lvl1pPr>
+            <a:lvl2pPr marL="685800" indent="-228600" algn="l" defTabSz="914400" rtl="0" eaLnBrk="1" latinLnBrk="0" hangingPunct="1">
+              <a:lnSpc>
+                <a:spcPct val="90000"/>
+              </a:lnSpc>
+              <a:spcBef>
+                <a:spcPts val="500"/>
+              </a:spcBef>
+              <a:buFont typeface="Arial" panose="02080604020202020204" charset="0"/>
+              <a:buChar char="•"/>
+              <a:defRPr sz="2400" kern="1200">
+                <a:solidFill>
+                  <a:schemeClr val="tx1"/>
+                </a:solidFill>
+                <a:latin typeface="+mn-lt"/>
+                <a:ea typeface="+mn-ea"/>
+                <a:cs typeface="+mn-cs"/>
+              </a:defRPr>
+            </a:lvl2pPr>
+            <a:lvl3pPr marL="1143000" indent="-228600" algn="l" defTabSz="914400" rtl="0" eaLnBrk="1" latinLnBrk="0" hangingPunct="1">
+              <a:lnSpc>
+                <a:spcPct val="90000"/>
+              </a:lnSpc>
+              <a:spcBef>
+                <a:spcPts val="500"/>
+              </a:spcBef>
+              <a:buFont typeface="Arial" panose="02080604020202020204" charset="0"/>
+              <a:buChar char="•"/>
+              <a:defRPr sz="2000" kern="1200">
+                <a:solidFill>
+                  <a:schemeClr val="tx1"/>
+                </a:solidFill>
+                <a:latin typeface="+mn-lt"/>
+                <a:ea typeface="+mn-ea"/>
+                <a:cs typeface="+mn-cs"/>
+              </a:defRPr>
+            </a:lvl3pPr>
+            <a:lvl4pPr marL="1600200" indent="-228600" algn="l" defTabSz="914400" rtl="0" eaLnBrk="1" latinLnBrk="0" hangingPunct="1">
+              <a:lnSpc>
+                <a:spcPct val="90000"/>
+              </a:lnSpc>
+              <a:spcBef>
+                <a:spcPts val="500"/>
+              </a:spcBef>
+              <a:buFont typeface="Arial" panose="02080604020202020204" charset="0"/>
+              <a:buChar char="•"/>
+              <a:defRPr sz="1800" kern="1200">
+                <a:solidFill>
+                  <a:schemeClr val="tx1"/>
+                </a:solidFill>
+                <a:latin typeface="+mn-lt"/>
+                <a:ea typeface="+mn-ea"/>
+                <a:cs typeface="+mn-cs"/>
+              </a:defRPr>
+            </a:lvl4pPr>
+            <a:lvl5pPr marL="2057400" indent="-228600" algn="l" defTabSz="914400" rtl="0" eaLnBrk="1" latinLnBrk="0" hangingPunct="1">
+              <a:lnSpc>
+                <a:spcPct val="90000"/>
+              </a:lnSpc>
+              <a:spcBef>
+                <a:spcPts val="500"/>
+              </a:spcBef>
+              <a:buFont typeface="Arial" panose="02080604020202020204" charset="0"/>
+              <a:buChar char="•"/>
+              <a:defRPr sz="1800" kern="1200">
+                <a:solidFill>
+                  <a:schemeClr val="tx1"/>
+                </a:solidFill>
+                <a:latin typeface="+mn-lt"/>
+                <a:ea typeface="+mn-ea"/>
+                <a:cs typeface="+mn-cs"/>
+              </a:defRPr>
+            </a:lvl5pPr>
+            <a:lvl6pPr marL="2514600" indent="-228600" algn="l" defTabSz="914400" rtl="0" eaLnBrk="1" latinLnBrk="0" hangingPunct="1">
+              <a:lnSpc>
+                <a:spcPct val="90000"/>
+              </a:lnSpc>
+              <a:spcBef>
+                <a:spcPts val="500"/>
+              </a:spcBef>
+              <a:buFont typeface="Arial" panose="02080604020202020204" charset="0"/>
+              <a:buChar char="•"/>
+              <a:defRPr sz="1800" kern="1200">
+                <a:solidFill>
+                  <a:schemeClr val="tx1"/>
+                </a:solidFill>
+                <a:latin typeface="+mn-lt"/>
+                <a:ea typeface="+mn-ea"/>
+                <a:cs typeface="+mn-cs"/>
+              </a:defRPr>
+            </a:lvl6pPr>
+            <a:lvl7pPr marL="2971800" indent="-228600" algn="l" defTabSz="914400" rtl="0" eaLnBrk="1" latinLnBrk="0" hangingPunct="1">
+              <a:lnSpc>
+                <a:spcPct val="90000"/>
+              </a:lnSpc>
+              <a:spcBef>
+                <a:spcPts val="500"/>
+              </a:spcBef>
+              <a:buFont typeface="Arial" panose="02080604020202020204" charset="0"/>
+              <a:buChar char="•"/>
+              <a:defRPr sz="1800" kern="1200">
+                <a:solidFill>
+                  <a:schemeClr val="tx1"/>
+                </a:solidFill>
+                <a:latin typeface="+mn-lt"/>
+                <a:ea typeface="+mn-ea"/>
+                <a:cs typeface="+mn-cs"/>
+              </a:defRPr>
+            </a:lvl7pPr>
+            <a:lvl8pPr marL="3429000" indent="-228600" algn="l" defTabSz="914400" rtl="0" eaLnBrk="1" latinLnBrk="0" hangingPunct="1">
+              <a:lnSpc>
+                <a:spcPct val="90000"/>
+              </a:lnSpc>
+              <a:spcBef>
+                <a:spcPts val="500"/>
+              </a:spcBef>
+              <a:buFont typeface="Arial" panose="02080604020202020204" charset="0"/>
+              <a:buChar char="•"/>
+              <a:defRPr sz="1800" kern="1200">
+                <a:solidFill>
+                  <a:schemeClr val="tx1"/>
+                </a:solidFill>
+                <a:latin typeface="+mn-lt"/>
+                <a:ea typeface="+mn-ea"/>
+                <a:cs typeface="+mn-cs"/>
+              </a:defRPr>
+            </a:lvl8pPr>
+            <a:lvl9pPr marL="3886200" indent="-228600" algn="l" defTabSz="914400" rtl="0" eaLnBrk="1" latinLnBrk="0" hangingPunct="1">
+              <a:lnSpc>
+                <a:spcPct val="90000"/>
+              </a:lnSpc>
+              <a:spcBef>
+                <a:spcPts val="500"/>
+              </a:spcBef>
+              <a:buFont typeface="Arial" panose="02080604020202020204" charset="0"/>
+              <a:buChar char="•"/>
+              <a:defRPr sz="1800" kern="1200">
+                <a:solidFill>
+                  <a:schemeClr val="tx1"/>
+                </a:solidFill>
+                <a:latin typeface="+mn-lt"/>
+                <a:ea typeface="+mn-ea"/>
+                <a:cs typeface="+mn-cs"/>
+              </a:defRPr>
+            </a:lvl9pPr>
+          </a:lstStyle>
+          <a:p>
+            <a:r>
+              <a:rPr lang="x-none" altLang="en-US"/>
+              <a:t> LLL</a:t>
             </a:r>
             <a:endParaRPr lang="x-none" altLang="en-US"/>
           </a:p>
@@ -3984,7 +8214,7 @@
             <a:pPr algn="ctr"/>
             <a:r>
               <a:rPr lang="x-none" altLang="en-US"/>
-              <a:t>simple smart contract</a:t>
+              <a:t>simple smart contract 1</a:t>
             </a:r>
             <a:endParaRPr lang="x-none" altLang="en-US"/>
           </a:p>
@@ -4013,35 +8243,35 @@
           <a:p>
             <a:r>
               <a:rPr lang="x-none" altLang="en-US"/>
-              <a:t>pragma</a:t>
-            </a:r>
-            <a:endParaRPr lang="x-none" altLang="en-US"/>
-          </a:p>
-          <a:p>
-            <a:r>
-              <a:rPr lang="x-none" altLang="en-US"/>
-              <a:t>contract</a:t>
-            </a:r>
-            <a:endParaRPr lang="x-none" altLang="en-US"/>
-          </a:p>
-          <a:p>
-            <a:r>
-              <a:rPr lang="x-none" altLang="en-US"/>
-              <a:t>uint</a:t>
-            </a:r>
-            <a:endParaRPr lang="x-none" altLang="en-US"/>
-          </a:p>
-          <a:p>
-            <a:r>
-              <a:rPr lang="x-none" altLang="en-US"/>
-              <a:t>function</a:t>
-            </a:r>
-            <a:endParaRPr lang="x-none" altLang="en-US"/>
-          </a:p>
-          <a:p>
-            <a:r>
-              <a:rPr lang="x-none" altLang="en-US"/>
-              <a:t>storage</a:t>
+              <a:t> pragma</a:t>
+            </a:r>
+            <a:endParaRPr lang="x-none" altLang="en-US"/>
+          </a:p>
+          <a:p>
+            <a:r>
+              <a:rPr lang="x-none" altLang="en-US"/>
+              <a:t> contract</a:t>
+            </a:r>
+            <a:endParaRPr lang="x-none" altLang="en-US"/>
+          </a:p>
+          <a:p>
+            <a:r>
+              <a:rPr lang="x-none" altLang="en-US"/>
+              <a:t> uint</a:t>
+            </a:r>
+            <a:endParaRPr lang="x-none" altLang="en-US"/>
+          </a:p>
+          <a:p>
+            <a:r>
+              <a:rPr lang="x-none" altLang="en-US"/>
+              <a:t> function</a:t>
+            </a:r>
+            <a:endParaRPr lang="x-none" altLang="en-US"/>
+          </a:p>
+          <a:p>
+            <a:r>
+              <a:rPr lang="x-none" altLang="en-US"/>
+              <a:t> storage</a:t>
             </a:r>
             <a:endParaRPr lang="x-none" altLang="en-US"/>
           </a:p>
@@ -4055,7 +8285,7 @@
         </p:nvSpPr>
         <p:spPr>
           <a:xfrm>
-            <a:off x="5741035" y="1741170"/>
+            <a:off x="6131560" y="1741170"/>
             <a:ext cx="5060315" cy="3657600"/>
           </a:xfrm>
           <a:prstGeom prst="rect">
@@ -4145,6 +8375,1551 @@
               <a:t>}</a:t>
             </a:r>
             <a:endParaRPr lang="en-US"/>
+          </a:p>
+        </p:txBody>
+      </p:sp>
+      <p:sp>
+        <p:nvSpPr>
+          <p:cNvPr id="5" name="Text Box 4"/>
+          <p:cNvSpPr txBox="1"/>
+          <p:nvPr/>
+        </p:nvSpPr>
+        <p:spPr>
+          <a:xfrm>
+            <a:off x="4472305" y="3193415"/>
+            <a:ext cx="833755" cy="640080"/>
+          </a:xfrm>
+          <a:prstGeom prst="rect">
+            <a:avLst/>
+          </a:prstGeom>
+          <a:noFill/>
+        </p:spPr>
+        <p:txBody>
+          <a:bodyPr wrap="square" rtlCol="0">
+            <a:spAutoFit/>
+          </a:bodyPr>
+          <a:p>
+            <a:r>
+              <a:rPr lang="x-none" altLang="en-US"/>
+              <a:t>&lt;--</a:t>
+            </a:r>
+            <a:endParaRPr lang="x-none" altLang="en-US"/>
+          </a:p>
+          <a:p>
+            <a:r>
+              <a:rPr lang="x-none" altLang="en-US"/>
+              <a:t>&lt;--</a:t>
+            </a:r>
+            <a:endParaRPr lang="x-none" altLang="en-US"/>
+          </a:p>
+        </p:txBody>
+      </p:sp>
+    </p:spTree>
+  </p:cSld>
+  <p:clrMapOvr>
+    <a:masterClrMapping/>
+  </p:clrMapOvr>
+</p:sld>
+</file>
+
+<file path=ppt/slides/slide5.xml><?xml version="1.0" encoding="utf-8"?>
+<p:sld xmlns:a="http://schemas.openxmlformats.org/drawingml/2006/main" xmlns:r="http://schemas.openxmlformats.org/officeDocument/2006/relationships" xmlns:p="http://schemas.openxmlformats.org/presentationml/2006/main">
+  <p:cSld>
+    <p:spTree>
+      <p:nvGrpSpPr>
+        <p:cNvPr id="1" name=""/>
+        <p:cNvGrpSpPr/>
+        <p:nvPr/>
+      </p:nvGrpSpPr>
+      <p:grpSpPr/>
+      <p:sp>
+        <p:nvSpPr>
+          <p:cNvPr id="2" name="Title 1"/>
+          <p:cNvSpPr>
+            <a:spLocks noGrp="1"/>
+          </p:cNvSpPr>
+          <p:nvPr>
+            <p:ph type="title"/>
+          </p:nvPr>
+        </p:nvSpPr>
+        <p:spPr/>
+        <p:txBody>
+          <a:bodyPr/>
+          <a:p>
+            <a:pPr algn="ctr"/>
+            <a:r>
+              <a:rPr lang="x-none" altLang="en-US"/>
+              <a:t>simple smart contract 2</a:t>
+            </a:r>
+            <a:endParaRPr lang="x-none" altLang="en-US"/>
+          </a:p>
+        </p:txBody>
+      </p:sp>
+      <p:sp>
+        <p:nvSpPr>
+          <p:cNvPr id="3" name="Content Placeholder 2"/>
+          <p:cNvSpPr>
+            <a:spLocks noGrp="1"/>
+          </p:cNvSpPr>
+          <p:nvPr>
+            <p:ph idx="1"/>
+          </p:nvPr>
+        </p:nvSpPr>
+        <p:spPr>
+          <a:xfrm>
+            <a:off x="1388110" y="2386330"/>
+            <a:ext cx="2679700" cy="2409825"/>
+          </a:xfrm>
+        </p:spPr>
+        <p:txBody>
+          <a:bodyPr>
+            <a:normAutofit lnSpcReduction="10000"/>
+          </a:bodyPr>
+          <a:p>
+            <a:r>
+              <a:rPr lang="x-none" altLang="en-US"/>
+              <a:t> address</a:t>
+            </a:r>
+            <a:endParaRPr lang="x-none" altLang="en-US"/>
+          </a:p>
+          <a:p>
+            <a:r>
+              <a:rPr lang="x-none" altLang="en-US"/>
+              <a:t> public</a:t>
+            </a:r>
+            <a:endParaRPr lang="x-none" altLang="en-US"/>
+          </a:p>
+          <a:p>
+            <a:r>
+              <a:rPr lang="x-none" altLang="en-US"/>
+              <a:t> mapping</a:t>
+            </a:r>
+            <a:endParaRPr lang="x-none" altLang="en-US"/>
+          </a:p>
+          <a:p>
+            <a:r>
+              <a:rPr lang="x-none" altLang="en-US"/>
+              <a:t> event</a:t>
+            </a:r>
+            <a:endParaRPr lang="x-none" altLang="en-US"/>
+          </a:p>
+          <a:p>
+            <a:r>
+              <a:rPr lang="x-none" altLang="en-US"/>
+              <a:t> msg</a:t>
+            </a:r>
+            <a:endParaRPr lang="x-none" altLang="en-US"/>
+          </a:p>
+        </p:txBody>
+      </p:sp>
+      <p:sp>
+        <p:nvSpPr>
+          <p:cNvPr id="4" name="Text Box 3"/>
+          <p:cNvSpPr txBox="1"/>
+          <p:nvPr/>
+        </p:nvSpPr>
+        <p:spPr>
+          <a:xfrm>
+            <a:off x="6694805" y="1701800"/>
+            <a:ext cx="4236720" cy="4663440"/>
+          </a:xfrm>
+          <a:prstGeom prst="rect">
+            <a:avLst/>
+          </a:prstGeom>
+          <a:noFill/>
+        </p:spPr>
+        <p:txBody>
+          <a:bodyPr wrap="square" rtlCol="0">
+            <a:spAutoFit/>
+          </a:bodyPr>
+          <a:p>
+            <a:r>
+              <a:rPr lang="en-US" sz="1000"/>
+              <a:t>pragma solidity ^0.4.0;</a:t>
+            </a:r>
+            <a:endParaRPr lang="en-US" sz="1000"/>
+          </a:p>
+          <a:p>
+            <a:endParaRPr lang="en-US" sz="1000"/>
+          </a:p>
+          <a:p>
+            <a:r>
+              <a:rPr lang="en-US" sz="1000"/>
+              <a:t>contract Coin {</a:t>
+            </a:r>
+            <a:endParaRPr lang="en-US" sz="1000"/>
+          </a:p>
+          <a:p>
+            <a:r>
+              <a:rPr lang="en-US" sz="1000"/>
+              <a:t>    // The keyword "public" makes those variables</a:t>
+            </a:r>
+            <a:endParaRPr lang="en-US" sz="1000"/>
+          </a:p>
+          <a:p>
+            <a:r>
+              <a:rPr lang="en-US" sz="1000"/>
+              <a:t>    // readable from outside.</a:t>
+            </a:r>
+            <a:endParaRPr lang="en-US" sz="1000"/>
+          </a:p>
+          <a:p>
+            <a:r>
+              <a:rPr lang="en-US" sz="1000"/>
+              <a:t>    address public minter;</a:t>
+            </a:r>
+            <a:endParaRPr lang="en-US" sz="1000"/>
+          </a:p>
+          <a:p>
+            <a:r>
+              <a:rPr lang="en-US" sz="1000"/>
+              <a:t>    mapping (address =&gt; uint) public balances;</a:t>
+            </a:r>
+            <a:endParaRPr lang="en-US" sz="1000"/>
+          </a:p>
+          <a:p>
+            <a:endParaRPr lang="en-US" sz="1000"/>
+          </a:p>
+          <a:p>
+            <a:r>
+              <a:rPr lang="en-US" sz="1000"/>
+              <a:t>    // Events allow light clients to react on</a:t>
+            </a:r>
+            <a:endParaRPr lang="en-US" sz="1000"/>
+          </a:p>
+          <a:p>
+            <a:r>
+              <a:rPr lang="en-US" sz="1000"/>
+              <a:t>    // changes efficiently.</a:t>
+            </a:r>
+            <a:endParaRPr lang="en-US" sz="1000"/>
+          </a:p>
+          <a:p>
+            <a:r>
+              <a:rPr lang="en-US" sz="1000"/>
+              <a:t>    event Sent(address from, address to, uint amount);</a:t>
+            </a:r>
+            <a:endParaRPr lang="en-US" sz="1000"/>
+          </a:p>
+          <a:p>
+            <a:endParaRPr lang="en-US" sz="1000"/>
+          </a:p>
+          <a:p>
+            <a:r>
+              <a:rPr lang="en-US" sz="1000"/>
+              <a:t>    // This is the constructor whose code is</a:t>
+            </a:r>
+            <a:endParaRPr lang="en-US" sz="1000"/>
+          </a:p>
+          <a:p>
+            <a:r>
+              <a:rPr lang="en-US" sz="1000"/>
+              <a:t>    // run only when the contract is created.</a:t>
+            </a:r>
+            <a:endParaRPr lang="en-US" sz="1000"/>
+          </a:p>
+          <a:p>
+            <a:r>
+              <a:rPr lang="en-US" sz="1000"/>
+              <a:t>    function Coin() {</a:t>
+            </a:r>
+            <a:endParaRPr lang="en-US" sz="1000"/>
+          </a:p>
+          <a:p>
+            <a:r>
+              <a:rPr lang="en-US" sz="1000"/>
+              <a:t>        minter = msg.sender;</a:t>
+            </a:r>
+            <a:endParaRPr lang="en-US" sz="1000"/>
+          </a:p>
+          <a:p>
+            <a:r>
+              <a:rPr lang="en-US" sz="1000"/>
+              <a:t>    }</a:t>
+            </a:r>
+            <a:endParaRPr lang="en-US" sz="1000"/>
+          </a:p>
+          <a:p>
+            <a:endParaRPr lang="en-US" sz="1000"/>
+          </a:p>
+          <a:p>
+            <a:r>
+              <a:rPr lang="en-US" sz="1000"/>
+              <a:t>    function mint(address receiver, uint amount) {</a:t>
+            </a:r>
+            <a:endParaRPr lang="en-US" sz="1000"/>
+          </a:p>
+          <a:p>
+            <a:r>
+              <a:rPr lang="en-US" sz="1000"/>
+              <a:t>        if (msg.sender != minter) return;</a:t>
+            </a:r>
+            <a:endParaRPr lang="en-US" sz="1000"/>
+          </a:p>
+          <a:p>
+            <a:r>
+              <a:rPr lang="en-US" sz="1000"/>
+              <a:t>        balances[receiver] += amount;</a:t>
+            </a:r>
+            <a:endParaRPr lang="en-US" sz="1000"/>
+          </a:p>
+          <a:p>
+            <a:r>
+              <a:rPr lang="en-US" sz="1000"/>
+              <a:t>    }</a:t>
+            </a:r>
+            <a:endParaRPr lang="en-US" sz="1000"/>
+          </a:p>
+          <a:p>
+            <a:endParaRPr lang="en-US" sz="1000"/>
+          </a:p>
+          <a:p>
+            <a:r>
+              <a:rPr lang="en-US" sz="1000"/>
+              <a:t>    function send(address receiver, uint amount) {</a:t>
+            </a:r>
+            <a:endParaRPr lang="en-US" sz="1000"/>
+          </a:p>
+          <a:p>
+            <a:r>
+              <a:rPr lang="en-US" sz="1000"/>
+              <a:t>        if (balances[msg.sender] &lt; amount) return;</a:t>
+            </a:r>
+            <a:endParaRPr lang="en-US" sz="1000"/>
+          </a:p>
+          <a:p>
+            <a:r>
+              <a:rPr lang="en-US" sz="1000"/>
+              <a:t>        balances[msg.sender] -= amount;</a:t>
+            </a:r>
+            <a:endParaRPr lang="en-US" sz="1000"/>
+          </a:p>
+          <a:p>
+            <a:r>
+              <a:rPr lang="en-US" sz="1000"/>
+              <a:t>        balances[receiver] += amount;</a:t>
+            </a:r>
+            <a:endParaRPr lang="en-US" sz="1000"/>
+          </a:p>
+          <a:p>
+            <a:r>
+              <a:rPr lang="en-US" sz="1000"/>
+              <a:t>        Sent(msg.sender, receiver, amount);</a:t>
+            </a:r>
+            <a:endParaRPr lang="en-US" sz="1000"/>
+          </a:p>
+          <a:p>
+            <a:r>
+              <a:rPr lang="en-US" sz="1000"/>
+              <a:t>    }</a:t>
+            </a:r>
+            <a:endParaRPr lang="en-US" sz="1000"/>
+          </a:p>
+          <a:p>
+            <a:r>
+              <a:rPr lang="en-US" sz="1000"/>
+              <a:t>}</a:t>
+            </a:r>
+            <a:endParaRPr lang="en-US" sz="1000"/>
+          </a:p>
+        </p:txBody>
+      </p:sp>
+      <p:sp>
+        <p:nvSpPr>
+          <p:cNvPr id="5" name="Text Box 4"/>
+          <p:cNvSpPr txBox="1"/>
+          <p:nvPr/>
+        </p:nvSpPr>
+        <p:spPr>
+          <a:xfrm>
+            <a:off x="4785995" y="3213100"/>
+            <a:ext cx="833755" cy="640080"/>
+          </a:xfrm>
+          <a:prstGeom prst="rect">
+            <a:avLst/>
+          </a:prstGeom>
+          <a:noFill/>
+        </p:spPr>
+        <p:txBody>
+          <a:bodyPr wrap="square" rtlCol="0">
+            <a:spAutoFit/>
+          </a:bodyPr>
+          <a:p>
+            <a:r>
+              <a:rPr lang="x-none" altLang="en-US"/>
+              <a:t>&lt;--</a:t>
+            </a:r>
+            <a:endParaRPr lang="x-none" altLang="en-US"/>
+          </a:p>
+          <a:p>
+            <a:r>
+              <a:rPr lang="x-none" altLang="en-US"/>
+              <a:t>&lt;--</a:t>
+            </a:r>
+            <a:endParaRPr lang="x-none" altLang="en-US"/>
+          </a:p>
+        </p:txBody>
+      </p:sp>
+    </p:spTree>
+  </p:cSld>
+  <p:clrMapOvr>
+    <a:masterClrMapping/>
+  </p:clrMapOvr>
+</p:sld>
+</file>
+
+<file path=ppt/slides/slide6.xml><?xml version="1.0" encoding="utf-8"?>
+<p:sld xmlns:a="http://schemas.openxmlformats.org/drawingml/2006/main" xmlns:r="http://schemas.openxmlformats.org/officeDocument/2006/relationships" xmlns:p="http://schemas.openxmlformats.org/presentationml/2006/main">
+  <p:cSld>
+    <p:spTree>
+      <p:nvGrpSpPr>
+        <p:cNvPr id="1" name=""/>
+        <p:cNvGrpSpPr/>
+        <p:nvPr/>
+      </p:nvGrpSpPr>
+      <p:grpSpPr/>
+      <p:sp>
+        <p:nvSpPr>
+          <p:cNvPr id="2" name="Title 1"/>
+          <p:cNvSpPr>
+            <a:spLocks noGrp="1"/>
+          </p:cNvSpPr>
+          <p:nvPr>
+            <p:ph type="title"/>
+          </p:nvPr>
+        </p:nvSpPr>
+        <p:spPr/>
+        <p:txBody>
+          <a:bodyPr/>
+          <a:p>
+            <a:pPr algn="ctr"/>
+            <a:r>
+              <a:rPr lang="x-none" altLang="en-US"/>
+              <a:t>blockchain basic</a:t>
+            </a:r>
+            <a:endParaRPr lang="x-none" altLang="en-US"/>
+          </a:p>
+        </p:txBody>
+      </p:sp>
+      <p:sp>
+        <p:nvSpPr>
+          <p:cNvPr id="4" name="Text Box 3"/>
+          <p:cNvSpPr txBox="1"/>
+          <p:nvPr/>
+        </p:nvSpPr>
+        <p:spPr>
+          <a:xfrm>
+            <a:off x="1162050" y="2874645"/>
+            <a:ext cx="2304415" cy="518160"/>
+          </a:xfrm>
+          <a:prstGeom prst="rect">
+            <a:avLst/>
+          </a:prstGeom>
+          <a:noFill/>
+        </p:spPr>
+        <p:txBody>
+          <a:bodyPr wrap="square" rtlCol="0">
+            <a:spAutoFit/>
+          </a:bodyPr>
+          <a:p>
+            <a:pPr algn="ctr"/>
+            <a:r>
+              <a:rPr lang="x-none" altLang="en-US" sz="2800"/>
+              <a:t>transactions</a:t>
+            </a:r>
+            <a:endParaRPr lang="x-none" altLang="en-US" sz="2800"/>
+          </a:p>
+        </p:txBody>
+      </p:sp>
+      <p:sp>
+        <p:nvSpPr>
+          <p:cNvPr id="6" name="Text Box 5"/>
+          <p:cNvSpPr txBox="1"/>
+          <p:nvPr/>
+        </p:nvSpPr>
+        <p:spPr>
+          <a:xfrm>
+            <a:off x="4828540" y="2961005"/>
+            <a:ext cx="2304415" cy="518160"/>
+          </a:xfrm>
+          <a:prstGeom prst="rect">
+            <a:avLst/>
+          </a:prstGeom>
+          <a:noFill/>
+        </p:spPr>
+        <p:txBody>
+          <a:bodyPr wrap="square" rtlCol="0">
+            <a:spAutoFit/>
+          </a:bodyPr>
+          <a:p>
+            <a:pPr algn="ctr"/>
+            <a:r>
+              <a:rPr lang="x-none" altLang="en-US" sz="2800"/>
+              <a:t>block</a:t>
+            </a:r>
+            <a:endParaRPr lang="x-none" altLang="en-US" sz="2800"/>
+          </a:p>
+        </p:txBody>
+      </p:sp>
+      <p:sp>
+        <p:nvSpPr>
+          <p:cNvPr id="7" name="Text Box 6"/>
+          <p:cNvSpPr txBox="1"/>
+          <p:nvPr/>
+        </p:nvSpPr>
+        <p:spPr>
+          <a:xfrm>
+            <a:off x="3361690" y="2903220"/>
+            <a:ext cx="1696720" cy="640080"/>
+          </a:xfrm>
+          <a:prstGeom prst="rect">
+            <a:avLst/>
+          </a:prstGeom>
+          <a:noFill/>
+        </p:spPr>
+        <p:txBody>
+          <a:bodyPr wrap="square" rtlCol="0">
+            <a:spAutoFit/>
+          </a:bodyPr>
+          <a:p>
+            <a:pPr algn="ctr"/>
+            <a:r>
+              <a:rPr lang="x-none" altLang="en-US"/>
+              <a:t>--&gt;</a:t>
+            </a:r>
+            <a:endParaRPr lang="x-none" altLang="en-US"/>
+          </a:p>
+          <a:p>
+            <a:pPr algn="ctr"/>
+            <a:r>
+              <a:rPr lang="x-none" altLang="en-US"/>
+              <a:t>--&gt;</a:t>
+            </a:r>
+            <a:endParaRPr lang="x-none" altLang="en-US"/>
+          </a:p>
+        </p:txBody>
+      </p:sp>
+      <p:sp>
+        <p:nvSpPr>
+          <p:cNvPr id="8" name="Text Box 7"/>
+          <p:cNvSpPr txBox="1"/>
+          <p:nvPr/>
+        </p:nvSpPr>
+        <p:spPr>
+          <a:xfrm>
+            <a:off x="8727440" y="2970530"/>
+            <a:ext cx="2304415" cy="518160"/>
+          </a:xfrm>
+          <a:prstGeom prst="rect">
+            <a:avLst/>
+          </a:prstGeom>
+          <a:noFill/>
+        </p:spPr>
+        <p:txBody>
+          <a:bodyPr wrap="square" rtlCol="0">
+            <a:spAutoFit/>
+          </a:bodyPr>
+          <a:p>
+            <a:pPr algn="ctr"/>
+            <a:r>
+              <a:rPr lang="x-none" altLang="en-US" sz="2800"/>
+              <a:t>blockchain</a:t>
+            </a:r>
+            <a:endParaRPr lang="x-none" altLang="en-US" sz="2800"/>
+          </a:p>
+        </p:txBody>
+      </p:sp>
+      <p:sp>
+        <p:nvSpPr>
+          <p:cNvPr id="9" name="Text Box 8"/>
+          <p:cNvSpPr txBox="1"/>
+          <p:nvPr/>
+        </p:nvSpPr>
+        <p:spPr>
+          <a:xfrm>
+            <a:off x="6811645" y="2921635"/>
+            <a:ext cx="1696720" cy="640080"/>
+          </a:xfrm>
+          <a:prstGeom prst="rect">
+            <a:avLst/>
+          </a:prstGeom>
+          <a:noFill/>
+        </p:spPr>
+        <p:txBody>
+          <a:bodyPr wrap="square" rtlCol="0">
+            <a:spAutoFit/>
+          </a:bodyPr>
+          <a:p>
+            <a:pPr algn="ctr"/>
+            <a:r>
+              <a:rPr lang="x-none" altLang="en-US"/>
+              <a:t>--&gt;</a:t>
+            </a:r>
+            <a:endParaRPr lang="x-none" altLang="en-US"/>
+          </a:p>
+          <a:p>
+            <a:pPr algn="ctr"/>
+            <a:r>
+              <a:rPr lang="x-none" altLang="en-US"/>
+              <a:t>--&gt;</a:t>
+            </a:r>
+            <a:endParaRPr lang="x-none" altLang="en-US"/>
+          </a:p>
+        </p:txBody>
+      </p:sp>
+      <p:sp>
+        <p:nvSpPr>
+          <p:cNvPr id="10" name="Text Box 9"/>
+          <p:cNvSpPr txBox="1"/>
+          <p:nvPr/>
+        </p:nvSpPr>
+        <p:spPr>
+          <a:xfrm>
+            <a:off x="4775835" y="4545965"/>
+            <a:ext cx="2628900" cy="518160"/>
+          </a:xfrm>
+          <a:prstGeom prst="rect">
+            <a:avLst/>
+          </a:prstGeom>
+          <a:noFill/>
+        </p:spPr>
+        <p:txBody>
+          <a:bodyPr wrap="square" rtlCol="0">
+            <a:spAutoFit/>
+          </a:bodyPr>
+          <a:p>
+            <a:pPr algn="ctr"/>
+            <a:r>
+              <a:rPr lang="x-none" altLang="en-US" sz="2800"/>
+              <a:t> gloable shared</a:t>
+            </a:r>
+            <a:endParaRPr lang="x-none" altLang="en-US" sz="2800"/>
+          </a:p>
+        </p:txBody>
+      </p:sp>
+    </p:spTree>
+  </p:cSld>
+  <p:clrMapOvr>
+    <a:masterClrMapping/>
+  </p:clrMapOvr>
+</p:sld>
+</file>
+
+<file path=ppt/slides/slide7.xml><?xml version="1.0" encoding="utf-8"?>
+<p:sld xmlns:a="http://schemas.openxmlformats.org/drawingml/2006/main" xmlns:r="http://schemas.openxmlformats.org/officeDocument/2006/relationships" xmlns:p="http://schemas.openxmlformats.org/presentationml/2006/main">
+  <p:cSld>
+    <p:spTree>
+      <p:nvGrpSpPr>
+        <p:cNvPr id="1" name=""/>
+        <p:cNvGrpSpPr/>
+        <p:nvPr/>
+      </p:nvGrpSpPr>
+      <p:grpSpPr/>
+      <p:sp>
+        <p:nvSpPr>
+          <p:cNvPr id="2" name="Title 1"/>
+          <p:cNvSpPr>
+            <a:spLocks noGrp="1"/>
+          </p:cNvSpPr>
+          <p:nvPr>
+            <p:ph type="title"/>
+          </p:nvPr>
+        </p:nvSpPr>
+        <p:spPr/>
+        <p:txBody>
+          <a:bodyPr/>
+          <a:p>
+            <a:pPr algn="ctr"/>
+            <a:r>
+              <a:rPr lang="x-none" altLang="en-US"/>
+              <a:t>EVM</a:t>
+            </a:r>
+            <a:endParaRPr lang="x-none" altLang="en-US"/>
+          </a:p>
+        </p:txBody>
+      </p:sp>
+      <p:sp>
+        <p:nvSpPr>
+          <p:cNvPr id="5" name="Text Box 4"/>
+          <p:cNvSpPr txBox="1"/>
+          <p:nvPr/>
+        </p:nvSpPr>
+        <p:spPr>
+          <a:xfrm>
+            <a:off x="1433830" y="2661920"/>
+            <a:ext cx="3475990" cy="944880"/>
+          </a:xfrm>
+          <a:prstGeom prst="rect">
+            <a:avLst/>
+          </a:prstGeom>
+          <a:noFill/>
+        </p:spPr>
+        <p:txBody>
+          <a:bodyPr wrap="square" rtlCol="0">
+            <a:spAutoFit/>
+          </a:bodyPr>
+          <a:p>
+            <a:pPr algn="ctr"/>
+            <a:r>
+              <a:rPr lang="x-none" altLang="en-US" sz="2800">
+                <a:sym typeface="+mn-ea"/>
+              </a:rPr>
+              <a:t>runtime environment</a:t>
+            </a:r>
+            <a:endParaRPr lang="x-none" altLang="en-US" sz="2800"/>
+          </a:p>
+          <a:p>
+            <a:endParaRPr lang="en-US" sz="2800"/>
+          </a:p>
+        </p:txBody>
+      </p:sp>
+      <p:sp>
+        <p:nvSpPr>
+          <p:cNvPr id="6" name="Text Box 5"/>
+          <p:cNvSpPr txBox="1"/>
+          <p:nvPr/>
+        </p:nvSpPr>
+        <p:spPr>
+          <a:xfrm>
+            <a:off x="7029450" y="3690620"/>
+            <a:ext cx="3475990" cy="944880"/>
+          </a:xfrm>
+          <a:prstGeom prst="rect">
+            <a:avLst/>
+          </a:prstGeom>
+          <a:noFill/>
+        </p:spPr>
+        <p:txBody>
+          <a:bodyPr wrap="square" rtlCol="0">
+            <a:spAutoFit/>
+          </a:bodyPr>
+          <a:p>
+            <a:pPr algn="ctr"/>
+            <a:r>
+              <a:rPr lang="x-none" altLang="en-US" sz="2800">
+                <a:sym typeface="+mn-ea"/>
+              </a:rPr>
+              <a:t>completely isolated</a:t>
+            </a:r>
+            <a:endParaRPr lang="x-none" altLang="en-US" sz="2800">
+              <a:sym typeface="+mn-ea"/>
+            </a:endParaRPr>
+          </a:p>
+          <a:p>
+            <a:endParaRPr lang="en-US" sz="2800"/>
+          </a:p>
+        </p:txBody>
+      </p:sp>
+      <p:sp>
+        <p:nvSpPr>
+          <p:cNvPr id="7" name="Text Box 6"/>
+          <p:cNvSpPr txBox="1"/>
+          <p:nvPr/>
+        </p:nvSpPr>
+        <p:spPr>
+          <a:xfrm>
+            <a:off x="5537835" y="3348990"/>
+            <a:ext cx="807085" cy="365760"/>
+          </a:xfrm>
+          <a:prstGeom prst="rect">
+            <a:avLst/>
+          </a:prstGeom>
+          <a:noFill/>
+        </p:spPr>
+        <p:txBody>
+          <a:bodyPr wrap="square" rtlCol="0">
+            <a:spAutoFit/>
+          </a:bodyPr>
+          <a:p>
+            <a:r>
+              <a:rPr lang="x-none" altLang="en-US"/>
+              <a:t>&lt; - &gt;</a:t>
+            </a:r>
+            <a:endParaRPr lang="x-none" altLang="en-US"/>
+          </a:p>
+        </p:txBody>
+      </p:sp>
+    </p:spTree>
+  </p:cSld>
+  <p:clrMapOvr>
+    <a:masterClrMapping/>
+  </p:clrMapOvr>
+</p:sld>
+</file>
+
+<file path=ppt/slides/slide8.xml><?xml version="1.0" encoding="utf-8"?>
+<p:sld xmlns:a="http://schemas.openxmlformats.org/drawingml/2006/main" xmlns:r="http://schemas.openxmlformats.org/officeDocument/2006/relationships" xmlns:p="http://schemas.openxmlformats.org/presentationml/2006/main">
+  <p:cSld>
+    <p:spTree>
+      <p:nvGrpSpPr>
+        <p:cNvPr id="1" name=""/>
+        <p:cNvGrpSpPr/>
+        <p:nvPr/>
+      </p:nvGrpSpPr>
+      <p:grpSpPr/>
+      <p:sp>
+        <p:nvSpPr>
+          <p:cNvPr id="2" name="Title 1"/>
+          <p:cNvSpPr>
+            <a:spLocks noGrp="1"/>
+          </p:cNvSpPr>
+          <p:nvPr>
+            <p:ph type="title"/>
+          </p:nvPr>
+        </p:nvSpPr>
+        <p:spPr/>
+        <p:txBody>
+          <a:bodyPr/>
+          <a:p>
+            <a:pPr algn="ctr"/>
+            <a:r>
+              <a:rPr lang="x-none" altLang="en-US"/>
+              <a:t>EVM_</a:t>
+            </a:r>
+            <a:r>
+              <a:rPr lang="x-none" altLang="en-US" sz="3600"/>
+              <a:t>account</a:t>
+            </a:r>
+            <a:endParaRPr lang="x-none" altLang="en-US" sz="3600"/>
+          </a:p>
+        </p:txBody>
+      </p:sp>
+      <p:sp>
+        <p:nvSpPr>
+          <p:cNvPr id="5" name="Text Box 4"/>
+          <p:cNvSpPr txBox="1"/>
+          <p:nvPr/>
+        </p:nvSpPr>
+        <p:spPr>
+          <a:xfrm>
+            <a:off x="1962785" y="2163445"/>
+            <a:ext cx="3336925" cy="365760"/>
+          </a:xfrm>
+          <a:prstGeom prst="rect">
+            <a:avLst/>
+          </a:prstGeom>
+          <a:noFill/>
+        </p:spPr>
+        <p:txBody>
+          <a:bodyPr wrap="square" rtlCol="0">
+            <a:spAutoFit/>
+          </a:bodyPr>
+          <a:p>
+            <a:pPr algn="ctr"/>
+            <a:r>
+              <a:rPr lang="x-none" altLang="en-US" i="1"/>
+              <a:t>EOA-Externally Owned Accounts</a:t>
+            </a:r>
+            <a:endParaRPr lang="x-none" altLang="en-US" i="1"/>
+          </a:p>
+        </p:txBody>
+      </p:sp>
+      <p:sp>
+        <p:nvSpPr>
+          <p:cNvPr id="6" name="Text Box 5"/>
+          <p:cNvSpPr txBox="1"/>
+          <p:nvPr/>
+        </p:nvSpPr>
+        <p:spPr>
+          <a:xfrm>
+            <a:off x="7827010" y="2160270"/>
+            <a:ext cx="2759710" cy="365760"/>
+          </a:xfrm>
+          <a:prstGeom prst="rect">
+            <a:avLst/>
+          </a:prstGeom>
+          <a:noFill/>
+        </p:spPr>
+        <p:txBody>
+          <a:bodyPr wrap="square" rtlCol="0">
+            <a:spAutoFit/>
+          </a:bodyPr>
+          <a:p>
+            <a:pPr algn="ctr"/>
+            <a:r>
+              <a:rPr lang="x-none" altLang="en-US" i="1"/>
+              <a:t>Contracts Accounts</a:t>
+            </a:r>
+            <a:endParaRPr lang="x-none" altLang="en-US" i="1"/>
+          </a:p>
+        </p:txBody>
+      </p:sp>
+      <p:sp>
+        <p:nvSpPr>
+          <p:cNvPr id="7" name="Text Box 6"/>
+          <p:cNvSpPr txBox="1"/>
+          <p:nvPr/>
+        </p:nvSpPr>
+        <p:spPr>
+          <a:xfrm>
+            <a:off x="5278755" y="2712085"/>
+            <a:ext cx="2919095" cy="365760"/>
+          </a:xfrm>
+          <a:prstGeom prst="rect">
+            <a:avLst/>
+          </a:prstGeom>
+          <a:noFill/>
+        </p:spPr>
+        <p:txBody>
+          <a:bodyPr wrap="square" rtlCol="0">
+            <a:spAutoFit/>
+          </a:bodyPr>
+          <a:p>
+            <a:r>
+              <a:rPr lang="en-US"/>
+              <a:t>has an ether balance</a:t>
+            </a:r>
+            <a:endParaRPr lang="en-US"/>
+          </a:p>
+        </p:txBody>
+      </p:sp>
+      <p:sp>
+        <p:nvSpPr>
+          <p:cNvPr id="8" name="Text Box 7"/>
+          <p:cNvSpPr txBox="1"/>
+          <p:nvPr/>
+        </p:nvSpPr>
+        <p:spPr>
+          <a:xfrm>
+            <a:off x="8049895" y="3946525"/>
+            <a:ext cx="2747645" cy="304800"/>
+          </a:xfrm>
+          <a:prstGeom prst="rect">
+            <a:avLst/>
+          </a:prstGeom>
+          <a:noFill/>
+        </p:spPr>
+        <p:txBody>
+          <a:bodyPr wrap="square" rtlCol="0">
+            <a:spAutoFit/>
+          </a:bodyPr>
+          <a:p>
+            <a:pPr algn="ctr"/>
+            <a:r>
+              <a:rPr lang="en-US" sz="1400"/>
+              <a:t>has associated code</a:t>
+            </a:r>
+            <a:endParaRPr lang="en-US" sz="1400"/>
+          </a:p>
+        </p:txBody>
+      </p:sp>
+      <p:sp>
+        <p:nvSpPr>
+          <p:cNvPr id="9" name="Text Box 8"/>
+          <p:cNvSpPr txBox="1"/>
+          <p:nvPr/>
+        </p:nvSpPr>
+        <p:spPr>
+          <a:xfrm>
+            <a:off x="1990725" y="4013835"/>
+            <a:ext cx="3056890" cy="304800"/>
+          </a:xfrm>
+          <a:prstGeom prst="rect">
+            <a:avLst/>
+          </a:prstGeom>
+          <a:noFill/>
+        </p:spPr>
+        <p:txBody>
+          <a:bodyPr wrap="square" rtlCol="0">
+            <a:spAutoFit/>
+          </a:bodyPr>
+          <a:p>
+            <a:pPr algn="ctr"/>
+            <a:r>
+              <a:rPr lang="en-US" sz="1400"/>
+              <a:t>has no associated code</a:t>
+            </a:r>
+            <a:endParaRPr lang="en-US" sz="1400"/>
+          </a:p>
+        </p:txBody>
+      </p:sp>
+      <p:sp>
+        <p:nvSpPr>
+          <p:cNvPr id="10" name="Text Box 9"/>
+          <p:cNvSpPr txBox="1"/>
+          <p:nvPr/>
+        </p:nvSpPr>
+        <p:spPr>
+          <a:xfrm>
+            <a:off x="6235065" y="2183765"/>
+            <a:ext cx="807085" cy="365760"/>
+          </a:xfrm>
+          <a:prstGeom prst="rect">
+            <a:avLst/>
+          </a:prstGeom>
+          <a:noFill/>
+        </p:spPr>
+        <p:txBody>
+          <a:bodyPr wrap="square" rtlCol="0">
+            <a:spAutoFit/>
+          </a:bodyPr>
+          <a:p>
+            <a:pPr algn="ctr"/>
+            <a:r>
+              <a:rPr lang="x-none" altLang="en-US"/>
+              <a:t>VS</a:t>
+            </a:r>
+            <a:endParaRPr lang="x-none" altLang="en-US"/>
+          </a:p>
+        </p:txBody>
+      </p:sp>
+      <p:sp>
+        <p:nvSpPr>
+          <p:cNvPr id="11" name="Text Box 10"/>
+          <p:cNvSpPr txBox="1"/>
+          <p:nvPr/>
+        </p:nvSpPr>
+        <p:spPr>
+          <a:xfrm>
+            <a:off x="1794510" y="4447540"/>
+            <a:ext cx="3535045" cy="304800"/>
+          </a:xfrm>
+          <a:prstGeom prst="rect">
+            <a:avLst/>
+          </a:prstGeom>
+          <a:noFill/>
+        </p:spPr>
+        <p:txBody>
+          <a:bodyPr wrap="square" rtlCol="0">
+            <a:spAutoFit/>
+          </a:bodyPr>
+          <a:p>
+            <a:pPr algn="ctr"/>
+            <a:r>
+              <a:rPr lang="en-US" sz="1400"/>
+              <a:t>is controlled by private keys</a:t>
+            </a:r>
+            <a:endParaRPr lang="en-US" sz="1400"/>
+          </a:p>
+        </p:txBody>
+      </p:sp>
+      <p:sp>
+        <p:nvSpPr>
+          <p:cNvPr id="12" name="Text Box 11"/>
+          <p:cNvSpPr txBox="1"/>
+          <p:nvPr/>
+        </p:nvSpPr>
+        <p:spPr>
+          <a:xfrm>
+            <a:off x="268605" y="4953000"/>
+            <a:ext cx="5847080" cy="304800"/>
+          </a:xfrm>
+          <a:prstGeom prst="rect">
+            <a:avLst/>
+          </a:prstGeom>
+          <a:noFill/>
+        </p:spPr>
+        <p:txBody>
+          <a:bodyPr wrap="square" rtlCol="0">
+            <a:spAutoFit/>
+          </a:bodyPr>
+          <a:p>
+            <a:pPr algn="ctr"/>
+            <a:r>
+              <a:rPr lang="en-US" sz="1400"/>
+              <a:t>can send transactions (ether transfer or trigger contract code)</a:t>
+            </a:r>
+            <a:endParaRPr lang="en-US" sz="1400"/>
+          </a:p>
+        </p:txBody>
+      </p:sp>
+      <p:sp>
+        <p:nvSpPr>
+          <p:cNvPr id="13" name="Text Box 12"/>
+          <p:cNvSpPr txBox="1"/>
+          <p:nvPr/>
+        </p:nvSpPr>
+        <p:spPr>
+          <a:xfrm>
+            <a:off x="6804660" y="4474845"/>
+            <a:ext cx="5390515" cy="304800"/>
+          </a:xfrm>
+          <a:prstGeom prst="rect">
+            <a:avLst/>
+          </a:prstGeom>
+          <a:noFill/>
+        </p:spPr>
+        <p:txBody>
+          <a:bodyPr wrap="square" rtlCol="0">
+            <a:spAutoFit/>
+          </a:bodyPr>
+          <a:p>
+            <a:r>
+              <a:rPr lang="en-US" sz="1400"/>
+              <a:t>code execution is triggered by transactions or messages </a:t>
+            </a:r>
+            <a:endParaRPr lang="en-US" sz="1400"/>
+          </a:p>
+        </p:txBody>
+      </p:sp>
+      <p:sp>
+        <p:nvSpPr>
+          <p:cNvPr id="14" name="Text Box 13"/>
+          <p:cNvSpPr txBox="1"/>
+          <p:nvPr/>
+        </p:nvSpPr>
+        <p:spPr>
+          <a:xfrm>
+            <a:off x="7091680" y="4972050"/>
+            <a:ext cx="4243070" cy="304800"/>
+          </a:xfrm>
+          <a:prstGeom prst="rect">
+            <a:avLst/>
+          </a:prstGeom>
+          <a:noFill/>
+        </p:spPr>
+        <p:txBody>
+          <a:bodyPr wrap="square" rtlCol="0">
+            <a:spAutoFit/>
+          </a:bodyPr>
+          <a:p>
+            <a:pPr algn="ctr"/>
+            <a:r>
+              <a:rPr lang="en-US" sz="1400"/>
+              <a:t>manipulate its own persistent storage</a:t>
+            </a:r>
+            <a:endParaRPr lang="en-US" sz="1400"/>
+          </a:p>
+        </p:txBody>
+      </p:sp>
+      <p:sp>
+        <p:nvSpPr>
+          <p:cNvPr id="15" name="Text Box 14"/>
+          <p:cNvSpPr txBox="1"/>
+          <p:nvPr/>
+        </p:nvSpPr>
+        <p:spPr>
+          <a:xfrm>
+            <a:off x="5269230" y="3209925"/>
+            <a:ext cx="2679700" cy="365760"/>
+          </a:xfrm>
+          <a:prstGeom prst="rect">
+            <a:avLst/>
+          </a:prstGeom>
+          <a:noFill/>
+        </p:spPr>
+        <p:txBody>
+          <a:bodyPr wrap="square" rtlCol="0">
+            <a:spAutoFit/>
+          </a:bodyPr>
+          <a:p>
+            <a:pPr algn="ctr"/>
+            <a:r>
+              <a:rPr lang="en-US"/>
+              <a:t>same address space</a:t>
+            </a:r>
+            <a:endParaRPr lang="en-US"/>
+          </a:p>
+        </p:txBody>
+      </p:sp>
+      <p:sp>
+        <p:nvSpPr>
+          <p:cNvPr id="16" name="Text Box 15"/>
+          <p:cNvSpPr txBox="1"/>
+          <p:nvPr/>
+        </p:nvSpPr>
+        <p:spPr>
+          <a:xfrm>
+            <a:off x="856615" y="2432685"/>
+            <a:ext cx="11155680" cy="365760"/>
+          </a:xfrm>
+          <a:prstGeom prst="rect">
+            <a:avLst/>
+          </a:prstGeom>
+          <a:noFill/>
+        </p:spPr>
+        <p:txBody>
+          <a:bodyPr wrap="square" rtlCol="0">
+            <a:spAutoFit/>
+          </a:bodyPr>
+          <a:p>
+            <a:r>
+              <a:rPr lang="x-none" altLang="en-US"/>
+              <a:t>------------------------------------------------------------------------------------</a:t>
+            </a:r>
+            <a:endParaRPr lang="x-none" altLang="en-US"/>
+          </a:p>
+        </p:txBody>
+      </p:sp>
+      <p:sp>
+        <p:nvSpPr>
+          <p:cNvPr id="17" name="Text Box 16"/>
+          <p:cNvSpPr txBox="1"/>
+          <p:nvPr/>
+        </p:nvSpPr>
+        <p:spPr>
+          <a:xfrm>
+            <a:off x="6315710" y="3543300"/>
+            <a:ext cx="457200" cy="2808605"/>
+          </a:xfrm>
+          <a:prstGeom prst="rect">
+            <a:avLst/>
+          </a:prstGeom>
+          <a:noFill/>
+        </p:spPr>
+        <p:txBody>
+          <a:bodyPr vert="eaVert" wrap="square" rtlCol="0">
+            <a:spAutoFit/>
+          </a:bodyPr>
+          <a:p>
+            <a:r>
+              <a:rPr lang="x-none" altLang="en-US"/>
+              <a:t>-------------------</a:t>
+            </a:r>
+            <a:endParaRPr lang="x-none" altLang="en-US"/>
+          </a:p>
+        </p:txBody>
+      </p:sp>
+    </p:spTree>
+  </p:cSld>
+  <p:clrMapOvr>
+    <a:masterClrMapping/>
+  </p:clrMapOvr>
+</p:sld>
+</file>
+
+<file path=ppt/slides/slide9.xml><?xml version="1.0" encoding="utf-8"?>
+<p:sld xmlns:a="http://schemas.openxmlformats.org/drawingml/2006/main" xmlns:r="http://schemas.openxmlformats.org/officeDocument/2006/relationships" xmlns:p="http://schemas.openxmlformats.org/presentationml/2006/main">
+  <p:cSld>
+    <p:spTree>
+      <p:nvGrpSpPr>
+        <p:cNvPr id="1" name=""/>
+        <p:cNvGrpSpPr/>
+        <p:nvPr/>
+      </p:nvGrpSpPr>
+      <p:grpSpPr/>
+      <p:sp>
+        <p:nvSpPr>
+          <p:cNvPr id="2" name="Title 1"/>
+          <p:cNvSpPr>
+            <a:spLocks noGrp="1"/>
+          </p:cNvSpPr>
+          <p:nvPr>
+            <p:ph type="title"/>
+          </p:nvPr>
+        </p:nvSpPr>
+        <p:spPr/>
+        <p:txBody>
+          <a:bodyPr/>
+          <a:p>
+            <a:pPr algn="ctr"/>
+            <a:r>
+              <a:rPr lang="x-none" altLang="en-US"/>
+              <a:t>EVM_</a:t>
+            </a:r>
+            <a:r>
+              <a:rPr lang="x-none" altLang="en-US" sz="3600"/>
+              <a:t>transactions</a:t>
+            </a:r>
+            <a:endParaRPr lang="x-none" altLang="en-US" sz="3600"/>
+          </a:p>
+        </p:txBody>
+      </p:sp>
+      <p:sp>
+        <p:nvSpPr>
+          <p:cNvPr id="4" name="Text Box 3"/>
+          <p:cNvSpPr txBox="1"/>
+          <p:nvPr/>
+        </p:nvSpPr>
+        <p:spPr>
+          <a:xfrm>
+            <a:off x="1474470" y="1725295"/>
+            <a:ext cx="2121535" cy="365760"/>
+          </a:xfrm>
+          <a:prstGeom prst="rect">
+            <a:avLst/>
+          </a:prstGeom>
+          <a:noFill/>
+        </p:spPr>
+        <p:txBody>
+          <a:bodyPr wrap="square" rtlCol="0">
+            <a:spAutoFit/>
+          </a:bodyPr>
+          <a:p>
+            <a:pPr algn="ctr"/>
+            <a:r>
+              <a:rPr lang="x-none" altLang="en-US" i="1"/>
+              <a:t>from</a:t>
+            </a:r>
+            <a:r>
+              <a:rPr lang="x-none" altLang="en-US"/>
+              <a:t> </a:t>
+            </a:r>
+            <a:endParaRPr lang="x-none" altLang="en-US"/>
+          </a:p>
+        </p:txBody>
+      </p:sp>
+      <p:sp>
+        <p:nvSpPr>
+          <p:cNvPr id="5" name="Text Box 4"/>
+          <p:cNvSpPr txBox="1"/>
+          <p:nvPr/>
+        </p:nvSpPr>
+        <p:spPr>
+          <a:xfrm>
+            <a:off x="5986145" y="1814830"/>
+            <a:ext cx="716915" cy="365760"/>
+          </a:xfrm>
+          <a:prstGeom prst="rect">
+            <a:avLst/>
+          </a:prstGeom>
+          <a:noFill/>
+        </p:spPr>
+        <p:txBody>
+          <a:bodyPr wrap="square" rtlCol="0">
+            <a:spAutoFit/>
+          </a:bodyPr>
+          <a:p>
+            <a:pPr algn="ctr"/>
+            <a:r>
+              <a:rPr lang="x-none" altLang="en-US"/>
+              <a:t>- &gt;</a:t>
+            </a:r>
+            <a:endParaRPr lang="x-none" altLang="en-US"/>
+          </a:p>
+        </p:txBody>
+      </p:sp>
+      <p:sp>
+        <p:nvSpPr>
+          <p:cNvPr id="6" name="Text Box 5"/>
+          <p:cNvSpPr txBox="1"/>
+          <p:nvPr/>
+        </p:nvSpPr>
+        <p:spPr>
+          <a:xfrm>
+            <a:off x="8484235" y="1743075"/>
+            <a:ext cx="2121535" cy="365760"/>
+          </a:xfrm>
+          <a:prstGeom prst="rect">
+            <a:avLst/>
+          </a:prstGeom>
+          <a:noFill/>
+        </p:spPr>
+        <p:txBody>
+          <a:bodyPr wrap="square" rtlCol="0">
+            <a:spAutoFit/>
+          </a:bodyPr>
+          <a:p>
+            <a:pPr algn="ctr"/>
+            <a:r>
+              <a:rPr lang="x-none" altLang="en-US" i="1"/>
+              <a:t>to</a:t>
+            </a:r>
+            <a:r>
+              <a:rPr lang="x-none" altLang="en-US"/>
+              <a:t> </a:t>
+            </a:r>
+            <a:endParaRPr lang="x-none" altLang="en-US"/>
+          </a:p>
+        </p:txBody>
+      </p:sp>
+      <p:sp>
+        <p:nvSpPr>
+          <p:cNvPr id="7" name="Text Box 6"/>
+          <p:cNvSpPr txBox="1"/>
+          <p:nvPr/>
+        </p:nvSpPr>
+        <p:spPr>
+          <a:xfrm>
+            <a:off x="1842135" y="2851150"/>
+            <a:ext cx="1474470" cy="365760"/>
+          </a:xfrm>
+          <a:prstGeom prst="rect">
+            <a:avLst/>
+          </a:prstGeom>
+          <a:noFill/>
+        </p:spPr>
+        <p:txBody>
+          <a:bodyPr wrap="square" rtlCol="0">
+            <a:spAutoFit/>
+          </a:bodyPr>
+          <a:p>
+            <a:pPr algn="ctr"/>
+            <a:r>
+              <a:rPr lang="x-none" altLang="en-US"/>
+              <a:t>what account?</a:t>
+            </a:r>
+            <a:endParaRPr lang="x-none" altLang="en-US"/>
+          </a:p>
+        </p:txBody>
+      </p:sp>
+      <p:sp>
+        <p:nvSpPr>
+          <p:cNvPr id="8" name="Text Box 7"/>
+          <p:cNvSpPr txBox="1"/>
+          <p:nvPr/>
+        </p:nvSpPr>
+        <p:spPr>
+          <a:xfrm>
+            <a:off x="8836025" y="2741295"/>
+            <a:ext cx="1652270" cy="365760"/>
+          </a:xfrm>
+          <a:prstGeom prst="rect">
+            <a:avLst/>
+          </a:prstGeom>
+          <a:noFill/>
+        </p:spPr>
+        <p:txBody>
+          <a:bodyPr wrap="square" rtlCol="0">
+            <a:spAutoFit/>
+          </a:bodyPr>
+          <a:p>
+            <a:pPr algn="ctr"/>
+            <a:r>
+              <a:rPr lang="x-none" altLang="en-US"/>
+              <a:t>same account</a:t>
+            </a:r>
+            <a:endParaRPr lang="x-none" altLang="en-US"/>
+          </a:p>
+        </p:txBody>
+      </p:sp>
+      <p:sp>
+        <p:nvSpPr>
+          <p:cNvPr id="9" name="Text Box 8"/>
+          <p:cNvSpPr txBox="1"/>
+          <p:nvPr/>
+        </p:nvSpPr>
+        <p:spPr>
+          <a:xfrm>
+            <a:off x="8813800" y="3535680"/>
+            <a:ext cx="1652270" cy="365760"/>
+          </a:xfrm>
+          <a:prstGeom prst="rect">
+            <a:avLst/>
+          </a:prstGeom>
+          <a:noFill/>
+        </p:spPr>
+        <p:txBody>
+          <a:bodyPr wrap="square" rtlCol="0">
+            <a:spAutoFit/>
+          </a:bodyPr>
+          <a:p>
+            <a:pPr algn="ctr"/>
+            <a:r>
+              <a:rPr lang="x-none" altLang="en-US"/>
+              <a:t>zero-account</a:t>
+            </a:r>
+            <a:endParaRPr lang="x-none" altLang="en-US"/>
+          </a:p>
+        </p:txBody>
+      </p:sp>
+      <p:sp>
+        <p:nvSpPr>
+          <p:cNvPr id="10" name="Text Box 9"/>
+          <p:cNvSpPr txBox="1"/>
+          <p:nvPr/>
+        </p:nvSpPr>
+        <p:spPr>
+          <a:xfrm>
+            <a:off x="8893175" y="4232910"/>
+            <a:ext cx="1652270" cy="365760"/>
+          </a:xfrm>
+          <a:prstGeom prst="rect">
+            <a:avLst/>
+          </a:prstGeom>
+          <a:noFill/>
+        </p:spPr>
+        <p:txBody>
+          <a:bodyPr wrap="square" rtlCol="0">
+            <a:spAutoFit/>
+          </a:bodyPr>
+          <a:p>
+            <a:pPr algn="ctr"/>
+            <a:r>
+              <a:rPr lang="x-none" altLang="en-US"/>
+              <a:t>EOA</a:t>
+            </a:r>
+            <a:endParaRPr lang="x-none" altLang="en-US"/>
+          </a:p>
+        </p:txBody>
+      </p:sp>
+      <p:sp>
+        <p:nvSpPr>
+          <p:cNvPr id="11" name="Text Box 10"/>
+          <p:cNvSpPr txBox="1"/>
+          <p:nvPr/>
+        </p:nvSpPr>
+        <p:spPr>
+          <a:xfrm>
+            <a:off x="8990330" y="4997450"/>
+            <a:ext cx="1652270" cy="365760"/>
+          </a:xfrm>
+          <a:prstGeom prst="rect">
+            <a:avLst/>
+          </a:prstGeom>
+          <a:noFill/>
+        </p:spPr>
+        <p:txBody>
+          <a:bodyPr wrap="square" rtlCol="0">
+            <a:spAutoFit/>
+          </a:bodyPr>
+          <a:p>
+            <a:pPr algn="ctr"/>
+            <a:r>
+              <a:rPr lang="x-none" altLang="en-US"/>
+              <a:t>smart account</a:t>
+            </a:r>
+            <a:endParaRPr lang="x-none" altLang="en-US"/>
+          </a:p>
+        </p:txBody>
+      </p:sp>
+      <p:sp>
+        <p:nvSpPr>
+          <p:cNvPr id="12" name="Text Box 11"/>
+          <p:cNvSpPr txBox="1"/>
+          <p:nvPr/>
+        </p:nvSpPr>
+        <p:spPr>
+          <a:xfrm>
+            <a:off x="6022975" y="2799080"/>
+            <a:ext cx="716915" cy="365760"/>
+          </a:xfrm>
+          <a:prstGeom prst="rect">
+            <a:avLst/>
+          </a:prstGeom>
+          <a:noFill/>
+        </p:spPr>
+        <p:txBody>
+          <a:bodyPr wrap="square" rtlCol="0">
+            <a:spAutoFit/>
+          </a:bodyPr>
+          <a:p>
+            <a:pPr algn="ctr"/>
+            <a:r>
+              <a:rPr lang="x-none" altLang="en-US"/>
+              <a:t>- &gt;</a:t>
+            </a:r>
+            <a:endParaRPr lang="x-none" altLang="en-US"/>
+          </a:p>
+        </p:txBody>
+      </p:sp>
+      <p:sp>
+        <p:nvSpPr>
+          <p:cNvPr id="13" name="Text Box 12"/>
+          <p:cNvSpPr txBox="1"/>
+          <p:nvPr/>
+        </p:nvSpPr>
+        <p:spPr>
+          <a:xfrm>
+            <a:off x="5558155" y="3289300"/>
+            <a:ext cx="1752600" cy="365760"/>
+          </a:xfrm>
+          <a:prstGeom prst="rect">
+            <a:avLst/>
+          </a:prstGeom>
+          <a:noFill/>
+        </p:spPr>
+        <p:txBody>
+          <a:bodyPr wrap="square" rtlCol="0">
+            <a:spAutoFit/>
+          </a:bodyPr>
+          <a:p>
+            <a:pPr algn="ctr"/>
+            <a:r>
+              <a:rPr lang="x-none" altLang="en-US"/>
+              <a:t>tx or message</a:t>
+            </a:r>
+            <a:endParaRPr lang="x-none" altLang="en-US"/>
           </a:p>
         </p:txBody>
       </p:sp>

--- a/contract_me.pptx
+++ b/contract_me.pptx
@@ -27,6 +27,13 @@
     <p:sldId id="274" r:id="rId22"/>
     <p:sldId id="275" r:id="rId23"/>
     <p:sldId id="276" r:id="rId24"/>
+    <p:sldId id="281" r:id="rId25"/>
+    <p:sldId id="282" r:id="rId26"/>
+    <p:sldId id="283" r:id="rId27"/>
+    <p:sldId id="284" r:id="rId28"/>
+    <p:sldId id="285" r:id="rId29"/>
+    <p:sldId id="286" r:id="rId30"/>
+    <p:sldId id="287" r:id="rId31"/>
   </p:sldIdLst>
   <p:sldSz cx="12192000" cy="6858000"/>
   <p:notesSz cx="6858000" cy="9144000"/>
@@ -4658,7 +4665,7 @@
         </p:nvSpPr>
         <p:spPr>
           <a:xfrm>
-            <a:off x="1047750" y="3199765"/>
+            <a:off x="1304925" y="3199765"/>
             <a:ext cx="4431030" cy="457200"/>
           </a:xfrm>
           <a:prstGeom prst="rect">
@@ -4687,7 +4694,7 @@
         </p:nvSpPr>
         <p:spPr>
           <a:xfrm>
-            <a:off x="5906135" y="3129915"/>
+            <a:off x="6394450" y="3119755"/>
             <a:ext cx="787400" cy="640080"/>
           </a:xfrm>
           <a:prstGeom prst="rect">
@@ -5229,7 +5236,7 @@
         </p:nvSpPr>
         <p:spPr>
           <a:xfrm>
-            <a:off x="1661795" y="1903095"/>
+            <a:off x="1981200" y="2685415"/>
             <a:ext cx="1613535" cy="365760"/>
           </a:xfrm>
           <a:prstGeom prst="rect">
@@ -5245,7 +5252,7 @@
             <a:pPr algn="ctr"/>
             <a:r>
               <a:rPr lang="x-none" altLang="en-US"/>
-              <a:t>state variable</a:t>
+              <a:t>- state variable</a:t>
             </a:r>
             <a:endParaRPr lang="x-none" altLang="en-US"/>
           </a:p>
@@ -5259,7 +5266,7 @@
         </p:nvSpPr>
         <p:spPr>
           <a:xfrm>
-            <a:off x="2293620" y="2303780"/>
+            <a:off x="2942590" y="3146425"/>
             <a:ext cx="1644015" cy="365760"/>
           </a:xfrm>
           <a:prstGeom prst="rect">
@@ -5275,7 +5282,7 @@
             <a:pPr algn="ctr"/>
             <a:r>
               <a:rPr lang="x-none" altLang="en-US"/>
-              <a:t>function</a:t>
+              <a:t>- function</a:t>
             </a:r>
             <a:endParaRPr lang="x-none" altLang="en-US"/>
           </a:p>
@@ -5289,7 +5296,7 @@
         </p:nvSpPr>
         <p:spPr>
           <a:xfrm>
-            <a:off x="3075305" y="2789555"/>
+            <a:off x="3773170" y="3582670"/>
             <a:ext cx="2211705" cy="365760"/>
           </a:xfrm>
           <a:prstGeom prst="rect">
@@ -5305,7 +5312,7 @@
             <a:pPr algn="ctr"/>
             <a:r>
               <a:rPr lang="x-none" altLang="en-US"/>
-              <a:t>function modifiers</a:t>
+              <a:t>- function modifiers</a:t>
             </a:r>
             <a:endParaRPr lang="x-none" altLang="en-US"/>
           </a:p>
@@ -5319,7 +5326,7 @@
         </p:nvSpPr>
         <p:spPr>
           <a:xfrm>
-            <a:off x="3903980" y="3248660"/>
+            <a:off x="5059045" y="3996055"/>
             <a:ext cx="1644015" cy="365760"/>
           </a:xfrm>
           <a:prstGeom prst="rect">
@@ -5335,7 +5342,7 @@
             <a:pPr algn="ctr"/>
             <a:r>
               <a:rPr lang="x-none" altLang="en-US"/>
-              <a:t>events</a:t>
+              <a:t>- events</a:t>
             </a:r>
             <a:endParaRPr lang="x-none" altLang="en-US"/>
           </a:p>
@@ -5349,7 +5356,7 @@
         </p:nvSpPr>
         <p:spPr>
           <a:xfrm>
-            <a:off x="4849495" y="3648710"/>
+            <a:off x="4899660" y="2120265"/>
             <a:ext cx="1644015" cy="365760"/>
           </a:xfrm>
           <a:prstGeom prst="rect">
@@ -5365,7 +5372,7 @@
             <a:pPr algn="ctr"/>
             <a:r>
               <a:rPr lang="x-none" altLang="en-US"/>
-              <a:t>struct types</a:t>
+              <a:t>- struct types</a:t>
             </a:r>
             <a:endParaRPr lang="x-none" altLang="en-US"/>
           </a:p>
@@ -5379,7 +5386,7 @@
         </p:nvSpPr>
         <p:spPr>
           <a:xfrm>
-            <a:off x="5973445" y="4154805"/>
+            <a:off x="4897755" y="1600835"/>
             <a:ext cx="1644015" cy="365760"/>
           </a:xfrm>
           <a:prstGeom prst="rect">
@@ -5395,7 +5402,7 @@
             <a:pPr algn="ctr"/>
             <a:r>
               <a:rPr lang="x-none" altLang="en-US"/>
-              <a:t>enums types</a:t>
+              <a:t>- enums types</a:t>
             </a:r>
             <a:endParaRPr lang="x-none" altLang="en-US"/>
           </a:p>
@@ -5409,7 +5416,7 @@
         </p:nvSpPr>
         <p:spPr>
           <a:xfrm>
-            <a:off x="6856730" y="4688840"/>
+            <a:off x="5975985" y="4368165"/>
             <a:ext cx="1644015" cy="365760"/>
           </a:xfrm>
           <a:prstGeom prst="rect">
@@ -5425,7 +5432,7 @@
             <a:pPr algn="ctr"/>
             <a:r>
               <a:rPr lang="x-none" altLang="en-US"/>
-              <a:t>inheritance</a:t>
+              <a:t>- inheritance</a:t>
             </a:r>
             <a:endParaRPr lang="x-none" altLang="en-US"/>
           </a:p>
@@ -5439,7 +5446,37 @@
         </p:nvSpPr>
         <p:spPr>
           <a:xfrm>
-            <a:off x="7626985" y="5099050"/>
+            <a:off x="7089140" y="4710430"/>
+            <a:ext cx="2480310" cy="365760"/>
+          </a:xfrm>
+          <a:prstGeom prst="rect">
+            <a:avLst/>
+          </a:prstGeom>
+          <a:noFill/>
+        </p:spPr>
+        <p:txBody>
+          <a:bodyPr wrap="square" rtlCol="0">
+            <a:spAutoFit/>
+          </a:bodyPr>
+          <a:p>
+            <a:pPr algn="ctr"/>
+            <a:r>
+              <a:rPr lang="x-none" altLang="en-US"/>
+              <a:t>- abstract contracts</a:t>
+            </a:r>
+            <a:endParaRPr lang="x-none" altLang="en-US"/>
+          </a:p>
+        </p:txBody>
+      </p:sp>
+      <p:sp>
+        <p:nvSpPr>
+          <p:cNvPr id="12" name="Text Box 11"/>
+          <p:cNvSpPr txBox="1"/>
+          <p:nvPr/>
+        </p:nvSpPr>
+        <p:spPr>
+          <a:xfrm>
+            <a:off x="8062595" y="5157470"/>
             <a:ext cx="1932940" cy="365760"/>
           </a:xfrm>
           <a:prstGeom prst="rect">
@@ -5455,21 +5492,21 @@
             <a:pPr algn="ctr"/>
             <a:r>
               <a:rPr lang="x-none" altLang="en-US"/>
-              <a:t>abstract contracts</a:t>
-            </a:r>
-            <a:endParaRPr lang="x-none" altLang="en-US"/>
-          </a:p>
-        </p:txBody>
-      </p:sp>
-      <p:sp>
-        <p:nvSpPr>
-          <p:cNvPr id="12" name="Text Box 11"/>
-          <p:cNvSpPr txBox="1"/>
-          <p:nvPr/>
-        </p:nvSpPr>
-        <p:spPr>
-          <a:xfrm>
-            <a:off x="8281670" y="5594985"/>
+              <a:t>- interface</a:t>
+            </a:r>
+            <a:endParaRPr lang="x-none" altLang="en-US"/>
+          </a:p>
+        </p:txBody>
+      </p:sp>
+      <p:sp>
+        <p:nvSpPr>
+          <p:cNvPr id="13" name="Text Box 12"/>
+          <p:cNvSpPr txBox="1"/>
+          <p:nvPr/>
+        </p:nvSpPr>
+        <p:spPr>
+          <a:xfrm>
+            <a:off x="9008745" y="5575300"/>
             <a:ext cx="1932940" cy="365760"/>
           </a:xfrm>
           <a:prstGeom prst="rect">
@@ -5485,37 +5522,7 @@
             <a:pPr algn="ctr"/>
             <a:r>
               <a:rPr lang="x-none" altLang="en-US"/>
-              <a:t>interface</a:t>
-            </a:r>
-            <a:endParaRPr lang="x-none" altLang="en-US"/>
-          </a:p>
-        </p:txBody>
-      </p:sp>
-      <p:sp>
-        <p:nvSpPr>
-          <p:cNvPr id="13" name="Text Box 12"/>
-          <p:cNvSpPr txBox="1"/>
-          <p:nvPr/>
-        </p:nvSpPr>
-        <p:spPr>
-          <a:xfrm>
-            <a:off x="9048115" y="5993130"/>
-            <a:ext cx="1932940" cy="365760"/>
-          </a:xfrm>
-          <a:prstGeom prst="rect">
-            <a:avLst/>
-          </a:prstGeom>
-          <a:noFill/>
-        </p:spPr>
-        <p:txBody>
-          <a:bodyPr wrap="square" rtlCol="0">
-            <a:spAutoFit/>
-          </a:bodyPr>
-          <a:p>
-            <a:pPr algn="ctr"/>
-            <a:r>
-              <a:rPr lang="x-none" altLang="en-US"/>
-              <a:t>libraries</a:t>
+              <a:t>- libraries</a:t>
             </a:r>
             <a:endParaRPr lang="x-none" altLang="en-US"/>
           </a:p>
@@ -5529,7 +5536,7 @@
         </p:nvSpPr>
         <p:spPr>
           <a:xfrm>
-            <a:off x="917575" y="1464945"/>
+            <a:off x="1027430" y="1868805"/>
             <a:ext cx="1613535" cy="365760"/>
           </a:xfrm>
           <a:prstGeom prst="rect">
@@ -5545,7 +5552,36 @@
             <a:pPr algn="ctr"/>
             <a:r>
               <a:rPr lang="x-none" altLang="en-US"/>
-              <a:t>types</a:t>
+              <a:t>- types</a:t>
+            </a:r>
+            <a:endParaRPr lang="x-none" altLang="en-US"/>
+          </a:p>
+        </p:txBody>
+      </p:sp>
+      <p:sp>
+        <p:nvSpPr>
+          <p:cNvPr id="3" name="Text Box 2"/>
+          <p:cNvSpPr txBox="1"/>
+          <p:nvPr/>
+        </p:nvSpPr>
+        <p:spPr>
+          <a:xfrm>
+            <a:off x="4493260" y="1685290"/>
+            <a:ext cx="457200" cy="767080"/>
+          </a:xfrm>
+          <a:prstGeom prst="rect">
+            <a:avLst/>
+          </a:prstGeom>
+          <a:noFill/>
+        </p:spPr>
+        <p:txBody>
+          <a:bodyPr vert="eaVert" wrap="square" rtlCol="0">
+            <a:spAutoFit/>
+          </a:bodyPr>
+          <a:p>
+            <a:r>
+              <a:rPr lang="x-none" altLang="en-US"/>
+              <a:t>-----</a:t>
             </a:r>
             <a:endParaRPr lang="x-none" altLang="en-US"/>
           </a:p>
@@ -5587,6 +5623,1101 @@
             <a:r>
               <a:rPr lang="x-none" altLang="en-US"/>
               <a:t>types</a:t>
+            </a:r>
+            <a:endParaRPr lang="x-none" altLang="en-US"/>
+          </a:p>
+        </p:txBody>
+      </p:sp>
+      <p:sp>
+        <p:nvSpPr>
+          <p:cNvPr id="3" name="Text Box 2"/>
+          <p:cNvSpPr txBox="1"/>
+          <p:nvPr/>
+        </p:nvSpPr>
+        <p:spPr>
+          <a:xfrm>
+            <a:off x="1414780" y="2230120"/>
+            <a:ext cx="1394460" cy="365760"/>
+          </a:xfrm>
+          <a:prstGeom prst="rect">
+            <a:avLst/>
+          </a:prstGeom>
+          <a:noFill/>
+        </p:spPr>
+        <p:txBody>
+          <a:bodyPr wrap="square" rtlCol="0">
+            <a:spAutoFit/>
+          </a:bodyPr>
+          <a:p>
+            <a:pPr algn="ctr"/>
+            <a:r>
+              <a:rPr lang="x-none" altLang="en-US"/>
+              <a:t>- value types</a:t>
+            </a:r>
+            <a:endParaRPr lang="x-none" altLang="en-US"/>
+          </a:p>
+        </p:txBody>
+      </p:sp>
+      <p:sp>
+        <p:nvSpPr>
+          <p:cNvPr id="4" name="Text Box 3"/>
+          <p:cNvSpPr txBox="1"/>
+          <p:nvPr/>
+        </p:nvSpPr>
+        <p:spPr>
+          <a:xfrm>
+            <a:off x="1387475" y="3910330"/>
+            <a:ext cx="1802765" cy="365760"/>
+          </a:xfrm>
+          <a:prstGeom prst="rect">
+            <a:avLst/>
+          </a:prstGeom>
+          <a:noFill/>
+        </p:spPr>
+        <p:txBody>
+          <a:bodyPr wrap="square" rtlCol="0">
+            <a:spAutoFit/>
+          </a:bodyPr>
+          <a:p>
+            <a:pPr algn="ctr"/>
+            <a:r>
+              <a:rPr lang="x-none" altLang="en-US"/>
+              <a:t>- reference types</a:t>
+            </a:r>
+            <a:endParaRPr lang="x-none" altLang="en-US"/>
+          </a:p>
+        </p:txBody>
+      </p:sp>
+      <p:sp>
+        <p:nvSpPr>
+          <p:cNvPr id="5" name="Text Box 4"/>
+          <p:cNvSpPr txBox="1"/>
+          <p:nvPr/>
+        </p:nvSpPr>
+        <p:spPr>
+          <a:xfrm>
+            <a:off x="1364615" y="5169535"/>
+            <a:ext cx="1394460" cy="365760"/>
+          </a:xfrm>
+          <a:prstGeom prst="rect">
+            <a:avLst/>
+          </a:prstGeom>
+          <a:noFill/>
+        </p:spPr>
+        <p:txBody>
+          <a:bodyPr wrap="square" rtlCol="0">
+            <a:spAutoFit/>
+          </a:bodyPr>
+          <a:p>
+            <a:pPr algn="ctr"/>
+            <a:r>
+              <a:rPr lang="x-none" altLang="en-US"/>
+              <a:t>- mappings</a:t>
+            </a:r>
+            <a:endParaRPr lang="x-none" altLang="en-US"/>
+          </a:p>
+        </p:txBody>
+      </p:sp>
+      <p:sp>
+        <p:nvSpPr>
+          <p:cNvPr id="6" name="Text Box 5"/>
+          <p:cNvSpPr txBox="1"/>
+          <p:nvPr/>
+        </p:nvSpPr>
+        <p:spPr>
+          <a:xfrm>
+            <a:off x="3954145" y="2220595"/>
+            <a:ext cx="1016000" cy="365760"/>
+          </a:xfrm>
+          <a:prstGeom prst="rect">
+            <a:avLst/>
+          </a:prstGeom>
+          <a:noFill/>
+        </p:spPr>
+        <p:txBody>
+          <a:bodyPr wrap="square" rtlCol="0">
+            <a:spAutoFit/>
+          </a:bodyPr>
+          <a:p>
+            <a:pPr algn="ctr"/>
+            <a:r>
+              <a:rPr lang="x-none" altLang="en-US"/>
+              <a:t>address</a:t>
+            </a:r>
+            <a:endParaRPr lang="x-none" altLang="en-US"/>
+          </a:p>
+        </p:txBody>
+      </p:sp>
+      <p:sp>
+        <p:nvSpPr>
+          <p:cNvPr id="7" name="Text Box 6"/>
+          <p:cNvSpPr txBox="1"/>
+          <p:nvPr/>
+        </p:nvSpPr>
+        <p:spPr>
+          <a:xfrm>
+            <a:off x="3319780" y="2252980"/>
+            <a:ext cx="598170" cy="365760"/>
+          </a:xfrm>
+          <a:prstGeom prst="rect">
+            <a:avLst/>
+          </a:prstGeom>
+          <a:noFill/>
+        </p:spPr>
+        <p:txBody>
+          <a:bodyPr wrap="square" rtlCol="0">
+            <a:spAutoFit/>
+          </a:bodyPr>
+          <a:p>
+            <a:r>
+              <a:rPr lang="x-none" altLang="en-US"/>
+              <a:t>-&gt;</a:t>
+            </a:r>
+            <a:endParaRPr lang="x-none" altLang="en-US"/>
+          </a:p>
+        </p:txBody>
+      </p:sp>
+      <p:sp>
+        <p:nvSpPr>
+          <p:cNvPr id="8" name="Text Box 7"/>
+          <p:cNvSpPr txBox="1"/>
+          <p:nvPr/>
+        </p:nvSpPr>
+        <p:spPr>
+          <a:xfrm>
+            <a:off x="5053965" y="1779270"/>
+            <a:ext cx="1394460" cy="365760"/>
+          </a:xfrm>
+          <a:prstGeom prst="rect">
+            <a:avLst/>
+          </a:prstGeom>
+          <a:noFill/>
+        </p:spPr>
+        <p:txBody>
+          <a:bodyPr wrap="square" rtlCol="0">
+            <a:spAutoFit/>
+          </a:bodyPr>
+          <a:p>
+            <a:pPr algn="ctr"/>
+            <a:r>
+              <a:rPr lang="x-none" altLang="en-US"/>
+              <a:t>20 bytes</a:t>
+            </a:r>
+            <a:endParaRPr lang="x-none" altLang="en-US"/>
+          </a:p>
+        </p:txBody>
+      </p:sp>
+      <p:sp>
+        <p:nvSpPr>
+          <p:cNvPr id="9" name="Text Box 8"/>
+          <p:cNvSpPr txBox="1"/>
+          <p:nvPr/>
+        </p:nvSpPr>
+        <p:spPr>
+          <a:xfrm>
+            <a:off x="5175250" y="2353945"/>
+            <a:ext cx="1732915" cy="365760"/>
+          </a:xfrm>
+          <a:prstGeom prst="rect">
+            <a:avLst/>
+          </a:prstGeom>
+          <a:noFill/>
+        </p:spPr>
+        <p:txBody>
+          <a:bodyPr wrap="square" rtlCol="0">
+            <a:spAutoFit/>
+          </a:bodyPr>
+          <a:p>
+            <a:pPr algn="ctr"/>
+            <a:r>
+              <a:rPr lang="x-none" altLang="en-US"/>
+              <a:t>have members</a:t>
+            </a:r>
+            <a:endParaRPr lang="x-none" altLang="en-US"/>
+          </a:p>
+        </p:txBody>
+      </p:sp>
+      <p:sp>
+        <p:nvSpPr>
+          <p:cNvPr id="10" name="Text Box 9"/>
+          <p:cNvSpPr txBox="1"/>
+          <p:nvPr/>
+        </p:nvSpPr>
+        <p:spPr>
+          <a:xfrm>
+            <a:off x="4944745" y="1871980"/>
+            <a:ext cx="457200" cy="786765"/>
+          </a:xfrm>
+          <a:prstGeom prst="rect">
+            <a:avLst/>
+          </a:prstGeom>
+          <a:noFill/>
+        </p:spPr>
+        <p:txBody>
+          <a:bodyPr vert="eaVert" wrap="square" rtlCol="0">
+            <a:spAutoFit/>
+          </a:bodyPr>
+          <a:p>
+            <a:r>
+              <a:rPr lang="x-none" altLang="en-US"/>
+              <a:t>-----</a:t>
+            </a:r>
+            <a:endParaRPr lang="x-none" altLang="en-US"/>
+          </a:p>
+        </p:txBody>
+      </p:sp>
+      <p:sp>
+        <p:nvSpPr>
+          <p:cNvPr id="11" name="Text Box 10"/>
+          <p:cNvSpPr txBox="1"/>
+          <p:nvPr/>
+        </p:nvSpPr>
+        <p:spPr>
+          <a:xfrm>
+            <a:off x="6875145" y="2350135"/>
+            <a:ext cx="598170" cy="365760"/>
+          </a:xfrm>
+          <a:prstGeom prst="rect">
+            <a:avLst/>
+          </a:prstGeom>
+          <a:noFill/>
+        </p:spPr>
+        <p:txBody>
+          <a:bodyPr wrap="square" rtlCol="0">
+            <a:spAutoFit/>
+          </a:bodyPr>
+          <a:p>
+            <a:r>
+              <a:rPr lang="x-none" altLang="en-US"/>
+              <a:t>-&gt;</a:t>
+            </a:r>
+            <a:endParaRPr lang="x-none" altLang="en-US"/>
+          </a:p>
+        </p:txBody>
+      </p:sp>
+      <p:sp>
+        <p:nvSpPr>
+          <p:cNvPr id="12" name="Text Box 11"/>
+          <p:cNvSpPr txBox="1"/>
+          <p:nvPr/>
+        </p:nvSpPr>
+        <p:spPr>
+          <a:xfrm>
+            <a:off x="7733665" y="1617345"/>
+            <a:ext cx="1066800" cy="365760"/>
+          </a:xfrm>
+          <a:prstGeom prst="rect">
+            <a:avLst/>
+          </a:prstGeom>
+          <a:noFill/>
+        </p:spPr>
+        <p:txBody>
+          <a:bodyPr wrap="square" rtlCol="0">
+            <a:spAutoFit/>
+          </a:bodyPr>
+          <a:p>
+            <a:pPr algn="ctr"/>
+            <a:r>
+              <a:rPr lang="x-none" altLang="en-US"/>
+              <a:t>balance</a:t>
+            </a:r>
+            <a:endParaRPr lang="x-none" altLang="en-US"/>
+          </a:p>
+        </p:txBody>
+      </p:sp>
+      <p:sp>
+        <p:nvSpPr>
+          <p:cNvPr id="13" name="Text Box 12"/>
+          <p:cNvSpPr txBox="1"/>
+          <p:nvPr/>
+        </p:nvSpPr>
+        <p:spPr>
+          <a:xfrm>
+            <a:off x="7804150" y="2032635"/>
+            <a:ext cx="1802130" cy="365760"/>
+          </a:xfrm>
+          <a:prstGeom prst="rect">
+            <a:avLst/>
+          </a:prstGeom>
+          <a:noFill/>
+        </p:spPr>
+        <p:txBody>
+          <a:bodyPr wrap="square" rtlCol="0">
+            <a:spAutoFit/>
+          </a:bodyPr>
+          <a:p>
+            <a:pPr algn="ctr"/>
+            <a:r>
+              <a:rPr lang="x-none" altLang="en-US"/>
+              <a:t>transfer &amp;&amp; send</a:t>
+            </a:r>
+            <a:endParaRPr lang="x-none" altLang="en-US"/>
+          </a:p>
+        </p:txBody>
+      </p:sp>
+      <p:sp>
+        <p:nvSpPr>
+          <p:cNvPr id="14" name="Text Box 13"/>
+          <p:cNvSpPr txBox="1"/>
+          <p:nvPr/>
+        </p:nvSpPr>
+        <p:spPr>
+          <a:xfrm>
+            <a:off x="7362190" y="1731010"/>
+            <a:ext cx="457200" cy="1035050"/>
+          </a:xfrm>
+          <a:prstGeom prst="rect">
+            <a:avLst/>
+          </a:prstGeom>
+          <a:noFill/>
+        </p:spPr>
+        <p:txBody>
+          <a:bodyPr vert="eaVert" wrap="square" rtlCol="0">
+            <a:spAutoFit/>
+          </a:bodyPr>
+          <a:p>
+            <a:r>
+              <a:rPr lang="x-none" altLang="en-US"/>
+              <a:t>-------</a:t>
+            </a:r>
+            <a:endParaRPr lang="x-none" altLang="en-US"/>
+          </a:p>
+        </p:txBody>
+      </p:sp>
+      <p:sp>
+        <p:nvSpPr>
+          <p:cNvPr id="15" name="Text Box 14"/>
+          <p:cNvSpPr txBox="1"/>
+          <p:nvPr/>
+        </p:nvSpPr>
+        <p:spPr>
+          <a:xfrm>
+            <a:off x="7679055" y="2439035"/>
+            <a:ext cx="3576320" cy="365760"/>
+          </a:xfrm>
+          <a:prstGeom prst="rect">
+            <a:avLst/>
+          </a:prstGeom>
+          <a:noFill/>
+        </p:spPr>
+        <p:txBody>
+          <a:bodyPr wrap="square" rtlCol="0">
+            <a:spAutoFit/>
+          </a:bodyPr>
+          <a:p>
+            <a:pPr algn="ctr"/>
+            <a:r>
+              <a:rPr lang="x-none" altLang="en-US"/>
+              <a:t>call &amp;&amp; callcode &amp;&amp; delegatecall</a:t>
+            </a:r>
+            <a:endParaRPr lang="x-none" altLang="en-US"/>
+          </a:p>
+        </p:txBody>
+      </p:sp>
+      <p:sp>
+        <p:nvSpPr>
+          <p:cNvPr id="16" name="Text Box 15"/>
+          <p:cNvSpPr txBox="1"/>
+          <p:nvPr/>
+        </p:nvSpPr>
+        <p:spPr>
+          <a:xfrm>
+            <a:off x="3326130" y="3920490"/>
+            <a:ext cx="598170" cy="365760"/>
+          </a:xfrm>
+          <a:prstGeom prst="rect">
+            <a:avLst/>
+          </a:prstGeom>
+          <a:noFill/>
+        </p:spPr>
+        <p:txBody>
+          <a:bodyPr wrap="square" rtlCol="0">
+            <a:spAutoFit/>
+          </a:bodyPr>
+          <a:p>
+            <a:r>
+              <a:rPr lang="x-none" altLang="en-US"/>
+              <a:t>-&gt;</a:t>
+            </a:r>
+            <a:endParaRPr lang="x-none" altLang="en-US"/>
+          </a:p>
+        </p:txBody>
+      </p:sp>
+      <p:sp>
+        <p:nvSpPr>
+          <p:cNvPr id="17" name="Text Box 16"/>
+          <p:cNvSpPr txBox="1"/>
+          <p:nvPr/>
+        </p:nvSpPr>
+        <p:spPr>
+          <a:xfrm>
+            <a:off x="4013200" y="3054350"/>
+            <a:ext cx="977900" cy="365760"/>
+          </a:xfrm>
+          <a:prstGeom prst="rect">
+            <a:avLst/>
+          </a:prstGeom>
+          <a:noFill/>
+        </p:spPr>
+        <p:txBody>
+          <a:bodyPr wrap="square" rtlCol="0">
+            <a:spAutoFit/>
+          </a:bodyPr>
+          <a:p>
+            <a:pPr algn="ctr"/>
+            <a:r>
+              <a:rPr lang="x-none" altLang="en-US"/>
+              <a:t>arrays</a:t>
+            </a:r>
+            <a:endParaRPr lang="x-none" altLang="en-US"/>
+          </a:p>
+        </p:txBody>
+      </p:sp>
+      <p:sp>
+        <p:nvSpPr>
+          <p:cNvPr id="18" name="Text Box 17"/>
+          <p:cNvSpPr txBox="1"/>
+          <p:nvPr/>
+        </p:nvSpPr>
+        <p:spPr>
+          <a:xfrm>
+            <a:off x="4083685" y="3488690"/>
+            <a:ext cx="816610" cy="365760"/>
+          </a:xfrm>
+          <a:prstGeom prst="rect">
+            <a:avLst/>
+          </a:prstGeom>
+          <a:noFill/>
+        </p:spPr>
+        <p:txBody>
+          <a:bodyPr wrap="square" rtlCol="0">
+            <a:spAutoFit/>
+          </a:bodyPr>
+          <a:p>
+            <a:pPr algn="ctr"/>
+            <a:r>
+              <a:rPr lang="x-none" altLang="en-US"/>
+              <a:t>struct</a:t>
+            </a:r>
+            <a:endParaRPr lang="x-none" altLang="en-US"/>
+          </a:p>
+        </p:txBody>
+      </p:sp>
+      <p:sp>
+        <p:nvSpPr>
+          <p:cNvPr id="19" name="Text Box 18"/>
+          <p:cNvSpPr txBox="1"/>
+          <p:nvPr/>
+        </p:nvSpPr>
+        <p:spPr>
+          <a:xfrm>
+            <a:off x="3641725" y="3187065"/>
+            <a:ext cx="457200" cy="1035050"/>
+          </a:xfrm>
+          <a:prstGeom prst="rect">
+            <a:avLst/>
+          </a:prstGeom>
+          <a:noFill/>
+        </p:spPr>
+        <p:txBody>
+          <a:bodyPr vert="eaVert" wrap="square" rtlCol="0">
+            <a:spAutoFit/>
+          </a:bodyPr>
+          <a:p>
+            <a:r>
+              <a:rPr lang="x-none" altLang="en-US"/>
+              <a:t>-------</a:t>
+            </a:r>
+            <a:endParaRPr lang="x-none" altLang="en-US"/>
+          </a:p>
+        </p:txBody>
+      </p:sp>
+      <p:sp>
+        <p:nvSpPr>
+          <p:cNvPr id="20" name="Text Box 19"/>
+          <p:cNvSpPr txBox="1"/>
+          <p:nvPr/>
+        </p:nvSpPr>
+        <p:spPr>
+          <a:xfrm>
+            <a:off x="3958590" y="3895090"/>
+            <a:ext cx="1653540" cy="365760"/>
+          </a:xfrm>
+          <a:prstGeom prst="rect">
+            <a:avLst/>
+          </a:prstGeom>
+          <a:noFill/>
+        </p:spPr>
+        <p:txBody>
+          <a:bodyPr wrap="square" rtlCol="0">
+            <a:spAutoFit/>
+          </a:bodyPr>
+          <a:p>
+            <a:pPr algn="ctr"/>
+            <a:r>
+              <a:rPr lang="x-none" altLang="en-US"/>
+              <a:t>data location</a:t>
+            </a:r>
+            <a:endParaRPr lang="x-none" altLang="en-US"/>
+          </a:p>
+        </p:txBody>
+      </p:sp>
+      <p:sp>
+        <p:nvSpPr>
+          <p:cNvPr id="21" name="Text Box 20"/>
+          <p:cNvSpPr txBox="1"/>
+          <p:nvPr/>
+        </p:nvSpPr>
+        <p:spPr>
+          <a:xfrm>
+            <a:off x="5391785" y="3923030"/>
+            <a:ext cx="598170" cy="365760"/>
+          </a:xfrm>
+          <a:prstGeom prst="rect">
+            <a:avLst/>
+          </a:prstGeom>
+          <a:noFill/>
+        </p:spPr>
+        <p:txBody>
+          <a:bodyPr wrap="square" rtlCol="0">
+            <a:spAutoFit/>
+          </a:bodyPr>
+          <a:p>
+            <a:r>
+              <a:rPr lang="x-none" altLang="en-US"/>
+              <a:t>-&gt;</a:t>
+            </a:r>
+            <a:endParaRPr lang="x-none" altLang="en-US"/>
+          </a:p>
+        </p:txBody>
+      </p:sp>
+      <p:sp>
+        <p:nvSpPr>
+          <p:cNvPr id="22" name="Text Box 21"/>
+          <p:cNvSpPr txBox="1"/>
+          <p:nvPr/>
+        </p:nvSpPr>
+        <p:spPr>
+          <a:xfrm>
+            <a:off x="6015990" y="3290570"/>
+            <a:ext cx="1096645" cy="365760"/>
+          </a:xfrm>
+          <a:prstGeom prst="rect">
+            <a:avLst/>
+          </a:prstGeom>
+          <a:noFill/>
+        </p:spPr>
+        <p:txBody>
+          <a:bodyPr wrap="square" rtlCol="0">
+            <a:spAutoFit/>
+          </a:bodyPr>
+          <a:p>
+            <a:pPr algn="ctr"/>
+            <a:r>
+              <a:rPr lang="x-none" altLang="en-US"/>
+              <a:t>forced </a:t>
+            </a:r>
+            <a:endParaRPr lang="x-none" altLang="en-US"/>
+          </a:p>
+        </p:txBody>
+      </p:sp>
+      <p:sp>
+        <p:nvSpPr>
+          <p:cNvPr id="23" name="Text Box 22"/>
+          <p:cNvSpPr txBox="1"/>
+          <p:nvPr/>
+        </p:nvSpPr>
+        <p:spPr>
+          <a:xfrm>
+            <a:off x="6202680" y="3987800"/>
+            <a:ext cx="816610" cy="365760"/>
+          </a:xfrm>
+          <a:prstGeom prst="rect">
+            <a:avLst/>
+          </a:prstGeom>
+          <a:noFill/>
+        </p:spPr>
+        <p:txBody>
+          <a:bodyPr wrap="square" rtlCol="0">
+            <a:spAutoFit/>
+          </a:bodyPr>
+          <a:p>
+            <a:pPr algn="ctr"/>
+            <a:r>
+              <a:rPr lang="x-none" altLang="en-US"/>
+              <a:t>default</a:t>
+            </a:r>
+            <a:endParaRPr lang="x-none" altLang="en-US"/>
+          </a:p>
+        </p:txBody>
+      </p:sp>
+      <p:sp>
+        <p:nvSpPr>
+          <p:cNvPr id="24" name="Text Box 23"/>
+          <p:cNvSpPr txBox="1"/>
+          <p:nvPr/>
+        </p:nvSpPr>
+        <p:spPr>
+          <a:xfrm>
+            <a:off x="5859780" y="3303905"/>
+            <a:ext cx="457200" cy="1035050"/>
+          </a:xfrm>
+          <a:prstGeom prst="rect">
+            <a:avLst/>
+          </a:prstGeom>
+          <a:noFill/>
+        </p:spPr>
+        <p:txBody>
+          <a:bodyPr vert="eaVert" wrap="square" rtlCol="0">
+            <a:spAutoFit/>
+          </a:bodyPr>
+          <a:p>
+            <a:r>
+              <a:rPr lang="x-none" altLang="en-US"/>
+              <a:t>-------</a:t>
+            </a:r>
+            <a:endParaRPr lang="x-none" altLang="en-US"/>
+          </a:p>
+        </p:txBody>
+      </p:sp>
+      <p:sp>
+        <p:nvSpPr>
+          <p:cNvPr id="26" name="Text Box 25"/>
+          <p:cNvSpPr txBox="1"/>
+          <p:nvPr/>
+        </p:nvSpPr>
+        <p:spPr>
+          <a:xfrm>
+            <a:off x="6993255" y="3119120"/>
+            <a:ext cx="5110480" cy="365760"/>
+          </a:xfrm>
+          <a:prstGeom prst="rect">
+            <a:avLst/>
+          </a:prstGeom>
+          <a:noFill/>
+        </p:spPr>
+        <p:txBody>
+          <a:bodyPr wrap="square" rtlCol="0">
+            <a:spAutoFit/>
+          </a:bodyPr>
+          <a:p>
+            <a:pPr algn="ctr"/>
+            <a:r>
+              <a:rPr lang="x-none" altLang="en-US"/>
+              <a:t>parameters (not return) of external functions: calldata</a:t>
+            </a:r>
+            <a:endParaRPr lang="x-none" altLang="en-US"/>
+          </a:p>
+        </p:txBody>
+      </p:sp>
+      <p:sp>
+        <p:nvSpPr>
+          <p:cNvPr id="27" name="Text Box 26"/>
+          <p:cNvSpPr txBox="1"/>
+          <p:nvPr/>
+        </p:nvSpPr>
+        <p:spPr>
+          <a:xfrm>
+            <a:off x="6900545" y="3533775"/>
+            <a:ext cx="2587625" cy="365760"/>
+          </a:xfrm>
+          <a:prstGeom prst="rect">
+            <a:avLst/>
+          </a:prstGeom>
+          <a:noFill/>
+        </p:spPr>
+        <p:txBody>
+          <a:bodyPr wrap="square" rtlCol="0">
+            <a:spAutoFit/>
+          </a:bodyPr>
+          <a:p>
+            <a:pPr algn="ctr"/>
+            <a:r>
+              <a:rPr lang="x-none" altLang="en-US"/>
+              <a:t>state variables: storage</a:t>
+            </a:r>
+            <a:endParaRPr lang="x-none" altLang="en-US"/>
+          </a:p>
+        </p:txBody>
+      </p:sp>
+      <p:sp>
+        <p:nvSpPr>
+          <p:cNvPr id="28" name="Text Box 27"/>
+          <p:cNvSpPr txBox="1"/>
+          <p:nvPr/>
+        </p:nvSpPr>
+        <p:spPr>
+          <a:xfrm>
+            <a:off x="6863715" y="3133090"/>
+            <a:ext cx="457200" cy="875665"/>
+          </a:xfrm>
+          <a:prstGeom prst="rect">
+            <a:avLst/>
+          </a:prstGeom>
+          <a:noFill/>
+        </p:spPr>
+        <p:txBody>
+          <a:bodyPr vert="eaVert" wrap="square" rtlCol="0">
+            <a:spAutoFit/>
+          </a:bodyPr>
+          <a:p>
+            <a:r>
+              <a:rPr lang="x-none" altLang="en-US"/>
+              <a:t>-----</a:t>
+            </a:r>
+            <a:endParaRPr lang="x-none" altLang="en-US"/>
+          </a:p>
+        </p:txBody>
+      </p:sp>
+      <p:sp>
+        <p:nvSpPr>
+          <p:cNvPr id="29" name="Text Box 28"/>
+          <p:cNvSpPr txBox="1"/>
+          <p:nvPr/>
+        </p:nvSpPr>
+        <p:spPr>
+          <a:xfrm>
+            <a:off x="6893560" y="4357370"/>
+            <a:ext cx="3413125" cy="365760"/>
+          </a:xfrm>
+          <a:prstGeom prst="rect">
+            <a:avLst/>
+          </a:prstGeom>
+          <a:noFill/>
+        </p:spPr>
+        <p:txBody>
+          <a:bodyPr wrap="square" rtlCol="0">
+            <a:spAutoFit/>
+          </a:bodyPr>
+          <a:p>
+            <a:pPr algn="ctr"/>
+            <a:r>
+              <a:rPr lang="x-none" altLang="en-US"/>
+              <a:t>all other local variables: storage</a:t>
+            </a:r>
+            <a:endParaRPr lang="x-none" altLang="en-US"/>
+          </a:p>
+        </p:txBody>
+      </p:sp>
+      <p:sp>
+        <p:nvSpPr>
+          <p:cNvPr id="30" name="Text Box 29"/>
+          <p:cNvSpPr txBox="1"/>
+          <p:nvPr/>
+        </p:nvSpPr>
+        <p:spPr>
+          <a:xfrm>
+            <a:off x="6856095" y="3956685"/>
+            <a:ext cx="457200" cy="875665"/>
+          </a:xfrm>
+          <a:prstGeom prst="rect">
+            <a:avLst/>
+          </a:prstGeom>
+          <a:noFill/>
+        </p:spPr>
+        <p:txBody>
+          <a:bodyPr vert="eaVert" wrap="square" rtlCol="0">
+            <a:spAutoFit/>
+          </a:bodyPr>
+          <a:p>
+            <a:r>
+              <a:rPr lang="x-none" altLang="en-US"/>
+              <a:t>-----</a:t>
+            </a:r>
+            <a:endParaRPr lang="x-none" altLang="en-US"/>
+          </a:p>
+        </p:txBody>
+      </p:sp>
+      <p:sp>
+        <p:nvSpPr>
+          <p:cNvPr id="31" name="Text Box 30"/>
+          <p:cNvSpPr txBox="1"/>
+          <p:nvPr/>
+        </p:nvSpPr>
+        <p:spPr>
+          <a:xfrm>
+            <a:off x="6915785" y="3912870"/>
+            <a:ext cx="4540250" cy="365760"/>
+          </a:xfrm>
+          <a:prstGeom prst="rect">
+            <a:avLst/>
+          </a:prstGeom>
+          <a:noFill/>
+        </p:spPr>
+        <p:txBody>
+          <a:bodyPr wrap="square" rtlCol="0">
+            <a:spAutoFit/>
+          </a:bodyPr>
+          <a:p>
+            <a:pPr algn="ctr"/>
+            <a:r>
+              <a:rPr lang="x-none" altLang="en-US"/>
+              <a:t>parameters (also return) of functions: memory</a:t>
+            </a:r>
+            <a:endParaRPr lang="x-none" altLang="en-US"/>
+          </a:p>
+        </p:txBody>
+      </p:sp>
+      <p:sp>
+        <p:nvSpPr>
+          <p:cNvPr id="32" name="Text Box 31"/>
+          <p:cNvSpPr txBox="1"/>
+          <p:nvPr/>
+        </p:nvSpPr>
+        <p:spPr>
+          <a:xfrm>
+            <a:off x="1063625" y="2322830"/>
+            <a:ext cx="457200" cy="3167380"/>
+          </a:xfrm>
+          <a:prstGeom prst="rect">
+            <a:avLst/>
+          </a:prstGeom>
+          <a:noFill/>
+        </p:spPr>
+        <p:txBody>
+          <a:bodyPr vert="eaVert" wrap="square" rtlCol="0">
+            <a:spAutoFit/>
+          </a:bodyPr>
+          <a:p>
+            <a:r>
+              <a:rPr lang="x-none" altLang="en-US"/>
+              <a:t>------------------------</a:t>
+            </a:r>
+            <a:endParaRPr lang="x-none" altLang="en-US"/>
+          </a:p>
+        </p:txBody>
+      </p:sp>
+      <p:sp>
+        <p:nvSpPr>
+          <p:cNvPr id="33" name="Text Box 32"/>
+          <p:cNvSpPr txBox="1"/>
+          <p:nvPr/>
+        </p:nvSpPr>
+        <p:spPr>
+          <a:xfrm>
+            <a:off x="3760470" y="5440680"/>
+            <a:ext cx="1394460" cy="365760"/>
+          </a:xfrm>
+          <a:prstGeom prst="rect">
+            <a:avLst/>
+          </a:prstGeom>
+          <a:noFill/>
+        </p:spPr>
+        <p:txBody>
+          <a:bodyPr wrap="square" rtlCol="0">
+            <a:spAutoFit/>
+          </a:bodyPr>
+          <a:p>
+            <a:pPr algn="ctr"/>
+            <a:r>
+              <a:rPr lang="x-none" altLang="en-US"/>
+              <a:t>_keyValue</a:t>
+            </a:r>
+            <a:endParaRPr lang="x-none" altLang="en-US"/>
+          </a:p>
+        </p:txBody>
+      </p:sp>
+      <p:sp>
+        <p:nvSpPr>
+          <p:cNvPr id="34" name="Text Box 33"/>
+          <p:cNvSpPr txBox="1"/>
+          <p:nvPr/>
+        </p:nvSpPr>
+        <p:spPr>
+          <a:xfrm>
+            <a:off x="3637280" y="4987290"/>
+            <a:ext cx="457200" cy="786765"/>
+          </a:xfrm>
+          <a:prstGeom prst="rect">
+            <a:avLst/>
+          </a:prstGeom>
+          <a:noFill/>
+        </p:spPr>
+        <p:txBody>
+          <a:bodyPr vert="eaVert" wrap="square" rtlCol="0">
+            <a:spAutoFit/>
+          </a:bodyPr>
+          <a:p>
+            <a:r>
+              <a:rPr lang="x-none" altLang="en-US"/>
+              <a:t>-----</a:t>
+            </a:r>
+            <a:endParaRPr lang="x-none" altLang="en-US"/>
+          </a:p>
+        </p:txBody>
+      </p:sp>
+      <p:sp>
+        <p:nvSpPr>
+          <p:cNvPr id="35" name="Text Box 34"/>
+          <p:cNvSpPr txBox="1"/>
+          <p:nvPr/>
+        </p:nvSpPr>
+        <p:spPr>
+          <a:xfrm>
+            <a:off x="3334385" y="5172710"/>
+            <a:ext cx="598170" cy="365760"/>
+          </a:xfrm>
+          <a:prstGeom prst="rect">
+            <a:avLst/>
+          </a:prstGeom>
+          <a:noFill/>
+        </p:spPr>
+        <p:txBody>
+          <a:bodyPr wrap="square" rtlCol="0">
+            <a:spAutoFit/>
+          </a:bodyPr>
+          <a:p>
+            <a:r>
+              <a:rPr lang="x-none" altLang="en-US"/>
+              <a:t>-&gt;</a:t>
+            </a:r>
+            <a:endParaRPr lang="x-none" altLang="en-US"/>
+          </a:p>
+        </p:txBody>
+      </p:sp>
+      <p:sp>
+        <p:nvSpPr>
+          <p:cNvPr id="36" name="Text Box 35"/>
+          <p:cNvSpPr txBox="1"/>
+          <p:nvPr/>
+        </p:nvSpPr>
+        <p:spPr>
+          <a:xfrm>
+            <a:off x="3813810" y="4924425"/>
+            <a:ext cx="1394460" cy="365760"/>
+          </a:xfrm>
+          <a:prstGeom prst="rect">
+            <a:avLst/>
+          </a:prstGeom>
+          <a:noFill/>
+        </p:spPr>
+        <p:txBody>
+          <a:bodyPr wrap="square" rtlCol="0">
+            <a:spAutoFit/>
+          </a:bodyPr>
+          <a:p>
+            <a:pPr algn="ctr"/>
+            <a:r>
+              <a:rPr lang="x-none" altLang="en-US"/>
+              <a:t>_valueValue</a:t>
+            </a:r>
+            <a:endParaRPr lang="x-none" altLang="en-US"/>
+          </a:p>
+        </p:txBody>
+      </p:sp>
+      <p:sp>
+        <p:nvSpPr>
+          <p:cNvPr id="37" name="Text Box 36"/>
+          <p:cNvSpPr txBox="1"/>
+          <p:nvPr/>
+        </p:nvSpPr>
+        <p:spPr>
+          <a:xfrm>
+            <a:off x="5608955" y="4920615"/>
+            <a:ext cx="1016000" cy="365760"/>
+          </a:xfrm>
+          <a:prstGeom prst="rect">
+            <a:avLst/>
+          </a:prstGeom>
+          <a:noFill/>
+        </p:spPr>
+        <p:txBody>
+          <a:bodyPr wrap="square" rtlCol="0">
+            <a:spAutoFit/>
+          </a:bodyPr>
+          <a:p>
+            <a:pPr algn="ctr"/>
+            <a:r>
+              <a:rPr lang="x-none" altLang="en-US"/>
+              <a:t>any type</a:t>
+            </a:r>
+            <a:endParaRPr lang="x-none" altLang="en-US"/>
+          </a:p>
+        </p:txBody>
+      </p:sp>
+      <p:sp>
+        <p:nvSpPr>
+          <p:cNvPr id="38" name="Text Box 37"/>
+          <p:cNvSpPr txBox="1"/>
+          <p:nvPr/>
+        </p:nvSpPr>
+        <p:spPr>
+          <a:xfrm>
+            <a:off x="5079365" y="4941570"/>
+            <a:ext cx="598170" cy="365760"/>
+          </a:xfrm>
+          <a:prstGeom prst="rect">
+            <a:avLst/>
+          </a:prstGeom>
+          <a:noFill/>
+        </p:spPr>
+        <p:txBody>
+          <a:bodyPr wrap="square" rtlCol="0">
+            <a:spAutoFit/>
+          </a:bodyPr>
+          <a:p>
+            <a:r>
+              <a:rPr lang="x-none" altLang="en-US"/>
+              <a:t>-&gt;</a:t>
+            </a:r>
+            <a:endParaRPr lang="x-none" altLang="en-US"/>
+          </a:p>
+        </p:txBody>
+      </p:sp>
+      <p:sp>
+        <p:nvSpPr>
+          <p:cNvPr id="39" name="Text Box 38"/>
+          <p:cNvSpPr txBox="1"/>
+          <p:nvPr/>
+        </p:nvSpPr>
+        <p:spPr>
+          <a:xfrm>
+            <a:off x="5572125" y="5405120"/>
+            <a:ext cx="6593205" cy="365760"/>
+          </a:xfrm>
+          <a:prstGeom prst="rect">
+            <a:avLst/>
+          </a:prstGeom>
+          <a:noFill/>
+        </p:spPr>
+        <p:txBody>
+          <a:bodyPr wrap="square" rtlCol="0">
+            <a:spAutoFit/>
+          </a:bodyPr>
+          <a:p>
+            <a:pPr algn="ctr"/>
+            <a:r>
+              <a:rPr lang="x-none" altLang="en-US"/>
+              <a:t>except for mapping, dynamically sized array, contract, enum and struct</a:t>
+            </a:r>
+            <a:endParaRPr lang="x-none" altLang="en-US"/>
+          </a:p>
+        </p:txBody>
+      </p:sp>
+      <p:sp>
+        <p:nvSpPr>
+          <p:cNvPr id="40" name="Text Box 39"/>
+          <p:cNvSpPr txBox="1"/>
+          <p:nvPr/>
+        </p:nvSpPr>
+        <p:spPr>
+          <a:xfrm>
+            <a:off x="5086985" y="5436870"/>
+            <a:ext cx="598170" cy="365760"/>
+          </a:xfrm>
+          <a:prstGeom prst="rect">
+            <a:avLst/>
+          </a:prstGeom>
+          <a:noFill/>
+        </p:spPr>
+        <p:txBody>
+          <a:bodyPr wrap="square" rtlCol="0">
+            <a:spAutoFit/>
+          </a:bodyPr>
+          <a:p>
+            <a:r>
+              <a:rPr lang="x-none" altLang="en-US"/>
+              <a:t>-&gt;</a:t>
             </a:r>
             <a:endParaRPr lang="x-none" altLang="en-US"/>
           </a:p>
@@ -6017,7 +7148,37 @@
         </p:nvSpPr>
         <p:spPr>
           <a:xfrm>
-            <a:off x="3119120" y="2753995"/>
+            <a:off x="2900680" y="2753995"/>
+            <a:ext cx="1851660" cy="365760"/>
+          </a:xfrm>
+          <a:prstGeom prst="rect">
+            <a:avLst/>
+          </a:prstGeom>
+          <a:noFill/>
+        </p:spPr>
+        <p:txBody>
+          <a:bodyPr wrap="square" rtlCol="0">
+            <a:spAutoFit/>
+          </a:bodyPr>
+          <a:p>
+            <a:pPr algn="ctr"/>
+            <a:r>
+              <a:rPr lang="x-none" altLang="en-US"/>
+              <a:t>- state variables</a:t>
+            </a:r>
+            <a:endParaRPr lang="x-none" altLang="en-US"/>
+          </a:p>
+        </p:txBody>
+      </p:sp>
+      <p:sp>
+        <p:nvSpPr>
+          <p:cNvPr id="8" name="Text Box 7"/>
+          <p:cNvSpPr txBox="1"/>
+          <p:nvPr/>
+        </p:nvSpPr>
+        <p:spPr>
+          <a:xfrm>
+            <a:off x="2818765" y="4561840"/>
             <a:ext cx="1633220" cy="365760"/>
           </a:xfrm>
           <a:prstGeom prst="rect">
@@ -6033,37 +7194,7 @@
             <a:pPr algn="ctr"/>
             <a:r>
               <a:rPr lang="x-none" altLang="en-US"/>
-              <a:t>state variables</a:t>
-            </a:r>
-            <a:endParaRPr lang="x-none" altLang="en-US"/>
-          </a:p>
-        </p:txBody>
-      </p:sp>
-      <p:sp>
-        <p:nvSpPr>
-          <p:cNvPr id="8" name="Text Box 7"/>
-          <p:cNvSpPr txBox="1"/>
-          <p:nvPr/>
-        </p:nvSpPr>
-        <p:spPr>
-          <a:xfrm>
-            <a:off x="2885440" y="4561840"/>
-            <a:ext cx="1633220" cy="365760"/>
-          </a:xfrm>
-          <a:prstGeom prst="rect">
-            <a:avLst/>
-          </a:prstGeom>
-          <a:noFill/>
-        </p:spPr>
-        <p:txBody>
-          <a:bodyPr wrap="square" rtlCol="0">
-            <a:spAutoFit/>
-          </a:bodyPr>
-          <a:p>
-            <a:pPr algn="ctr"/>
-            <a:r>
-              <a:rPr lang="x-none" altLang="en-US"/>
-              <a:t>function</a:t>
+              <a:t>- function</a:t>
             </a:r>
             <a:endParaRPr lang="x-none" altLang="en-US"/>
           </a:p>
@@ -6454,7 +7585,7 @@
             <a:pPr algn="ctr"/>
             <a:r>
               <a:rPr lang="x-none" altLang="en-US"/>
-              <a:t>other contracts and via txs</a:t>
+              <a:t>- other contracts and via txs</a:t>
             </a:r>
             <a:endParaRPr lang="x-none" altLang="en-US"/>
           </a:p>
@@ -6468,23 +7599,23 @@
         </p:nvSpPr>
         <p:spPr>
           <a:xfrm>
-            <a:off x="8445500" y="4568190"/>
-            <a:ext cx="2779395" cy="365760"/>
-          </a:xfrm>
-          <a:prstGeom prst="rect">
-            <a:avLst/>
-          </a:prstGeom>
-          <a:noFill/>
-        </p:spPr>
-        <p:txBody>
-          <a:bodyPr wrap="square" rtlCol="0">
-            <a:spAutoFit/>
-          </a:bodyPr>
-          <a:p>
-            <a:pPr algn="ctr"/>
-            <a:r>
-              <a:rPr lang="x-none" altLang="en-US"/>
-              <a:t>internally and via messages</a:t>
+            <a:off x="8326755" y="4568190"/>
+            <a:ext cx="3038475" cy="365760"/>
+          </a:xfrm>
+          <a:prstGeom prst="rect">
+            <a:avLst/>
+          </a:prstGeom>
+          <a:noFill/>
+        </p:spPr>
+        <p:txBody>
+          <a:bodyPr wrap="square" rtlCol="0">
+            <a:spAutoFit/>
+          </a:bodyPr>
+          <a:p>
+            <a:pPr algn="ctr"/>
+            <a:r>
+              <a:rPr lang="x-none" altLang="en-US"/>
+              <a:t>- internally and via messages</a:t>
             </a:r>
             <a:endParaRPr lang="x-none" altLang="en-US"/>
           </a:p>
@@ -6514,7 +7645,7 @@
             <a:pPr algn="ctr"/>
             <a:r>
               <a:rPr lang="x-none" altLang="en-US"/>
-              <a:t>internally</a:t>
+              <a:t>- internally</a:t>
             </a:r>
             <a:endParaRPr lang="x-none" altLang="en-US"/>
           </a:p>
@@ -6544,7 +7675,7 @@
             <a:pPr algn="ctr"/>
             <a:r>
               <a:rPr lang="x-none" altLang="en-US"/>
-              <a:t>not in derived contract</a:t>
+              <a:t>- not in derived contract</a:t>
             </a:r>
             <a:endParaRPr lang="x-none" altLang="en-US"/>
           </a:p>
@@ -7319,6 +8450,1494 @@
               <a:t>function modifiers</a:t>
             </a:r>
             <a:endParaRPr lang="x-none" altLang="en-US"/>
+          </a:p>
+        </p:txBody>
+      </p:sp>
+      <p:sp>
+        <p:nvSpPr>
+          <p:cNvPr id="3" name="Text Box 2"/>
+          <p:cNvSpPr txBox="1"/>
+          <p:nvPr/>
+        </p:nvSpPr>
+        <p:spPr>
+          <a:xfrm>
+            <a:off x="4314190" y="2512695"/>
+            <a:ext cx="3823335" cy="365760"/>
+          </a:xfrm>
+          <a:prstGeom prst="rect">
+            <a:avLst/>
+          </a:prstGeom>
+          <a:noFill/>
+        </p:spPr>
+        <p:txBody>
+          <a:bodyPr wrap="square" rtlCol="0">
+            <a:spAutoFit/>
+          </a:bodyPr>
+          <a:p>
+            <a:pPr algn="ctr"/>
+            <a:r>
+              <a:rPr lang="x-none" altLang="en-US"/>
+              <a:t>change the behaviour of functions</a:t>
+            </a:r>
+            <a:endParaRPr lang="x-none" altLang="en-US"/>
+          </a:p>
+        </p:txBody>
+      </p:sp>
+      <p:sp>
+        <p:nvSpPr>
+          <p:cNvPr id="6" name="Text Box 5"/>
+          <p:cNvSpPr txBox="1"/>
+          <p:nvPr/>
+        </p:nvSpPr>
+        <p:spPr>
+          <a:xfrm>
+            <a:off x="3933825" y="4109085"/>
+            <a:ext cx="5475605" cy="365760"/>
+          </a:xfrm>
+          <a:prstGeom prst="rect">
+            <a:avLst/>
+          </a:prstGeom>
+          <a:noFill/>
+        </p:spPr>
+        <p:txBody>
+          <a:bodyPr wrap="square" rtlCol="0">
+            <a:spAutoFit/>
+          </a:bodyPr>
+          <a:p>
+            <a:pPr algn="ctr"/>
+            <a:r>
+              <a:rPr lang="x-none" altLang="en-US"/>
+              <a:t>control flow continues after the "_" in the modifier</a:t>
+            </a:r>
+            <a:endParaRPr lang="x-none" altLang="en-US"/>
+          </a:p>
+        </p:txBody>
+      </p:sp>
+      <p:sp>
+        <p:nvSpPr>
+          <p:cNvPr id="7" name="Text Box 6"/>
+          <p:cNvSpPr txBox="1"/>
+          <p:nvPr/>
+        </p:nvSpPr>
+        <p:spPr>
+          <a:xfrm>
+            <a:off x="5927090" y="3199765"/>
+            <a:ext cx="457200" cy="727075"/>
+          </a:xfrm>
+          <a:prstGeom prst="rect">
+            <a:avLst/>
+          </a:prstGeom>
+          <a:noFill/>
+        </p:spPr>
+        <p:txBody>
+          <a:bodyPr vert="eaVert" wrap="square" rtlCol="0">
+            <a:spAutoFit/>
+          </a:bodyPr>
+          <a:p>
+            <a:pPr algn="ctr"/>
+            <a:r>
+              <a:rPr lang="x-none" altLang="en-US"/>
+              <a:t>---&gt;</a:t>
+            </a:r>
+            <a:endParaRPr lang="x-none" altLang="en-US"/>
+          </a:p>
+        </p:txBody>
+      </p:sp>
+    </p:spTree>
+  </p:cSld>
+  <p:clrMapOvr>
+    <a:masterClrMapping/>
+  </p:clrMapOvr>
+</p:sld>
+</file>
+
+<file path=ppt/slides/slide23.xml><?xml version="1.0" encoding="utf-8"?>
+<p:sld xmlns:a="http://schemas.openxmlformats.org/drawingml/2006/main" xmlns:r="http://schemas.openxmlformats.org/officeDocument/2006/relationships" xmlns:p="http://schemas.openxmlformats.org/presentationml/2006/main">
+  <p:cSld>
+    <p:spTree>
+      <p:nvGrpSpPr>
+        <p:cNvPr id="1" name=""/>
+        <p:cNvGrpSpPr/>
+        <p:nvPr/>
+      </p:nvGrpSpPr>
+      <p:grpSpPr/>
+      <p:sp>
+        <p:nvSpPr>
+          <p:cNvPr id="2" name="Title 1"/>
+          <p:cNvSpPr>
+            <a:spLocks noGrp="1"/>
+          </p:cNvSpPr>
+          <p:nvPr>
+            <p:ph type="title"/>
+          </p:nvPr>
+        </p:nvSpPr>
+        <p:spPr/>
+        <p:txBody>
+          <a:bodyPr/>
+          <a:p>
+            <a:pPr algn="ctr"/>
+            <a:r>
+              <a:rPr lang="x-none" altLang="en-US"/>
+              <a:t>events</a:t>
+            </a:r>
+            <a:endParaRPr lang="x-none" altLang="en-US"/>
+          </a:p>
+        </p:txBody>
+      </p:sp>
+      <p:sp>
+        <p:nvSpPr>
+          <p:cNvPr id="4" name="Text Box 3"/>
+          <p:cNvSpPr txBox="1"/>
+          <p:nvPr/>
+        </p:nvSpPr>
+        <p:spPr>
+          <a:xfrm>
+            <a:off x="1971675" y="2402840"/>
+            <a:ext cx="1185545" cy="365760"/>
+          </a:xfrm>
+          <a:prstGeom prst="rect">
+            <a:avLst/>
+          </a:prstGeom>
+          <a:noFill/>
+        </p:spPr>
+        <p:txBody>
+          <a:bodyPr wrap="square" rtlCol="0">
+            <a:spAutoFit/>
+          </a:bodyPr>
+          <a:p>
+            <a:pPr algn="ctr"/>
+            <a:r>
+              <a:rPr lang="x-none" altLang="en-US"/>
+              <a:t>attribute</a:t>
+            </a:r>
+            <a:endParaRPr lang="x-none" altLang="en-US"/>
+          </a:p>
+        </p:txBody>
+      </p:sp>
+      <p:sp>
+        <p:nvSpPr>
+          <p:cNvPr id="5" name="Text Box 4"/>
+          <p:cNvSpPr txBox="1"/>
+          <p:nvPr/>
+        </p:nvSpPr>
+        <p:spPr>
+          <a:xfrm>
+            <a:off x="4282440" y="2393950"/>
+            <a:ext cx="1325245" cy="365760"/>
+          </a:xfrm>
+          <a:prstGeom prst="rect">
+            <a:avLst/>
+          </a:prstGeom>
+          <a:noFill/>
+        </p:spPr>
+        <p:txBody>
+          <a:bodyPr wrap="square" rtlCol="0">
+            <a:spAutoFit/>
+          </a:bodyPr>
+          <a:p>
+            <a:pPr algn="ctr"/>
+            <a:r>
+              <a:rPr lang="x-none" altLang="en-US"/>
+              <a:t>- indexed</a:t>
+            </a:r>
+            <a:endParaRPr lang="x-none" altLang="en-US"/>
+          </a:p>
+        </p:txBody>
+      </p:sp>
+      <p:sp>
+        <p:nvSpPr>
+          <p:cNvPr id="6" name="Text Box 5"/>
+          <p:cNvSpPr txBox="1"/>
+          <p:nvPr/>
+        </p:nvSpPr>
+        <p:spPr>
+          <a:xfrm>
+            <a:off x="3383280" y="2414905"/>
+            <a:ext cx="607695" cy="365760"/>
+          </a:xfrm>
+          <a:prstGeom prst="rect">
+            <a:avLst/>
+          </a:prstGeom>
+          <a:noFill/>
+        </p:spPr>
+        <p:txBody>
+          <a:bodyPr wrap="square" rtlCol="0">
+            <a:spAutoFit/>
+          </a:bodyPr>
+          <a:p>
+            <a:r>
+              <a:rPr lang="x-none" altLang="en-US"/>
+              <a:t>-&gt;</a:t>
+            </a:r>
+            <a:endParaRPr lang="x-none" altLang="en-US"/>
+          </a:p>
+        </p:txBody>
+      </p:sp>
+      <p:sp>
+        <p:nvSpPr>
+          <p:cNvPr id="7" name="Text Box 6"/>
+          <p:cNvSpPr txBox="1"/>
+          <p:nvPr/>
+        </p:nvSpPr>
+        <p:spPr>
+          <a:xfrm>
+            <a:off x="5763895" y="1892935"/>
+            <a:ext cx="2809875" cy="365760"/>
+          </a:xfrm>
+          <a:prstGeom prst="rect">
+            <a:avLst/>
+          </a:prstGeom>
+          <a:noFill/>
+        </p:spPr>
+        <p:txBody>
+          <a:bodyPr wrap="square" rtlCol="0">
+            <a:spAutoFit/>
+          </a:bodyPr>
+          <a:p>
+            <a:pPr algn="ctr"/>
+            <a:r>
+              <a:rPr lang="x-none" altLang="en-US"/>
+              <a:t>- up to three parameters</a:t>
+            </a:r>
+            <a:endParaRPr lang="x-none" altLang="en-US"/>
+          </a:p>
+        </p:txBody>
+      </p:sp>
+      <p:sp>
+        <p:nvSpPr>
+          <p:cNvPr id="8" name="Text Box 7"/>
+          <p:cNvSpPr txBox="1"/>
+          <p:nvPr/>
+        </p:nvSpPr>
+        <p:spPr>
+          <a:xfrm>
+            <a:off x="5784850" y="2649220"/>
+            <a:ext cx="2580005" cy="365760"/>
+          </a:xfrm>
+          <a:prstGeom prst="rect">
+            <a:avLst/>
+          </a:prstGeom>
+          <a:noFill/>
+        </p:spPr>
+        <p:txBody>
+          <a:bodyPr wrap="square" rtlCol="0">
+            <a:spAutoFit/>
+          </a:bodyPr>
+          <a:p>
+            <a:pPr algn="ctr"/>
+            <a:r>
+              <a:rPr lang="x-none" altLang="en-US"/>
+              <a:t>- search for the values</a:t>
+            </a:r>
+            <a:endParaRPr lang="x-none" altLang="en-US"/>
+          </a:p>
+        </p:txBody>
+      </p:sp>
+      <p:sp>
+        <p:nvSpPr>
+          <p:cNvPr id="9" name="Text Box 8"/>
+          <p:cNvSpPr txBox="1"/>
+          <p:nvPr/>
+        </p:nvSpPr>
+        <p:spPr>
+          <a:xfrm>
+            <a:off x="5492750" y="1974850"/>
+            <a:ext cx="457200" cy="1055370"/>
+          </a:xfrm>
+          <a:prstGeom prst="rect">
+            <a:avLst/>
+          </a:prstGeom>
+          <a:noFill/>
+        </p:spPr>
+        <p:txBody>
+          <a:bodyPr vert="eaVert" wrap="square" rtlCol="0">
+            <a:spAutoFit/>
+          </a:bodyPr>
+          <a:p>
+            <a:r>
+              <a:rPr lang="x-none" altLang="en-US"/>
+              <a:t>-------</a:t>
+            </a:r>
+            <a:endParaRPr lang="x-none" altLang="en-US"/>
+          </a:p>
+        </p:txBody>
+      </p:sp>
+      <p:sp>
+        <p:nvSpPr>
+          <p:cNvPr id="10" name="Text Box 9"/>
+          <p:cNvSpPr txBox="1"/>
+          <p:nvPr/>
+        </p:nvSpPr>
+        <p:spPr>
+          <a:xfrm>
+            <a:off x="4286885" y="4075430"/>
+            <a:ext cx="1723390" cy="365760"/>
+          </a:xfrm>
+          <a:prstGeom prst="rect">
+            <a:avLst/>
+          </a:prstGeom>
+          <a:noFill/>
+        </p:spPr>
+        <p:txBody>
+          <a:bodyPr wrap="square" rtlCol="0">
+            <a:spAutoFit/>
+          </a:bodyPr>
+          <a:p>
+            <a:pPr algn="ctr"/>
+            <a:r>
+              <a:rPr lang="x-none" altLang="en-US"/>
+              <a:t>- non-indexed</a:t>
+            </a:r>
+            <a:endParaRPr lang="x-none" altLang="en-US"/>
+          </a:p>
+        </p:txBody>
+      </p:sp>
+      <p:sp>
+        <p:nvSpPr>
+          <p:cNvPr id="11" name="Text Box 10"/>
+          <p:cNvSpPr txBox="1"/>
+          <p:nvPr/>
+        </p:nvSpPr>
+        <p:spPr>
+          <a:xfrm>
+            <a:off x="5953125" y="4058920"/>
+            <a:ext cx="3356610" cy="365760"/>
+          </a:xfrm>
+          <a:prstGeom prst="rect">
+            <a:avLst/>
+          </a:prstGeom>
+          <a:noFill/>
+        </p:spPr>
+        <p:txBody>
+          <a:bodyPr wrap="square" rtlCol="0">
+            <a:spAutoFit/>
+          </a:bodyPr>
+          <a:p>
+            <a:pPr algn="ctr"/>
+            <a:r>
+              <a:rPr lang="x-none" altLang="en-US"/>
+              <a:t>- stored in the data part of the log</a:t>
+            </a:r>
+            <a:endParaRPr lang="x-none" altLang="en-US"/>
+          </a:p>
+        </p:txBody>
+      </p:sp>
+      <p:sp>
+        <p:nvSpPr>
+          <p:cNvPr id="12" name="Text Box 11"/>
+          <p:cNvSpPr txBox="1"/>
+          <p:nvPr/>
+        </p:nvSpPr>
+        <p:spPr>
+          <a:xfrm>
+            <a:off x="3885565" y="2512060"/>
+            <a:ext cx="457200" cy="1902460"/>
+          </a:xfrm>
+          <a:prstGeom prst="rect">
+            <a:avLst/>
+          </a:prstGeom>
+          <a:noFill/>
+        </p:spPr>
+        <p:txBody>
+          <a:bodyPr vert="eaVert" wrap="square" rtlCol="0">
+            <a:spAutoFit/>
+          </a:bodyPr>
+          <a:p>
+            <a:r>
+              <a:rPr lang="x-none" altLang="en-US"/>
+              <a:t>--------------</a:t>
+            </a:r>
+            <a:endParaRPr lang="x-none" altLang="en-US"/>
+          </a:p>
+        </p:txBody>
+      </p:sp>
+    </p:spTree>
+  </p:cSld>
+  <p:clrMapOvr>
+    <a:masterClrMapping/>
+  </p:clrMapOvr>
+</p:sld>
+</file>
+
+<file path=ppt/slides/slide24.xml><?xml version="1.0" encoding="utf-8"?>
+<p:sld xmlns:a="http://schemas.openxmlformats.org/drawingml/2006/main" xmlns:r="http://schemas.openxmlformats.org/officeDocument/2006/relationships" xmlns:p="http://schemas.openxmlformats.org/presentationml/2006/main">
+  <p:cSld>
+    <p:spTree>
+      <p:nvGrpSpPr>
+        <p:cNvPr id="1" name=""/>
+        <p:cNvGrpSpPr/>
+        <p:nvPr/>
+      </p:nvGrpSpPr>
+      <p:grpSpPr/>
+      <p:sp>
+        <p:nvSpPr>
+          <p:cNvPr id="2" name="Title 1"/>
+          <p:cNvSpPr>
+            <a:spLocks noGrp="1"/>
+          </p:cNvSpPr>
+          <p:nvPr>
+            <p:ph type="title"/>
+          </p:nvPr>
+        </p:nvSpPr>
+        <p:spPr/>
+        <p:txBody>
+          <a:bodyPr/>
+          <a:p>
+            <a:pPr algn="ctr"/>
+            <a:r>
+              <a:rPr lang="x-none" altLang="en-US"/>
+              <a:t>inheritance  </a:t>
+            </a:r>
+            <a:endParaRPr lang="x-none" altLang="en-US"/>
+          </a:p>
+        </p:txBody>
+      </p:sp>
+      <p:sp>
+        <p:nvSpPr>
+          <p:cNvPr id="4" name="Text Box 3"/>
+          <p:cNvSpPr txBox="1"/>
+          <p:nvPr/>
+        </p:nvSpPr>
+        <p:spPr>
+          <a:xfrm>
+            <a:off x="1939290" y="2214245"/>
+            <a:ext cx="3824605" cy="365760"/>
+          </a:xfrm>
+          <a:prstGeom prst="rect">
+            <a:avLst/>
+          </a:prstGeom>
+          <a:noFill/>
+        </p:spPr>
+        <p:txBody>
+          <a:bodyPr wrap="square" rtlCol="0">
+            <a:spAutoFit/>
+          </a:bodyPr>
+          <a:p>
+            <a:r>
+              <a:rPr lang="en-US"/>
+              <a:t>supports multiple inheritance</a:t>
+            </a:r>
+            <a:endParaRPr lang="en-US"/>
+          </a:p>
+        </p:txBody>
+      </p:sp>
+      <p:sp>
+        <p:nvSpPr>
+          <p:cNvPr id="5" name="Text Box 4"/>
+          <p:cNvSpPr txBox="1"/>
+          <p:nvPr/>
+        </p:nvSpPr>
+        <p:spPr>
+          <a:xfrm>
+            <a:off x="6041390" y="2056765"/>
+            <a:ext cx="1065530" cy="640080"/>
+          </a:xfrm>
+          <a:prstGeom prst="rect">
+            <a:avLst/>
+          </a:prstGeom>
+          <a:noFill/>
+        </p:spPr>
+        <p:txBody>
+          <a:bodyPr wrap="square" rtlCol="0">
+            <a:spAutoFit/>
+          </a:bodyPr>
+          <a:p>
+            <a:pPr algn="ctr"/>
+            <a:r>
+              <a:rPr lang="x-none" altLang="en-US"/>
+              <a:t>&lt;--</a:t>
+            </a:r>
+            <a:endParaRPr lang="x-none" altLang="en-US"/>
+          </a:p>
+          <a:p>
+            <a:pPr algn="ctr"/>
+            <a:r>
+              <a:rPr lang="x-none" altLang="en-US"/>
+              <a:t>&lt;--</a:t>
+            </a:r>
+            <a:endParaRPr lang="x-none" altLang="en-US"/>
+          </a:p>
+        </p:txBody>
+      </p:sp>
+      <p:sp>
+        <p:nvSpPr>
+          <p:cNvPr id="6" name="Text Box 5"/>
+          <p:cNvSpPr txBox="1"/>
+          <p:nvPr/>
+        </p:nvSpPr>
+        <p:spPr>
+          <a:xfrm>
+            <a:off x="7298690" y="2205990"/>
+            <a:ext cx="2221230" cy="365760"/>
+          </a:xfrm>
+          <a:prstGeom prst="rect">
+            <a:avLst/>
+          </a:prstGeom>
+          <a:noFill/>
+        </p:spPr>
+        <p:txBody>
+          <a:bodyPr wrap="square" rtlCol="0">
+            <a:spAutoFit/>
+          </a:bodyPr>
+          <a:p>
+            <a:pPr algn="ctr"/>
+            <a:r>
+              <a:rPr lang="en-US"/>
+              <a:t>copying code</a:t>
+            </a:r>
+            <a:endParaRPr lang="en-US"/>
+          </a:p>
+        </p:txBody>
+      </p:sp>
+      <p:sp>
+        <p:nvSpPr>
+          <p:cNvPr id="7" name="Text Box 6"/>
+          <p:cNvSpPr txBox="1"/>
+          <p:nvPr/>
+        </p:nvSpPr>
+        <p:spPr>
+          <a:xfrm>
+            <a:off x="1410335" y="3689350"/>
+            <a:ext cx="9651365" cy="365760"/>
+          </a:xfrm>
+          <a:prstGeom prst="rect">
+            <a:avLst/>
+          </a:prstGeom>
+          <a:noFill/>
+        </p:spPr>
+        <p:txBody>
+          <a:bodyPr wrap="square" rtlCol="0">
+            <a:spAutoFit/>
+          </a:bodyPr>
+          <a:p>
+            <a:r>
+              <a:rPr lang="en-US"/>
+              <a:t>Derived contracts need to provide all arguments needed for the base constructors</a:t>
+            </a:r>
+            <a:endParaRPr lang="en-US"/>
+          </a:p>
+        </p:txBody>
+      </p:sp>
+    </p:spTree>
+  </p:cSld>
+  <p:clrMapOvr>
+    <a:masterClrMapping/>
+  </p:clrMapOvr>
+</p:sld>
+</file>
+
+<file path=ppt/slides/slide25.xml><?xml version="1.0" encoding="utf-8"?>
+<p:sld xmlns:a="http://schemas.openxmlformats.org/drawingml/2006/main" xmlns:r="http://schemas.openxmlformats.org/officeDocument/2006/relationships" xmlns:p="http://schemas.openxmlformats.org/presentationml/2006/main">
+  <p:cSld>
+    <p:spTree>
+      <p:nvGrpSpPr>
+        <p:cNvPr id="1" name=""/>
+        <p:cNvGrpSpPr/>
+        <p:nvPr/>
+      </p:nvGrpSpPr>
+      <p:grpSpPr/>
+      <p:sp>
+        <p:nvSpPr>
+          <p:cNvPr id="2" name="Title 1"/>
+          <p:cNvSpPr>
+            <a:spLocks noGrp="1"/>
+          </p:cNvSpPr>
+          <p:nvPr>
+            <p:ph type="title"/>
+          </p:nvPr>
+        </p:nvSpPr>
+        <p:spPr/>
+        <p:txBody>
+          <a:bodyPr/>
+          <a:p>
+            <a:pPr algn="ctr"/>
+            <a:r>
+              <a:rPr lang="x-none" altLang="en-US">
+                <a:sym typeface="+mn-ea"/>
+              </a:rPr>
+              <a:t>abstract contracts</a:t>
+            </a:r>
+            <a:endParaRPr lang="en-US"/>
+          </a:p>
+        </p:txBody>
+      </p:sp>
+      <p:sp>
+        <p:nvSpPr>
+          <p:cNvPr id="4" name="Text Box 3"/>
+          <p:cNvSpPr txBox="1"/>
+          <p:nvPr/>
+        </p:nvSpPr>
+        <p:spPr>
+          <a:xfrm>
+            <a:off x="4637405" y="2214245"/>
+            <a:ext cx="2957195" cy="365760"/>
+          </a:xfrm>
+          <a:prstGeom prst="rect">
+            <a:avLst/>
+          </a:prstGeom>
+          <a:noFill/>
+        </p:spPr>
+        <p:txBody>
+          <a:bodyPr wrap="square" rtlCol="0">
+            <a:spAutoFit/>
+          </a:bodyPr>
+          <a:p>
+            <a:r>
+              <a:rPr lang="en-US"/>
+              <a:t>lack an implementation</a:t>
+            </a:r>
+            <a:endParaRPr lang="en-US"/>
+          </a:p>
+        </p:txBody>
+      </p:sp>
+      <p:sp>
+        <p:nvSpPr>
+          <p:cNvPr id="5" name="Text Box 4"/>
+          <p:cNvSpPr txBox="1"/>
+          <p:nvPr/>
+        </p:nvSpPr>
+        <p:spPr>
+          <a:xfrm>
+            <a:off x="4685030" y="3157855"/>
+            <a:ext cx="2957195" cy="365760"/>
+          </a:xfrm>
+          <a:prstGeom prst="rect">
+            <a:avLst/>
+          </a:prstGeom>
+          <a:noFill/>
+        </p:spPr>
+        <p:txBody>
+          <a:bodyPr wrap="square" rtlCol="0">
+            <a:spAutoFit/>
+          </a:bodyPr>
+          <a:p>
+            <a:pPr algn="ctr"/>
+            <a:r>
+              <a:rPr lang="en-US"/>
+              <a:t>cannot be compiled</a:t>
+            </a:r>
+            <a:endParaRPr lang="en-US"/>
+          </a:p>
+        </p:txBody>
+      </p:sp>
+      <p:sp>
+        <p:nvSpPr>
+          <p:cNvPr id="6" name="Text Box 5"/>
+          <p:cNvSpPr txBox="1"/>
+          <p:nvPr/>
+        </p:nvSpPr>
+        <p:spPr>
+          <a:xfrm>
+            <a:off x="4204970" y="4042410"/>
+            <a:ext cx="4320540" cy="365760"/>
+          </a:xfrm>
+          <a:prstGeom prst="rect">
+            <a:avLst/>
+          </a:prstGeom>
+          <a:noFill/>
+        </p:spPr>
+        <p:txBody>
+          <a:bodyPr wrap="square" rtlCol="0">
+            <a:spAutoFit/>
+          </a:bodyPr>
+          <a:p>
+            <a:pPr algn="ctr"/>
+            <a:r>
+              <a:rPr lang="en-US"/>
+              <a:t> can be used as base contracts</a:t>
+            </a:r>
+            <a:endParaRPr lang="en-US"/>
+          </a:p>
+        </p:txBody>
+      </p:sp>
+    </p:spTree>
+  </p:cSld>
+  <p:clrMapOvr>
+    <a:masterClrMapping/>
+  </p:clrMapOvr>
+</p:sld>
+</file>
+
+<file path=ppt/slides/slide26.xml><?xml version="1.0" encoding="utf-8"?>
+<p:sld xmlns:a="http://schemas.openxmlformats.org/drawingml/2006/main" xmlns:r="http://schemas.openxmlformats.org/officeDocument/2006/relationships" xmlns:p="http://schemas.openxmlformats.org/presentationml/2006/main">
+  <p:cSld>
+    <p:spTree>
+      <p:nvGrpSpPr>
+        <p:cNvPr id="1" name=""/>
+        <p:cNvGrpSpPr/>
+        <p:nvPr/>
+      </p:nvGrpSpPr>
+      <p:grpSpPr/>
+      <p:sp>
+        <p:nvSpPr>
+          <p:cNvPr id="2" name="Title 1"/>
+          <p:cNvSpPr>
+            <a:spLocks noGrp="1"/>
+          </p:cNvSpPr>
+          <p:nvPr>
+            <p:ph type="title"/>
+          </p:nvPr>
+        </p:nvSpPr>
+        <p:spPr/>
+        <p:txBody>
+          <a:bodyPr/>
+          <a:p>
+            <a:pPr algn="ctr"/>
+            <a:r>
+              <a:rPr lang="x-none" altLang="en-US"/>
+              <a:t>interface</a:t>
+            </a:r>
+            <a:endParaRPr lang="x-none" altLang="en-US"/>
+          </a:p>
+        </p:txBody>
+      </p:sp>
+      <p:sp>
+        <p:nvSpPr>
+          <p:cNvPr id="4" name="Text Box 3"/>
+          <p:cNvSpPr txBox="1"/>
+          <p:nvPr/>
+        </p:nvSpPr>
+        <p:spPr>
+          <a:xfrm>
+            <a:off x="3077210" y="1925320"/>
+            <a:ext cx="5388610" cy="365760"/>
+          </a:xfrm>
+          <a:prstGeom prst="rect">
+            <a:avLst/>
+          </a:prstGeom>
+          <a:noFill/>
+        </p:spPr>
+        <p:txBody>
+          <a:bodyPr wrap="square" rtlCol="0">
+            <a:spAutoFit/>
+          </a:bodyPr>
+          <a:p>
+            <a:pPr algn="l"/>
+            <a:r>
+              <a:rPr lang="x-none" altLang="en-US"/>
+              <a:t>- </a:t>
+            </a:r>
+            <a:r>
+              <a:rPr lang="en-US"/>
+              <a:t>Cannot inherit other contracts or interfaces.</a:t>
+            </a:r>
+            <a:endParaRPr lang="en-US"/>
+          </a:p>
+        </p:txBody>
+      </p:sp>
+      <p:sp>
+        <p:nvSpPr>
+          <p:cNvPr id="5" name="Text Box 4"/>
+          <p:cNvSpPr txBox="1"/>
+          <p:nvPr/>
+        </p:nvSpPr>
+        <p:spPr>
+          <a:xfrm>
+            <a:off x="3080385" y="2530475"/>
+            <a:ext cx="5388610" cy="365760"/>
+          </a:xfrm>
+          <a:prstGeom prst="rect">
+            <a:avLst/>
+          </a:prstGeom>
+          <a:noFill/>
+        </p:spPr>
+        <p:txBody>
+          <a:bodyPr wrap="square" rtlCol="0">
+            <a:spAutoFit/>
+          </a:bodyPr>
+          <a:p>
+            <a:pPr algn="l"/>
+            <a:r>
+              <a:rPr lang="x-none" altLang="en-US"/>
+              <a:t>- </a:t>
+            </a:r>
+            <a:r>
+              <a:rPr lang="en-US"/>
+              <a:t>Cannot define constructor.</a:t>
+            </a:r>
+            <a:endParaRPr lang="en-US"/>
+          </a:p>
+        </p:txBody>
+      </p:sp>
+      <p:sp>
+        <p:nvSpPr>
+          <p:cNvPr id="6" name="Text Box 5"/>
+          <p:cNvSpPr txBox="1"/>
+          <p:nvPr/>
+        </p:nvSpPr>
+        <p:spPr>
+          <a:xfrm>
+            <a:off x="3083560" y="3152775"/>
+            <a:ext cx="5388610" cy="365760"/>
+          </a:xfrm>
+          <a:prstGeom prst="rect">
+            <a:avLst/>
+          </a:prstGeom>
+          <a:noFill/>
+        </p:spPr>
+        <p:txBody>
+          <a:bodyPr wrap="square" rtlCol="0">
+            <a:spAutoFit/>
+          </a:bodyPr>
+          <a:p>
+            <a:pPr algn="l"/>
+            <a:r>
+              <a:rPr lang="x-none" altLang="en-US"/>
+              <a:t>- </a:t>
+            </a:r>
+            <a:r>
+              <a:rPr lang="en-US"/>
+              <a:t>Cannot define variables.</a:t>
+            </a:r>
+            <a:endParaRPr lang="en-US"/>
+          </a:p>
+        </p:txBody>
+      </p:sp>
+      <p:sp>
+        <p:nvSpPr>
+          <p:cNvPr id="7" name="Text Box 6"/>
+          <p:cNvSpPr txBox="1"/>
+          <p:nvPr/>
+        </p:nvSpPr>
+        <p:spPr>
+          <a:xfrm>
+            <a:off x="3105785" y="3736975"/>
+            <a:ext cx="5388610" cy="365760"/>
+          </a:xfrm>
+          <a:prstGeom prst="rect">
+            <a:avLst/>
+          </a:prstGeom>
+          <a:noFill/>
+        </p:spPr>
+        <p:txBody>
+          <a:bodyPr wrap="square" rtlCol="0">
+            <a:spAutoFit/>
+          </a:bodyPr>
+          <a:p>
+            <a:pPr algn="l"/>
+            <a:r>
+              <a:rPr lang="x-none" altLang="en-US"/>
+              <a:t>- </a:t>
+            </a:r>
+            <a:r>
+              <a:rPr lang="en-US"/>
+              <a:t>Cannot define structs.</a:t>
+            </a:r>
+            <a:endParaRPr lang="en-US"/>
+          </a:p>
+        </p:txBody>
+      </p:sp>
+      <p:sp>
+        <p:nvSpPr>
+          <p:cNvPr id="8" name="Text Box 7"/>
+          <p:cNvSpPr txBox="1"/>
+          <p:nvPr/>
+        </p:nvSpPr>
+        <p:spPr>
+          <a:xfrm>
+            <a:off x="3124200" y="4411980"/>
+            <a:ext cx="5388610" cy="365760"/>
+          </a:xfrm>
+          <a:prstGeom prst="rect">
+            <a:avLst/>
+          </a:prstGeom>
+          <a:noFill/>
+        </p:spPr>
+        <p:txBody>
+          <a:bodyPr wrap="square" rtlCol="0">
+            <a:spAutoFit/>
+          </a:bodyPr>
+          <a:p>
+            <a:pPr algn="l"/>
+            <a:r>
+              <a:rPr lang="x-none" altLang="en-US"/>
+              <a:t>- </a:t>
+            </a:r>
+            <a:r>
+              <a:rPr lang="en-US"/>
+              <a:t>Cannot define enums.</a:t>
+            </a:r>
+            <a:endParaRPr lang="en-US"/>
+          </a:p>
+        </p:txBody>
+      </p:sp>
+      <p:sp>
+        <p:nvSpPr>
+          <p:cNvPr id="9" name="Text Box 8"/>
+          <p:cNvSpPr txBox="1"/>
+          <p:nvPr/>
+        </p:nvSpPr>
+        <p:spPr>
+          <a:xfrm>
+            <a:off x="2371090" y="1964690"/>
+            <a:ext cx="457200" cy="2797810"/>
+          </a:xfrm>
+          <a:prstGeom prst="rect">
+            <a:avLst/>
+          </a:prstGeom>
+          <a:noFill/>
+        </p:spPr>
+        <p:txBody>
+          <a:bodyPr vert="eaVert" wrap="square" rtlCol="0">
+            <a:spAutoFit/>
+          </a:bodyPr>
+          <a:p>
+            <a:r>
+              <a:rPr lang="x-none" altLang="en-US"/>
+              <a:t>---------------------</a:t>
+            </a:r>
+            <a:endParaRPr lang="x-none" altLang="en-US"/>
+          </a:p>
+        </p:txBody>
+      </p:sp>
+    </p:spTree>
+  </p:cSld>
+  <p:clrMapOvr>
+    <a:masterClrMapping/>
+  </p:clrMapOvr>
+</p:sld>
+</file>
+
+<file path=ppt/slides/slide27.xml><?xml version="1.0" encoding="utf-8"?>
+<p:sld xmlns:a="http://schemas.openxmlformats.org/drawingml/2006/main" xmlns:r="http://schemas.openxmlformats.org/officeDocument/2006/relationships" xmlns:p="http://schemas.openxmlformats.org/presentationml/2006/main">
+  <p:cSld>
+    <p:spTree>
+      <p:nvGrpSpPr>
+        <p:cNvPr id="1" name=""/>
+        <p:cNvGrpSpPr/>
+        <p:nvPr/>
+      </p:nvGrpSpPr>
+      <p:grpSpPr/>
+      <p:sp>
+        <p:nvSpPr>
+          <p:cNvPr id="2" name="Title 1"/>
+          <p:cNvSpPr>
+            <a:spLocks noGrp="1"/>
+          </p:cNvSpPr>
+          <p:nvPr>
+            <p:ph type="title"/>
+          </p:nvPr>
+        </p:nvSpPr>
+        <p:spPr/>
+        <p:txBody>
+          <a:bodyPr/>
+          <a:p>
+            <a:pPr algn="ctr"/>
+            <a:r>
+              <a:rPr lang="x-none" altLang="en-US"/>
+              <a:t>libraries</a:t>
+            </a:r>
+            <a:endParaRPr lang="x-none" altLang="en-US"/>
+          </a:p>
+        </p:txBody>
+      </p:sp>
+      <p:sp>
+        <p:nvSpPr>
+          <p:cNvPr id="4" name="Text Box 3"/>
+          <p:cNvSpPr txBox="1"/>
+          <p:nvPr/>
+        </p:nvSpPr>
+        <p:spPr>
+          <a:xfrm>
+            <a:off x="1176020" y="3279140"/>
+            <a:ext cx="4491355" cy="365760"/>
+          </a:xfrm>
+          <a:prstGeom prst="rect">
+            <a:avLst/>
+          </a:prstGeom>
+          <a:noFill/>
+        </p:spPr>
+        <p:txBody>
+          <a:bodyPr wrap="square" rtlCol="0">
+            <a:spAutoFit/>
+          </a:bodyPr>
+          <a:p>
+            <a:r>
+              <a:t> reused</a:t>
+            </a:r>
+            <a:r>
+              <a:rPr lang="en-US"/>
+              <a:t> using the DELEGATECALL</a:t>
+            </a:r>
+            <a:endParaRPr lang="en-US"/>
+          </a:p>
+        </p:txBody>
+      </p:sp>
+      <p:sp>
+        <p:nvSpPr>
+          <p:cNvPr id="5" name="Text Box 4"/>
+          <p:cNvSpPr txBox="1"/>
+          <p:nvPr/>
+        </p:nvSpPr>
+        <p:spPr>
+          <a:xfrm>
+            <a:off x="5986145" y="2592070"/>
+            <a:ext cx="5388610" cy="365760"/>
+          </a:xfrm>
+          <a:prstGeom prst="rect">
+            <a:avLst/>
+          </a:prstGeom>
+          <a:noFill/>
+        </p:spPr>
+        <p:txBody>
+          <a:bodyPr wrap="square" rtlCol="0">
+            <a:spAutoFit/>
+          </a:bodyPr>
+          <a:p>
+            <a:pPr algn="l"/>
+            <a:r>
+              <a:rPr lang="x-none" altLang="en-US"/>
+              <a:t>- </a:t>
+            </a:r>
+            <a:r>
+              <a:rPr lang="en-US"/>
+              <a:t>No state variables</a:t>
+            </a:r>
+            <a:endParaRPr lang="en-US"/>
+          </a:p>
+        </p:txBody>
+      </p:sp>
+      <p:sp>
+        <p:nvSpPr>
+          <p:cNvPr id="6" name="Text Box 5"/>
+          <p:cNvSpPr txBox="1"/>
+          <p:nvPr/>
+        </p:nvSpPr>
+        <p:spPr>
+          <a:xfrm>
+            <a:off x="5989320" y="3197225"/>
+            <a:ext cx="5388610" cy="365760"/>
+          </a:xfrm>
+          <a:prstGeom prst="rect">
+            <a:avLst/>
+          </a:prstGeom>
+          <a:noFill/>
+        </p:spPr>
+        <p:txBody>
+          <a:bodyPr wrap="square" rtlCol="0">
+            <a:spAutoFit/>
+          </a:bodyPr>
+          <a:p>
+            <a:pPr algn="l"/>
+            <a:r>
+              <a:rPr lang="x-none" altLang="en-US"/>
+              <a:t>- </a:t>
+            </a:r>
+            <a:r>
+              <a:rPr lang="en-US"/>
+              <a:t>Cannot inherit nor be inherited</a:t>
+            </a:r>
+            <a:endParaRPr lang="en-US"/>
+          </a:p>
+        </p:txBody>
+      </p:sp>
+      <p:sp>
+        <p:nvSpPr>
+          <p:cNvPr id="7" name="Text Box 6"/>
+          <p:cNvSpPr txBox="1"/>
+          <p:nvPr/>
+        </p:nvSpPr>
+        <p:spPr>
+          <a:xfrm>
+            <a:off x="6002020" y="3829685"/>
+            <a:ext cx="5388610" cy="365760"/>
+          </a:xfrm>
+          <a:prstGeom prst="rect">
+            <a:avLst/>
+          </a:prstGeom>
+          <a:noFill/>
+        </p:spPr>
+        <p:txBody>
+          <a:bodyPr wrap="square" rtlCol="0">
+            <a:spAutoFit/>
+          </a:bodyPr>
+          <a:p>
+            <a:pPr algn="l"/>
+            <a:r>
+              <a:rPr lang="x-none" altLang="en-US"/>
+              <a:t>- </a:t>
+            </a:r>
+            <a:r>
+              <a:rPr lang="en-US">
+                <a:sym typeface="+mn-ea"/>
+              </a:rPr>
+              <a:t>Cannot receive Ether</a:t>
+            </a:r>
+            <a:endParaRPr lang="en-US">
+              <a:sym typeface="+mn-ea"/>
+            </a:endParaRPr>
+          </a:p>
+        </p:txBody>
+      </p:sp>
+      <p:sp>
+        <p:nvSpPr>
+          <p:cNvPr id="10" name="Text Box 9"/>
+          <p:cNvSpPr txBox="1"/>
+          <p:nvPr/>
+        </p:nvSpPr>
+        <p:spPr>
+          <a:xfrm>
+            <a:off x="5280025" y="1974215"/>
+            <a:ext cx="457200" cy="2797810"/>
+          </a:xfrm>
+          <a:prstGeom prst="rect">
+            <a:avLst/>
+          </a:prstGeom>
+          <a:noFill/>
+        </p:spPr>
+        <p:txBody>
+          <a:bodyPr vert="eaVert" wrap="square" rtlCol="0">
+            <a:spAutoFit/>
+          </a:bodyPr>
+          <a:p>
+            <a:r>
+              <a:rPr lang="x-none" altLang="en-US"/>
+              <a:t>---------------------</a:t>
+            </a:r>
+            <a:endParaRPr lang="x-none" altLang="en-US"/>
+          </a:p>
+        </p:txBody>
+      </p:sp>
+    </p:spTree>
+  </p:cSld>
+  <p:clrMapOvr>
+    <a:masterClrMapping/>
+  </p:clrMapOvr>
+</p:sld>
+</file>
+
+<file path=ppt/slides/slide28.xml><?xml version="1.0" encoding="utf-8"?>
+<p:sld xmlns:a="http://schemas.openxmlformats.org/drawingml/2006/main" xmlns:r="http://schemas.openxmlformats.org/officeDocument/2006/relationships" xmlns:p="http://schemas.openxmlformats.org/presentationml/2006/main">
+  <p:cSld>
+    <p:spTree>
+      <p:nvGrpSpPr>
+        <p:cNvPr id="1" name=""/>
+        <p:cNvGrpSpPr/>
+        <p:nvPr/>
+      </p:nvGrpSpPr>
+      <p:grpSpPr/>
+      <p:sp>
+        <p:nvSpPr>
+          <p:cNvPr id="2" name="Title 1"/>
+          <p:cNvSpPr>
+            <a:spLocks noGrp="1"/>
+          </p:cNvSpPr>
+          <p:nvPr>
+            <p:ph type="title"/>
+          </p:nvPr>
+        </p:nvSpPr>
+        <p:spPr/>
+        <p:txBody>
+          <a:bodyPr/>
+          <a:p>
+            <a:pPr algn="ctr"/>
+            <a:r>
+              <a:rPr lang="x-none" altLang="en-US"/>
+              <a:t>security considerations &amp;&amp; assembly</a:t>
+            </a:r>
+            <a:endParaRPr lang="x-none" altLang="en-US"/>
+          </a:p>
+        </p:txBody>
+      </p:sp>
+      <p:sp>
+        <p:nvSpPr>
+          <p:cNvPr id="4" name="Text Box 3"/>
+          <p:cNvSpPr txBox="1"/>
+          <p:nvPr/>
+        </p:nvSpPr>
+        <p:spPr>
+          <a:xfrm>
+            <a:off x="1602740" y="2063750"/>
+            <a:ext cx="4860290" cy="365760"/>
+          </a:xfrm>
+          <a:prstGeom prst="rect">
+            <a:avLst/>
+          </a:prstGeom>
+          <a:noFill/>
+        </p:spPr>
+        <p:txBody>
+          <a:bodyPr wrap="square" rtlCol="0">
+            <a:spAutoFit/>
+          </a:bodyPr>
+          <a:p>
+            <a:r>
+              <a:rPr lang="en-US"/>
+              <a:t>Private Information and Randomness</a:t>
+            </a:r>
+            <a:endParaRPr lang="en-US"/>
+          </a:p>
+        </p:txBody>
+      </p:sp>
+      <p:sp>
+        <p:nvSpPr>
+          <p:cNvPr id="5" name="Text Box 4"/>
+          <p:cNvSpPr txBox="1"/>
+          <p:nvPr/>
+        </p:nvSpPr>
+        <p:spPr>
+          <a:xfrm>
+            <a:off x="1613535" y="2751455"/>
+            <a:ext cx="2200910" cy="365760"/>
+          </a:xfrm>
+          <a:prstGeom prst="rect">
+            <a:avLst/>
+          </a:prstGeom>
+          <a:noFill/>
+        </p:spPr>
+        <p:txBody>
+          <a:bodyPr wrap="square" rtlCol="0">
+            <a:spAutoFit/>
+          </a:bodyPr>
+          <a:p>
+            <a:r>
+              <a:rPr lang="en-US"/>
+              <a:t>Re-Entrancy</a:t>
+            </a:r>
+            <a:endParaRPr lang="en-US"/>
+          </a:p>
+        </p:txBody>
+      </p:sp>
+      <p:sp>
+        <p:nvSpPr>
+          <p:cNvPr id="6" name="Text Box 5"/>
+          <p:cNvSpPr txBox="1"/>
+          <p:nvPr/>
+        </p:nvSpPr>
+        <p:spPr>
+          <a:xfrm>
+            <a:off x="1608455" y="3499485"/>
+            <a:ext cx="2659380" cy="365760"/>
+          </a:xfrm>
+          <a:prstGeom prst="rect">
+            <a:avLst/>
+          </a:prstGeom>
+          <a:noFill/>
+        </p:spPr>
+        <p:txBody>
+          <a:bodyPr wrap="square" rtlCol="0">
+            <a:spAutoFit/>
+          </a:bodyPr>
+          <a:p>
+            <a:r>
+              <a:rPr lang="en-US"/>
+              <a:t>Gas Limit and Loops</a:t>
+            </a:r>
+            <a:endParaRPr lang="en-US"/>
+          </a:p>
+        </p:txBody>
+      </p:sp>
+      <p:sp>
+        <p:nvSpPr>
+          <p:cNvPr id="7" name="Text Box 6"/>
+          <p:cNvSpPr txBox="1"/>
+          <p:nvPr/>
+        </p:nvSpPr>
+        <p:spPr>
+          <a:xfrm>
+            <a:off x="1616075" y="4244340"/>
+            <a:ext cx="3575050" cy="365760"/>
+          </a:xfrm>
+          <a:prstGeom prst="rect">
+            <a:avLst/>
+          </a:prstGeom>
+          <a:noFill/>
+        </p:spPr>
+        <p:txBody>
+          <a:bodyPr wrap="square" rtlCol="0">
+            <a:spAutoFit/>
+          </a:bodyPr>
+          <a:p>
+            <a:r>
+              <a:rPr lang="en-US"/>
+              <a:t>Sending and Receiving Ether</a:t>
+            </a:r>
+            <a:endParaRPr lang="en-US"/>
+          </a:p>
+        </p:txBody>
+      </p:sp>
+      <p:sp>
+        <p:nvSpPr>
+          <p:cNvPr id="8" name="Text Box 7"/>
+          <p:cNvSpPr txBox="1"/>
+          <p:nvPr/>
+        </p:nvSpPr>
+        <p:spPr>
+          <a:xfrm>
+            <a:off x="1619250" y="4899025"/>
+            <a:ext cx="2499995" cy="365760"/>
+          </a:xfrm>
+          <a:prstGeom prst="rect">
+            <a:avLst/>
+          </a:prstGeom>
+          <a:noFill/>
+        </p:spPr>
+        <p:txBody>
+          <a:bodyPr wrap="square" rtlCol="0">
+            <a:spAutoFit/>
+          </a:bodyPr>
+          <a:p>
+            <a:r>
+              <a:rPr lang="en-US"/>
+              <a:t>Callstack Depth</a:t>
+            </a:r>
+            <a:endParaRPr lang="en-US"/>
+          </a:p>
+        </p:txBody>
+      </p:sp>
+      <p:sp>
+        <p:nvSpPr>
+          <p:cNvPr id="9" name="Text Box 8"/>
+          <p:cNvSpPr txBox="1"/>
+          <p:nvPr/>
+        </p:nvSpPr>
+        <p:spPr>
+          <a:xfrm>
+            <a:off x="8067675" y="3329305"/>
+            <a:ext cx="1962785" cy="365760"/>
+          </a:xfrm>
+          <a:prstGeom prst="rect">
+            <a:avLst/>
+          </a:prstGeom>
+          <a:noFill/>
+        </p:spPr>
+        <p:txBody>
+          <a:bodyPr wrap="square" rtlCol="0">
+            <a:spAutoFit/>
+          </a:bodyPr>
+          <a:p>
+            <a:r>
+              <a:rPr lang="en-US"/>
+              <a:t>inline assembly</a:t>
+            </a:r>
+            <a:endParaRPr lang="en-US"/>
+          </a:p>
+        </p:txBody>
+      </p:sp>
+      <p:sp>
+        <p:nvSpPr>
+          <p:cNvPr id="10" name="Text Box 9"/>
+          <p:cNvSpPr txBox="1"/>
+          <p:nvPr/>
+        </p:nvSpPr>
+        <p:spPr>
+          <a:xfrm>
+            <a:off x="6455410" y="2033905"/>
+            <a:ext cx="457200" cy="3665855"/>
+          </a:xfrm>
+          <a:prstGeom prst="rect">
+            <a:avLst/>
+          </a:prstGeom>
+          <a:noFill/>
+        </p:spPr>
+        <p:txBody>
+          <a:bodyPr vert="eaVert" wrap="square" rtlCol="0">
+            <a:spAutoFit/>
+          </a:bodyPr>
+          <a:p>
+            <a:r>
+              <a:rPr lang="x-none" altLang="en-US"/>
+              <a:t>----------------------------</a:t>
+            </a:r>
+            <a:endParaRPr lang="x-none" altLang="en-US"/>
+          </a:p>
+        </p:txBody>
+      </p:sp>
+    </p:spTree>
+  </p:cSld>
+  <p:clrMapOvr>
+    <a:masterClrMapping/>
+  </p:clrMapOvr>
+</p:sld>
+</file>
+
+<file path=ppt/slides/slide29.xml><?xml version="1.0" encoding="utf-8"?>
+<p:sld xmlns:a="http://schemas.openxmlformats.org/drawingml/2006/main" xmlns:r="http://schemas.openxmlformats.org/officeDocument/2006/relationships" xmlns:p="http://schemas.openxmlformats.org/presentationml/2006/main">
+  <p:cSld>
+    <p:spTree>
+      <p:nvGrpSpPr>
+        <p:cNvPr id="1" name=""/>
+        <p:cNvGrpSpPr/>
+        <p:nvPr/>
+      </p:nvGrpSpPr>
+      <p:grpSpPr/>
+      <p:sp>
+        <p:nvSpPr>
+          <p:cNvPr id="2" name="Title 1"/>
+          <p:cNvSpPr>
+            <a:spLocks noGrp="1"/>
+          </p:cNvSpPr>
+          <p:nvPr>
+            <p:ph type="title"/>
+          </p:nvPr>
+        </p:nvSpPr>
+        <p:spPr/>
+        <p:txBody>
+          <a:bodyPr/>
+          <a:p>
+            <a:pPr algn="ctr"/>
+            <a:r>
+              <a:rPr lang="x-none" altLang="en-US"/>
+              <a:t>End</a:t>
+            </a:r>
+            <a:endParaRPr lang="x-none" altLang="en-US"/>
+          </a:p>
+        </p:txBody>
+      </p:sp>
+      <p:sp>
+        <p:nvSpPr>
+          <p:cNvPr id="4" name="Text Box 3"/>
+          <p:cNvSpPr txBox="1"/>
+          <p:nvPr/>
+        </p:nvSpPr>
+        <p:spPr>
+          <a:xfrm>
+            <a:off x="1854835" y="2724785"/>
+            <a:ext cx="9062085" cy="365760"/>
+          </a:xfrm>
+          <a:prstGeom prst="rect">
+            <a:avLst/>
+          </a:prstGeom>
+          <a:noFill/>
+        </p:spPr>
+        <p:txBody>
+          <a:bodyPr wrap="square" rtlCol="0">
+            <a:spAutoFit/>
+          </a:bodyPr>
+          <a:p>
+            <a:r>
+              <a:rPr lang="en-US"/>
+              <a:t>http://solidity.readthedocs.io/en/develop/frequently-asked-questions.html</a:t>
+            </a:r>
+            <a:endParaRPr lang="en-US"/>
+          </a:p>
+        </p:txBody>
+      </p:sp>
+      <p:sp>
+        <p:nvSpPr>
+          <p:cNvPr id="5" name="Text Box 4"/>
+          <p:cNvSpPr txBox="1"/>
+          <p:nvPr/>
+        </p:nvSpPr>
+        <p:spPr>
+          <a:xfrm>
+            <a:off x="1863725" y="3926840"/>
+            <a:ext cx="9502140" cy="365760"/>
+          </a:xfrm>
+          <a:prstGeom prst="rect">
+            <a:avLst/>
+          </a:prstGeom>
+          <a:noFill/>
+        </p:spPr>
+        <p:txBody>
+          <a:bodyPr wrap="square" rtlCol="0">
+            <a:spAutoFit/>
+          </a:bodyPr>
+          <a:p>
+            <a:r>
+              <a:rPr lang="en-US"/>
+              <a:t>http://hudsonjameson.com/2017-06-27-accounts-transactions-gas-ethereum/</a:t>
+            </a:r>
+            <a:endParaRPr lang="en-US"/>
           </a:p>
         </p:txBody>
       </p:sp>
@@ -9118,7 +11737,7 @@
         </p:nvSpPr>
         <p:spPr>
           <a:xfrm>
-            <a:off x="5537835" y="3348990"/>
+            <a:off x="5766435" y="3348990"/>
             <a:ext cx="807085" cy="365760"/>
           </a:xfrm>
           <a:prstGeom prst="rect">
@@ -9490,7 +12109,7 @@
         </p:nvSpPr>
         <p:spPr>
           <a:xfrm>
-            <a:off x="5269230" y="3209925"/>
+            <a:off x="5221605" y="3209925"/>
             <a:ext cx="2679700" cy="365760"/>
           </a:xfrm>
           <a:prstGeom prst="rect">

--- a/contract_me.pptx
+++ b/contract_me.pptx
@@ -2985,6 +2985,10 @@
           </a:p>
           <a:p>
             <a:pPr algn="r"/>
+            <a:endParaRPr lang="x-none" altLang="en-US"/>
+          </a:p>
+          <a:p>
+            <a:pPr algn="r"/>
             <a:r>
               <a:rPr lang="x-none" altLang="en-US"/>
               <a:t>kaikai</a:t>
@@ -3441,7 +3445,37 @@
         </p:nvSpPr>
         <p:spPr>
           <a:xfrm>
-            <a:off x="3398520" y="2200275"/>
+            <a:off x="3379470" y="2200275"/>
+            <a:ext cx="1464310" cy="365760"/>
+          </a:xfrm>
+          <a:prstGeom prst="rect">
+            <a:avLst/>
+          </a:prstGeom>
+          <a:noFill/>
+        </p:spPr>
+        <p:txBody>
+          <a:bodyPr wrap="square" rtlCol="0">
+            <a:spAutoFit/>
+          </a:bodyPr>
+          <a:p>
+            <a:pPr algn="l"/>
+            <a:r>
+              <a:rPr lang="x-none" altLang="en-US"/>
+              <a:t>- storage</a:t>
+            </a:r>
+            <a:endParaRPr lang="x-none" altLang="en-US"/>
+          </a:p>
+        </p:txBody>
+      </p:sp>
+      <p:sp>
+        <p:nvSpPr>
+          <p:cNvPr id="5" name="Text Box 4"/>
+          <p:cNvSpPr txBox="1"/>
+          <p:nvPr/>
+        </p:nvSpPr>
+        <p:spPr>
+          <a:xfrm>
+            <a:off x="3357880" y="3383280"/>
             <a:ext cx="1633855" cy="365760"/>
           </a:xfrm>
           <a:prstGeom prst="rect">
@@ -3454,40 +3488,10 @@
             <a:spAutoFit/>
           </a:bodyPr>
           <a:p>
-            <a:pPr algn="ctr"/>
-            <a:r>
-              <a:rPr lang="x-none" altLang="en-US"/>
-              <a:t>storage</a:t>
-            </a:r>
-            <a:endParaRPr lang="x-none" altLang="en-US"/>
-          </a:p>
-        </p:txBody>
-      </p:sp>
-      <p:sp>
-        <p:nvSpPr>
-          <p:cNvPr id="5" name="Text Box 4"/>
-          <p:cNvSpPr txBox="1"/>
-          <p:nvPr/>
-        </p:nvSpPr>
-        <p:spPr>
-          <a:xfrm>
-            <a:off x="3386455" y="3383280"/>
-            <a:ext cx="1633855" cy="365760"/>
-          </a:xfrm>
-          <a:prstGeom prst="rect">
-            <a:avLst/>
-          </a:prstGeom>
-          <a:noFill/>
-        </p:spPr>
-        <p:txBody>
-          <a:bodyPr wrap="square" rtlCol="0">
-            <a:spAutoFit/>
-          </a:bodyPr>
-          <a:p>
-            <a:pPr algn="ctr"/>
-            <a:r>
-              <a:rPr lang="x-none" altLang="en-US"/>
-              <a:t>memory</a:t>
+            <a:pPr algn="l"/>
+            <a:r>
+              <a:rPr lang="x-none" altLang="en-US"/>
+              <a:t>- memory</a:t>
             </a:r>
             <a:endParaRPr lang="x-none" altLang="en-US"/>
           </a:p>
@@ -3501,23 +3505,23 @@
         </p:nvSpPr>
         <p:spPr>
           <a:xfrm>
-            <a:off x="3374390" y="4635500"/>
-            <a:ext cx="1633855" cy="365760"/>
-          </a:xfrm>
-          <a:prstGeom prst="rect">
-            <a:avLst/>
-          </a:prstGeom>
-          <a:noFill/>
-        </p:spPr>
-        <p:txBody>
-          <a:bodyPr wrap="square" rtlCol="0">
-            <a:spAutoFit/>
-          </a:bodyPr>
-          <a:p>
-            <a:pPr algn="ctr"/>
-            <a:r>
-              <a:rPr lang="x-none" altLang="en-US"/>
-              <a:t>stack</a:t>
+            <a:off x="3365500" y="4635500"/>
+            <a:ext cx="1444625" cy="365760"/>
+          </a:xfrm>
+          <a:prstGeom prst="rect">
+            <a:avLst/>
+          </a:prstGeom>
+          <a:noFill/>
+        </p:spPr>
+        <p:txBody>
+          <a:bodyPr wrap="square" rtlCol="0">
+            <a:spAutoFit/>
+          </a:bodyPr>
+          <a:p>
+            <a:pPr algn="l"/>
+            <a:r>
+              <a:rPr lang="x-none" altLang="en-US"/>
+              <a:t>- stack</a:t>
             </a:r>
             <a:endParaRPr lang="x-none" altLang="en-US"/>
           </a:p>
@@ -3561,23 +3565,23 @@
         </p:nvSpPr>
         <p:spPr>
           <a:xfrm>
-            <a:off x="6882130" y="2118360"/>
-            <a:ext cx="2051685" cy="365760"/>
-          </a:xfrm>
-          <a:prstGeom prst="rect">
-            <a:avLst/>
-          </a:prstGeom>
-          <a:noFill/>
-        </p:spPr>
-        <p:txBody>
-          <a:bodyPr wrap="square" rtlCol="0">
-            <a:spAutoFit/>
-          </a:bodyPr>
-          <a:p>
-            <a:pPr algn="ctr"/>
-            <a:r>
-              <a:rPr lang="x-none" altLang="en-US"/>
-              <a:t>persistent</a:t>
+            <a:off x="7225665" y="2118360"/>
+            <a:ext cx="1483995" cy="365760"/>
+          </a:xfrm>
+          <a:prstGeom prst="rect">
+            <a:avLst/>
+          </a:prstGeom>
+          <a:noFill/>
+        </p:spPr>
+        <p:txBody>
+          <a:bodyPr wrap="square" rtlCol="0">
+            <a:spAutoFit/>
+          </a:bodyPr>
+          <a:p>
+            <a:pPr algn="l"/>
+            <a:r>
+              <a:rPr lang="x-none" altLang="en-US"/>
+              <a:t>- persistent</a:t>
             </a:r>
             <a:endParaRPr lang="x-none" altLang="en-US"/>
           </a:p>
@@ -3591,7 +3595,7 @@
         </p:nvSpPr>
         <p:spPr>
           <a:xfrm>
-            <a:off x="7233920" y="2513965"/>
+            <a:off x="7243445" y="2513965"/>
             <a:ext cx="1016000" cy="365760"/>
           </a:xfrm>
           <a:prstGeom prst="rect">
@@ -3604,10 +3608,10 @@
             <a:spAutoFit/>
           </a:bodyPr>
           <a:p>
-            <a:pPr algn="ctr"/>
-            <a:r>
-              <a:rPr lang="x-none" altLang="en-US"/>
-              <a:t>costly</a:t>
+            <a:pPr algn="l"/>
+            <a:r>
+              <a:rPr lang="x-none" altLang="en-US"/>
+              <a:t>- costly</a:t>
             </a:r>
             <a:endParaRPr lang="x-none" altLang="en-US"/>
           </a:p>
@@ -3781,10 +3785,10 @@
             <a:spAutoFit/>
           </a:bodyPr>
           <a:p>
-            <a:pPr algn="ctr"/>
-            <a:r>
-              <a:rPr lang="x-none" altLang="en-US"/>
-              <a:t>key-value</a:t>
+            <a:pPr algn="l"/>
+            <a:r>
+              <a:rPr lang="x-none" altLang="en-US"/>
+              <a:t>- key-value</a:t>
             </a:r>
             <a:endParaRPr lang="x-none" altLang="en-US"/>
           </a:p>
@@ -3798,23 +3802,23 @@
         </p:nvSpPr>
         <p:spPr>
           <a:xfrm>
-            <a:off x="7339330" y="3111500"/>
-            <a:ext cx="1473200" cy="365760"/>
-          </a:xfrm>
-          <a:prstGeom prst="rect">
-            <a:avLst/>
-          </a:prstGeom>
-          <a:noFill/>
-        </p:spPr>
-        <p:txBody>
-          <a:bodyPr wrap="square" rtlCol="0">
-            <a:spAutoFit/>
-          </a:bodyPr>
-          <a:p>
-            <a:pPr algn="ctr"/>
-            <a:r>
-              <a:rPr lang="x-none" altLang="en-US"/>
-              <a:t>fresh cleared</a:t>
+            <a:off x="7292975" y="3111500"/>
+            <a:ext cx="1671955" cy="365760"/>
+          </a:xfrm>
+          <a:prstGeom prst="rect">
+            <a:avLst/>
+          </a:prstGeom>
+          <a:noFill/>
+        </p:spPr>
+        <p:txBody>
+          <a:bodyPr wrap="square" rtlCol="0">
+            <a:spAutoFit/>
+          </a:bodyPr>
+          <a:p>
+            <a:pPr algn="l"/>
+            <a:r>
+              <a:rPr lang="x-none" altLang="en-US"/>
+              <a:t>- fresh cleared</a:t>
             </a:r>
             <a:endParaRPr lang="x-none" altLang="en-US"/>
           </a:p>
@@ -3828,7 +3832,7 @@
         </p:nvSpPr>
         <p:spPr>
           <a:xfrm>
-            <a:off x="7248525" y="3468370"/>
+            <a:off x="7286625" y="3468370"/>
             <a:ext cx="936625" cy="365760"/>
           </a:xfrm>
           <a:prstGeom prst="rect">
@@ -3841,10 +3845,10 @@
             <a:spAutoFit/>
           </a:bodyPr>
           <a:p>
-            <a:pPr algn="ctr"/>
-            <a:r>
-              <a:rPr lang="x-none" altLang="en-US"/>
-              <a:t>liner</a:t>
+            <a:pPr algn="l"/>
+            <a:r>
+              <a:rPr lang="x-none" altLang="en-US"/>
+              <a:t>- liner</a:t>
             </a:r>
             <a:endParaRPr lang="x-none" altLang="en-US"/>
           </a:p>
@@ -3871,10 +3875,10 @@
             <a:spAutoFit/>
           </a:bodyPr>
           <a:p>
-            <a:pPr algn="ctr"/>
-            <a:r>
-              <a:rPr lang="x-none" altLang="en-US"/>
-              <a:t>addressed at byte-level</a:t>
+            <a:pPr algn="l"/>
+            <a:r>
+              <a:rPr lang="x-none" altLang="en-US"/>
+              <a:t>- addressed at byte-level</a:t>
             </a:r>
             <a:endParaRPr lang="x-none" altLang="en-US"/>
           </a:p>
@@ -3888,23 +3892,23 @@
         </p:nvSpPr>
         <p:spPr>
           <a:xfrm>
-            <a:off x="7390765" y="4404360"/>
-            <a:ext cx="1503680" cy="365760"/>
-          </a:xfrm>
-          <a:prstGeom prst="rect">
-            <a:avLst/>
-          </a:prstGeom>
-          <a:noFill/>
-        </p:spPr>
-        <p:txBody>
-          <a:bodyPr wrap="square" rtlCol="0">
-            <a:spAutoFit/>
-          </a:bodyPr>
-          <a:p>
-            <a:pPr algn="r"/>
-            <a:r>
-              <a:rPr lang="x-none" altLang="en-US"/>
-              <a:t>stack machint</a:t>
+            <a:off x="7334250" y="4404360"/>
+            <a:ext cx="1762125" cy="365760"/>
+          </a:xfrm>
+          <a:prstGeom prst="rect">
+            <a:avLst/>
+          </a:prstGeom>
+          <a:noFill/>
+        </p:spPr>
+        <p:txBody>
+          <a:bodyPr wrap="square" rtlCol="0">
+            <a:spAutoFit/>
+          </a:bodyPr>
+          <a:p>
+            <a:pPr algn="l"/>
+            <a:r>
+              <a:rPr lang="x-none" altLang="en-US"/>
+              <a:t>- stack machint</a:t>
             </a:r>
             <a:endParaRPr lang="x-none" altLang="en-US"/>
           </a:p>
@@ -3918,23 +3922,23 @@
         </p:nvSpPr>
         <p:spPr>
           <a:xfrm>
-            <a:off x="7458710" y="4872355"/>
-            <a:ext cx="1503680" cy="365760"/>
-          </a:xfrm>
-          <a:prstGeom prst="rect">
-            <a:avLst/>
-          </a:prstGeom>
-          <a:noFill/>
-        </p:spPr>
-        <p:txBody>
-          <a:bodyPr wrap="square" rtlCol="0">
-            <a:spAutoFit/>
-          </a:bodyPr>
-          <a:p>
-            <a:pPr algn="ctr"/>
-            <a:r>
-              <a:rPr lang="x-none" altLang="en-US"/>
-              <a:t>1024 elements</a:t>
+            <a:off x="7353935" y="4872355"/>
+            <a:ext cx="1802130" cy="365760"/>
+          </a:xfrm>
+          <a:prstGeom prst="rect">
+            <a:avLst/>
+          </a:prstGeom>
+          <a:noFill/>
+        </p:spPr>
+        <p:txBody>
+          <a:bodyPr wrap="square" rtlCol="0">
+            <a:spAutoFit/>
+          </a:bodyPr>
+          <a:p>
+            <a:pPr algn="l"/>
+            <a:r>
+              <a:rPr lang="x-none" altLang="en-US"/>
+              <a:t>- 1024 elements</a:t>
             </a:r>
             <a:endParaRPr lang="x-none" altLang="en-US"/>
           </a:p>
@@ -3948,23 +3952,23 @@
         </p:nvSpPr>
         <p:spPr>
           <a:xfrm>
-            <a:off x="7197725" y="5335905"/>
-            <a:ext cx="1503680" cy="365760"/>
-          </a:xfrm>
-          <a:prstGeom prst="rect">
-            <a:avLst/>
-          </a:prstGeom>
-          <a:noFill/>
-        </p:spPr>
-        <p:txBody>
-          <a:bodyPr wrap="square" rtlCol="0">
-            <a:spAutoFit/>
-          </a:bodyPr>
-          <a:p>
-            <a:pPr algn="ctr"/>
-            <a:r>
-              <a:rPr lang="x-none" altLang="en-US"/>
-              <a:t>256 bits</a:t>
+            <a:off x="7398385" y="5335905"/>
+            <a:ext cx="1224915" cy="365760"/>
+          </a:xfrm>
+          <a:prstGeom prst="rect">
+            <a:avLst/>
+          </a:prstGeom>
+          <a:noFill/>
+        </p:spPr>
+        <p:txBody>
+          <a:bodyPr wrap="square" rtlCol="0">
+            <a:spAutoFit/>
+          </a:bodyPr>
+          <a:p>
+            <a:pPr algn="l"/>
+            <a:r>
+              <a:rPr lang="x-none" altLang="en-US"/>
+              <a:t>- 256 bits</a:t>
             </a:r>
             <a:endParaRPr lang="x-none" altLang="en-US"/>
           </a:p>
@@ -4241,10 +4245,10 @@
           <a:p>
             <a:pPr algn="ctr"/>
             <a:r>
-              <a:rPr lang="x-none" altLang="en-US"/>
+              <a:rPr lang="x-none" altLang="en-US" i="1"/>
               <a:t>mesages call</a:t>
             </a:r>
-            <a:endParaRPr lang="x-none" altLang="en-US"/>
+            <a:endParaRPr lang="x-none" altLang="en-US" i="1"/>
           </a:p>
         </p:txBody>
       </p:sp>
@@ -4271,10 +4275,10 @@
           <a:p>
             <a:pPr algn="ctr"/>
             <a:r>
-              <a:rPr lang="x-none" altLang="en-US"/>
+              <a:rPr lang="x-none" altLang="en-US" i="1"/>
               <a:t>transactions</a:t>
             </a:r>
-            <a:endParaRPr lang="x-none" altLang="en-US"/>
+            <a:endParaRPr lang="x-none" altLang="en-US" i="1"/>
           </a:p>
         </p:txBody>
       </p:sp>
@@ -4841,7 +4845,7 @@
         </p:nvSpPr>
         <p:spPr>
           <a:xfrm>
-            <a:off x="5748020" y="3416935"/>
+            <a:off x="5024120" y="3416935"/>
             <a:ext cx="4223385" cy="365760"/>
           </a:xfrm>
           <a:prstGeom prst="rect">
@@ -4888,6 +4892,35 @@
               <a:t>efficiently accessed from outside the blockchain</a:t>
             </a:r>
             <a:endParaRPr lang="en-US"/>
+          </a:p>
+        </p:txBody>
+      </p:sp>
+      <p:sp>
+        <p:nvSpPr>
+          <p:cNvPr id="3" name="Text Box 2"/>
+          <p:cNvSpPr txBox="1"/>
+          <p:nvPr/>
+        </p:nvSpPr>
+        <p:spPr>
+          <a:xfrm>
+            <a:off x="4074795" y="3368675"/>
+            <a:ext cx="457200" cy="1255395"/>
+          </a:xfrm>
+          <a:prstGeom prst="rect">
+            <a:avLst/>
+          </a:prstGeom>
+          <a:noFill/>
+        </p:spPr>
+        <p:txBody>
+          <a:bodyPr vert="eaVert" wrap="square" rtlCol="0">
+            <a:spAutoFit/>
+          </a:bodyPr>
+          <a:p>
+            <a:r>
+              <a:rPr lang="x-none" altLang="en-US"/>
+              <a:t>---------</a:t>
+            </a:r>
+            <a:endParaRPr lang="x-none" altLang="en-US"/>
           </a:p>
         </p:txBody>
       </p:sp>
@@ -5326,7 +5359,7 @@
         </p:nvSpPr>
         <p:spPr>
           <a:xfrm>
-            <a:off x="5059045" y="3996055"/>
+            <a:off x="5087620" y="3996055"/>
             <a:ext cx="1644015" cy="365760"/>
           </a:xfrm>
           <a:prstGeom prst="rect">
@@ -5446,7 +5479,7 @@
         </p:nvSpPr>
         <p:spPr>
           <a:xfrm>
-            <a:off x="7089140" y="4710430"/>
+            <a:off x="6784340" y="4748530"/>
             <a:ext cx="2480310" cy="365760"/>
           </a:xfrm>
           <a:prstGeom prst="rect">
@@ -5476,7 +5509,7 @@
         </p:nvSpPr>
         <p:spPr>
           <a:xfrm>
-            <a:off x="8062595" y="5157470"/>
+            <a:off x="8253095" y="5157470"/>
             <a:ext cx="1932940" cy="365760"/>
           </a:xfrm>
           <a:prstGeom prst="rect">
@@ -5506,7 +5539,7 @@
         </p:nvSpPr>
         <p:spPr>
           <a:xfrm>
-            <a:off x="9008745" y="5575300"/>
+            <a:off x="9143365" y="5555615"/>
             <a:ext cx="1932940" cy="365760"/>
           </a:xfrm>
           <a:prstGeom prst="rect">
@@ -7008,7 +7041,7 @@
             <a:pPr lvl="1"/>
             <a:r>
               <a:rPr lang="en-US"/>
-              <a:t> Turing-completeness,</a:t>
+              <a:t> Turing-completeness</a:t>
             </a:r>
             <a:endParaRPr lang="en-US"/>
           </a:p>
@@ -9128,7 +9161,7 @@
         </p:nvSpPr>
         <p:spPr>
           <a:xfrm>
-            <a:off x="4204970" y="4042410"/>
+            <a:off x="4204970" y="4090035"/>
             <a:ext cx="4320540" cy="365760"/>
           </a:xfrm>
           <a:prstGeom prst="rect">
@@ -9891,7 +9924,7 @@
         </p:nvSpPr>
         <p:spPr>
           <a:xfrm>
-            <a:off x="1854835" y="2724785"/>
+            <a:off x="1873885" y="2724785"/>
             <a:ext cx="9062085" cy="365760"/>
           </a:xfrm>
           <a:prstGeom prst="rect">
@@ -9920,7 +9953,7 @@
         </p:nvSpPr>
         <p:spPr>
           <a:xfrm>
-            <a:off x="1863725" y="3926840"/>
+            <a:off x="1883410" y="4394835"/>
             <a:ext cx="9502140" cy="365760"/>
           </a:xfrm>
           <a:prstGeom prst="rect">
@@ -9936,6 +9969,35 @@
             <a:r>
               <a:rPr lang="en-US"/>
               <a:t>http://hudsonjameson.com/2017-06-27-accounts-transactions-gas-ethereum/</a:t>
+            </a:r>
+            <a:endParaRPr lang="en-US"/>
+          </a:p>
+        </p:txBody>
+      </p:sp>
+      <p:sp>
+        <p:nvSpPr>
+          <p:cNvPr id="3" name="Text Box 2"/>
+          <p:cNvSpPr txBox="1"/>
+          <p:nvPr/>
+        </p:nvSpPr>
+        <p:spPr>
+          <a:xfrm>
+            <a:off x="1904365" y="3569970"/>
+            <a:ext cx="7739380" cy="365760"/>
+          </a:xfrm>
+          <a:prstGeom prst="rect">
+            <a:avLst/>
+          </a:prstGeom>
+          <a:noFill/>
+        </p:spPr>
+        <p:txBody>
+          <a:bodyPr wrap="square" rtlCol="0">
+            <a:spAutoFit/>
+          </a:bodyPr>
+          <a:p>
+            <a:r>
+              <a:rPr lang="en-US"/>
+              <a:t>https://github.com/ethereum/wiki/wiki/White-Paper</a:t>
             </a:r>
             <a:endParaRPr lang="en-US"/>
           </a:p>
@@ -11458,8 +11520,8 @@
         </p:nvSpPr>
         <p:spPr>
           <a:xfrm>
-            <a:off x="4828540" y="2961005"/>
-            <a:ext cx="2304415" cy="518160"/>
+            <a:off x="5017135" y="2961005"/>
+            <a:ext cx="2115820" cy="518160"/>
           </a:xfrm>
           <a:prstGeom prst="rect">
             <a:avLst/>

--- a/contract_me.pptx
+++ b/contract_me.pptx
@@ -6827,7 +6827,7 @@
           <a:p>
             <a:r>
               <a:rPr lang="x-none" altLang="en-US"/>
-              <a:t>Bitcoin script</a:t>
+              <a:t> Bitcoin script</a:t>
             </a:r>
             <a:r>
               <a:rPr lang="en-US"/>
@@ -10271,7 +10271,7 @@
           <a:p>
             <a:r>
               <a:rPr lang="x-none" altLang="en-US"/>
-              <a:t>serpent</a:t>
+              <a:t> serpent</a:t>
             </a:r>
             <a:endParaRPr lang="x-none" altLang="en-US"/>
           </a:p>
@@ -10465,7 +10465,7 @@
           <a:p>
             <a:r>
               <a:rPr lang="x-none" altLang="en-US"/>
-              <a:t>Viper</a:t>
+              <a:t> Viper</a:t>
             </a:r>
             <a:endParaRPr lang="x-none" altLang="en-US"/>
           </a:p>
@@ -10481,8 +10481,8 @@
         </p:nvSpPr>
         <p:spPr>
           <a:xfrm>
-            <a:off x="7271385" y="1998980"/>
-            <a:ext cx="3081655" cy="939165"/>
+            <a:off x="7271385" y="1999615"/>
+            <a:ext cx="3698240" cy="939165"/>
           </a:xfrm>
           <a:prstGeom prst="rect">
             <a:avLst/>
@@ -10660,7 +10660,7 @@
             <a:pPr algn="ctr"/>
             <a:r>
               <a:rPr lang="x-none" altLang="en-US"/>
-              <a:t>assembly language</a:t>
+              <a:t> assembly language</a:t>
             </a:r>
             <a:endParaRPr lang="x-none" altLang="en-US"/>
           </a:p>
